--- a/day1/lecture1_intro_eng.pptx
+++ b/day1/lecture1_intro_eng.pptx
@@ -6,28 +6,35 @@
     <p:sldMasterId id="2147483678" r:id="rId2"/>
   </p:sldMasterIdLst>
   <p:notesMasterIdLst>
-    <p:notesMasterId r:id="rId22"/>
+    <p:notesMasterId r:id="rId29"/>
   </p:notesMasterIdLst>
   <p:sldIdLst>
     <p:sldId id="256" r:id="rId3"/>
-    <p:sldId id="274" r:id="rId4"/>
-    <p:sldId id="275" r:id="rId5"/>
-    <p:sldId id="276" r:id="rId6"/>
-    <p:sldId id="277" r:id="rId7"/>
-    <p:sldId id="278" r:id="rId8"/>
-    <p:sldId id="263" r:id="rId9"/>
-    <p:sldId id="264" r:id="rId10"/>
-    <p:sldId id="265" r:id="rId11"/>
-    <p:sldId id="266" r:id="rId12"/>
-    <p:sldId id="267" r:id="rId13"/>
-    <p:sldId id="268" r:id="rId14"/>
-    <p:sldId id="269" r:id="rId15"/>
-    <p:sldId id="270" r:id="rId16"/>
-    <p:sldId id="271" r:id="rId17"/>
-    <p:sldId id="272" r:id="rId18"/>
-    <p:sldId id="273" r:id="rId19"/>
-    <p:sldId id="280" r:id="rId20"/>
-    <p:sldId id="279" r:id="rId21"/>
+    <p:sldId id="289" r:id="rId4"/>
+    <p:sldId id="274" r:id="rId5"/>
+    <p:sldId id="275" r:id="rId6"/>
+    <p:sldId id="276" r:id="rId7"/>
+    <p:sldId id="277" r:id="rId8"/>
+    <p:sldId id="288" r:id="rId9"/>
+    <p:sldId id="281" r:id="rId10"/>
+    <p:sldId id="282" r:id="rId11"/>
+    <p:sldId id="283" r:id="rId12"/>
+    <p:sldId id="284" r:id="rId13"/>
+    <p:sldId id="285" r:id="rId14"/>
+    <p:sldId id="278" r:id="rId15"/>
+    <p:sldId id="263" r:id="rId16"/>
+    <p:sldId id="264" r:id="rId17"/>
+    <p:sldId id="265" r:id="rId18"/>
+    <p:sldId id="266" r:id="rId19"/>
+    <p:sldId id="267" r:id="rId20"/>
+    <p:sldId id="268" r:id="rId21"/>
+    <p:sldId id="269" r:id="rId22"/>
+    <p:sldId id="270" r:id="rId23"/>
+    <p:sldId id="271" r:id="rId24"/>
+    <p:sldId id="272" r:id="rId25"/>
+    <p:sldId id="273" r:id="rId26"/>
+    <p:sldId id="280" r:id="rId27"/>
+    <p:sldId id="279" r:id="rId28"/>
   </p:sldIdLst>
   <p:sldSz cx="9144000" cy="6858000" type="screen4x3"/>
   <p:notesSz cx="6858000" cy="9144000"/>
@@ -231,7 +238,7 @@
           <a:p>
             <a:fld id="{0377424B-A23C-43FF-8673-376C6E767ED7}" type="datetimeFigureOut">
               <a:rPr lang="en-US" smtClean="0"/>
-              <a:t>1/4/2022</a:t>
+              <a:t>1/5/2022</a:t>
             </a:fld>
             <a:endParaRPr lang="en-US"/>
           </a:p>
@@ -722,7 +729,7 @@
           <a:p>
             <a:fld id="{BA23EE8D-9CE0-4F42-A40F-E28604EA7175}" type="datetime1">
               <a:rPr lang="en-US" smtClean="0"/>
-              <a:t>1/4/2022</a:t>
+              <a:t>1/5/2022</a:t>
             </a:fld>
             <a:endParaRPr lang="en-US"/>
           </a:p>
@@ -909,7 +916,7 @@
           <a:p>
             <a:fld id="{C602C5EE-1F52-440A-B21D-CF34717184B1}" type="datetime1">
               <a:rPr lang="en-US" smtClean="0"/>
-              <a:t>1/4/2022</a:t>
+              <a:t>1/5/2022</a:t>
             </a:fld>
             <a:endParaRPr lang="en-US"/>
           </a:p>
@@ -1105,7 +1112,7 @@
           <a:p>
             <a:fld id="{88EA7AC3-3927-460F-BC0A-B8263F635273}" type="datetime1">
               <a:rPr lang="en-US" smtClean="0"/>
-              <a:t>1/4/2022</a:t>
+              <a:t>1/5/2022</a:t>
             </a:fld>
             <a:endParaRPr lang="en-US"/>
           </a:p>
@@ -1357,7 +1364,7 @@
           <a:p>
             <a:fld id="{F134B72F-0B71-4FD2-BD20-28F3E78BBA16}" type="datetime1">
               <a:rPr lang="en-US" smtClean="0"/>
-              <a:t>1/4/2022</a:t>
+              <a:t>1/5/2022</a:t>
             </a:fld>
             <a:endParaRPr lang="en-US"/>
           </a:p>
@@ -1581,7 +1588,7 @@
           <a:p>
             <a:fld id="{E47B1B4E-0EC6-4546-B26A-C4455998E44E}" type="datetime1">
               <a:rPr lang="en-US" smtClean="0"/>
-              <a:t>1/4/2022</a:t>
+              <a:t>1/5/2022</a:t>
             </a:fld>
             <a:endParaRPr lang="en-US"/>
           </a:p>
@@ -1889,7 +1896,7 @@
           <a:p>
             <a:fld id="{C3A8C74C-0B69-4161-99E9-DF9818443EAA}" type="datetime1">
               <a:rPr lang="en-US" smtClean="0"/>
-              <a:t>1/4/2022</a:t>
+              <a:t>1/5/2022</a:t>
             </a:fld>
             <a:endParaRPr lang="en-US"/>
           </a:p>
@@ -2057,7 +2064,7 @@
           <a:p>
             <a:fld id="{4DFBF3A0-C444-4F34-BF5B-169E9D461035}" type="datetime1">
               <a:rPr lang="en-US" smtClean="0"/>
-              <a:t>1/4/2022</a:t>
+              <a:t>1/5/2022</a:t>
             </a:fld>
             <a:endParaRPr lang="en-US"/>
           </a:p>
@@ -2369,7 +2376,7 @@
           <a:p>
             <a:fld id="{E196B420-BADE-4187-9E75-E64276466004}" type="datetime1">
               <a:rPr lang="en-US" smtClean="0"/>
-              <a:t>1/4/2022</a:t>
+              <a:t>1/5/2022</a:t>
             </a:fld>
             <a:endParaRPr lang="en-US"/>
           </a:p>
@@ -2681,7 +2688,7 @@
           <a:p>
             <a:fld id="{FF00C915-A483-44DD-9703-2D268BDAA475}" type="datetime1">
               <a:rPr lang="en-US" smtClean="0"/>
-              <a:t>1/4/2022</a:t>
+              <a:t>1/5/2022</a:t>
             </a:fld>
             <a:endParaRPr lang="en-US"/>
           </a:p>
@@ -2901,7 +2908,7 @@
           <a:p>
             <a:fld id="{BA23EE8D-9CE0-4F42-A40F-E28604EA7175}" type="datetime1">
               <a:rPr lang="en-US" smtClean="0"/>
-              <a:t>1/4/2022</a:t>
+              <a:t>1/5/2022</a:t>
             </a:fld>
             <a:endParaRPr lang="en-US"/>
           </a:p>
@@ -3099,7 +3106,7 @@
           <a:p>
             <a:fld id="{1A4DAFB5-4EEC-49BD-AB33-559CD6F558E3}" type="datetime1">
               <a:rPr lang="en-US" smtClean="0"/>
-              <a:t>1/4/2022</a:t>
+              <a:t>1/5/2022</a:t>
             </a:fld>
             <a:endParaRPr lang="en-US"/>
           </a:p>
@@ -3285,7 +3292,7 @@
           <a:p>
             <a:fld id="{1A4DAFB5-4EEC-49BD-AB33-559CD6F558E3}" type="datetime1">
               <a:rPr lang="en-US" smtClean="0"/>
-              <a:t>1/4/2022</a:t>
+              <a:t>1/5/2022</a:t>
             </a:fld>
             <a:endParaRPr lang="en-US"/>
           </a:p>
@@ -3560,7 +3567,7 @@
           <a:p>
             <a:fld id="{1EE2056D-DC17-4607-87F9-EA4937BD48E2}" type="datetime1">
               <a:rPr lang="en-US" smtClean="0"/>
-              <a:t>1/4/2022</a:t>
+              <a:t>1/5/2022</a:t>
             </a:fld>
             <a:endParaRPr lang="en-US"/>
           </a:p>
@@ -3825,7 +3832,7 @@
           <a:p>
             <a:fld id="{866E3DAD-9254-43DE-A1F3-F1D56B1E5B5F}" type="datetime1">
               <a:rPr lang="en-US" smtClean="0"/>
-              <a:t>1/4/2022</a:t>
+              <a:t>1/5/2022</a:t>
             </a:fld>
             <a:endParaRPr lang="en-US"/>
           </a:p>
@@ -4237,7 +4244,7 @@
           <a:p>
             <a:fld id="{12F88D45-78A7-46A0-99B7-2046E351D366}" type="datetime1">
               <a:rPr lang="en-US" smtClean="0"/>
-              <a:t>1/4/2022</a:t>
+              <a:t>1/5/2022</a:t>
             </a:fld>
             <a:endParaRPr lang="en-US"/>
           </a:p>
@@ -4378,7 +4385,7 @@
           <a:p>
             <a:fld id="{7716AC84-6778-466F-95F9-3EEE8E306ABF}" type="datetime1">
               <a:rPr lang="en-US" smtClean="0"/>
-              <a:t>1/4/2022</a:t>
+              <a:t>1/5/2022</a:t>
             </a:fld>
             <a:endParaRPr lang="en-US"/>
           </a:p>
@@ -4491,7 +4498,7 @@
           <a:p>
             <a:fld id="{02DEDAFE-CBEF-41E8-868F-E40C867A5636}" type="datetime1">
               <a:rPr lang="en-US" smtClean="0"/>
-              <a:t>1/4/2022</a:t>
+              <a:t>1/5/2022</a:t>
             </a:fld>
             <a:endParaRPr lang="en-US"/>
           </a:p>
@@ -4802,7 +4809,7 @@
           <a:p>
             <a:fld id="{20C87E4D-F358-4436-A283-114607D95274}" type="datetime1">
               <a:rPr lang="en-US" smtClean="0"/>
-              <a:t>1/4/2022</a:t>
+              <a:t>1/5/2022</a:t>
             </a:fld>
             <a:endParaRPr lang="en-US"/>
           </a:p>
@@ -5090,7 +5097,7 @@
           <a:p>
             <a:fld id="{6CCABA82-8A7B-4924-987B-0B7221667B17}" type="datetime1">
               <a:rPr lang="en-US" smtClean="0"/>
-              <a:t>1/4/2022</a:t>
+              <a:t>1/5/2022</a:t>
             </a:fld>
             <a:endParaRPr lang="en-US"/>
           </a:p>
@@ -5288,7 +5295,7 @@
           <a:p>
             <a:fld id="{C602C5EE-1F52-440A-B21D-CF34717184B1}" type="datetime1">
               <a:rPr lang="en-US" smtClean="0"/>
-              <a:t>1/4/2022</a:t>
+              <a:t>1/5/2022</a:t>
             </a:fld>
             <a:endParaRPr lang="en-US"/>
           </a:p>
@@ -5496,7 +5503,7 @@
           <a:p>
             <a:fld id="{88EA7AC3-3927-460F-BC0A-B8263F635273}" type="datetime1">
               <a:rPr lang="en-US" smtClean="0"/>
-              <a:t>1/4/2022</a:t>
+              <a:t>1/5/2022</a:t>
             </a:fld>
             <a:endParaRPr lang="en-US"/>
           </a:p>
@@ -5705,7 +5712,7 @@
           <a:p>
             <a:fld id="{1EE2056D-DC17-4607-87F9-EA4937BD48E2}" type="datetime1">
               <a:rPr lang="en-US" smtClean="0"/>
-              <a:t>1/4/2022</a:t>
+              <a:t>1/5/2022</a:t>
             </a:fld>
             <a:endParaRPr lang="en-US"/>
           </a:p>
@@ -6008,7 +6015,7 @@
           <a:p>
             <a:fld id="{866E3DAD-9254-43DE-A1F3-F1D56B1E5B5F}" type="datetime1">
               <a:rPr lang="en-US" smtClean="0"/>
-              <a:t>1/4/2022</a:t>
+              <a:t>1/5/2022</a:t>
             </a:fld>
             <a:endParaRPr lang="en-US"/>
           </a:p>
@@ -6450,7 +6457,7 @@
           <a:p>
             <a:fld id="{12F88D45-78A7-46A0-99B7-2046E351D366}" type="datetime1">
               <a:rPr lang="en-US" smtClean="0"/>
-              <a:t>1/4/2022</a:t>
+              <a:t>1/5/2022</a:t>
             </a:fld>
             <a:endParaRPr lang="en-US"/>
           </a:p>
@@ -6585,7 +6592,7 @@
           <a:p>
             <a:fld id="{7716AC84-6778-466F-95F9-3EEE8E306ABF}" type="datetime1">
               <a:rPr lang="en-US" smtClean="0"/>
-              <a:t>1/4/2022</a:t>
+              <a:t>1/5/2022</a:t>
             </a:fld>
             <a:endParaRPr lang="en-US"/>
           </a:p>
@@ -6698,7 +6705,7 @@
           <a:p>
             <a:fld id="{02DEDAFE-CBEF-41E8-868F-E40C867A5636}" type="datetime1">
               <a:rPr lang="en-US" smtClean="0"/>
-              <a:t>1/4/2022</a:t>
+              <a:t>1/5/2022</a:t>
             </a:fld>
             <a:endParaRPr lang="en-US"/>
           </a:p>
@@ -6991,7 +6998,7 @@
           <a:p>
             <a:fld id="{20C87E4D-F358-4436-A283-114607D95274}" type="datetime1">
               <a:rPr lang="en-US" smtClean="0"/>
-              <a:t>1/4/2022</a:t>
+              <a:t>1/5/2022</a:t>
             </a:fld>
             <a:endParaRPr lang="en-US"/>
           </a:p>
@@ -7265,7 +7272,7 @@
           <a:p>
             <a:fld id="{6CCABA82-8A7B-4924-987B-0B7221667B17}" type="datetime1">
               <a:rPr lang="en-US" smtClean="0"/>
-              <a:t>1/4/2022</a:t>
+              <a:t>1/5/2022</a:t>
             </a:fld>
             <a:endParaRPr lang="en-US"/>
           </a:p>
@@ -7559,7 +7566,7 @@
           <a:p>
             <a:fld id="{A7853F80-D63E-429F-B326-B00475E1D8E8}" type="datetime1">
               <a:rPr lang="en-US" smtClean="0"/>
-              <a:t>1/4/2022</a:t>
+              <a:t>1/5/2022</a:t>
             </a:fld>
             <a:endParaRPr lang="en-US"/>
           </a:p>
@@ -8401,7 +8408,7 @@
           <a:p>
             <a:fld id="{A7853F80-D63E-429F-B326-B00475E1D8E8}" type="datetime1">
               <a:rPr lang="en-US" smtClean="0"/>
-              <a:t>1/4/2022</a:t>
+              <a:t>1/5/2022</a:t>
             </a:fld>
             <a:endParaRPr lang="en-US"/>
           </a:p>
@@ -8843,8 +8850,13 @@
             </a:br>
             <a:r>
               <a:rPr lang="en-US" sz="3200" dirty="0"/>
-              <a:t>10 January 2018</a:t>
-            </a:r>
+              <a:t>10 January </a:t>
+            </a:r>
+            <a:r>
+              <a:rPr lang="en-US" sz="3200" dirty="0" smtClean="0"/>
+              <a:t>2022</a:t>
+            </a:r>
+            <a:endParaRPr lang="en-US" sz="3200" dirty="0"/>
           </a:p>
         </p:txBody>
       </p:sp>
@@ -9093,28 +9105,37 @@
           </a:p>
           <a:p>
             <a:r>
+              <a:rPr lang="en-US" dirty="0" smtClean="0"/>
+              <a:t>10-14 </a:t>
+            </a:r>
+            <a:r>
               <a:rPr lang="en-US" dirty="0"/>
-              <a:t>15-20 January, 2018</a:t>
-            </a:r>
-          </a:p>
-          <a:p>
+              <a:t>January, </a:t>
+            </a:r>
+            <a:r>
+              <a:rPr lang="en-US" dirty="0" smtClean="0"/>
+              <a:t>2022 (virtual)</a:t>
+            </a:r>
+            <a:endParaRPr lang="en-US" dirty="0"/>
+          </a:p>
+          <a:p>
+            <a:r>
+              <a:rPr lang="en-US" dirty="0" smtClean="0"/>
+              <a:t>University </a:t>
+            </a:r>
             <a:r>
               <a:rPr lang="en-US" dirty="0"/>
-              <a:t>University of Concepción, Chile</a:t>
-            </a:r>
-          </a:p>
-          <a:p>
+              <a:t>of Concepción, Chile</a:t>
+            </a:r>
+          </a:p>
+          <a:p>
+            <a:r>
+              <a:rPr lang="en-US" dirty="0" smtClean="0"/>
+              <a:t>Dr. Cole </a:t>
+            </a:r>
             <a:r>
               <a:rPr lang="en-US" dirty="0"/>
-              <a:t>Dr. Cole </a:t>
-            </a:r>
-            <a:r>
-              <a:rPr lang="en-US" dirty="0" err="1"/>
-              <a:t>Monnahan</a:t>
-            </a:r>
-            <a:r>
-              <a:rPr lang="en-US" dirty="0"/>
-              <a:t> </a:t>
+              <a:t>Monnahan </a:t>
             </a:r>
           </a:p>
         </p:txBody>
@@ -9180,13 +9201,7 @@
       </p:grpSpPr>
       <p:sp>
         <p:nvSpPr>
-          <p:cNvPr id="2" name="Title 1">
-            <a:extLst>
-              <a:ext uri="{FF2B5EF4-FFF2-40B4-BE49-F238E27FC236}">
-                <a16:creationId xmlns:a16="http://schemas.microsoft.com/office/drawing/2014/main" id="{E622C5D6-127E-4E13-A682-50C23F6FCCA3}"/>
-              </a:ext>
-            </a:extLst>
-          </p:cNvPr>
+          <p:cNvPr id="2" name="Title 1"/>
           <p:cNvSpPr>
             <a:spLocks noGrp="1"/>
           </p:cNvSpPr>
@@ -9194,316 +9209,233 @@
             <p:ph type="title"/>
           </p:nvPr>
         </p:nvSpPr>
-        <p:spPr/>
-        <p:txBody>
-          <a:bodyPr/>
+        <p:spPr>
+          <a:xfrm>
+            <a:off x="457200" y="202068"/>
+            <a:ext cx="8229600" cy="1143000"/>
+          </a:xfrm>
+        </p:spPr>
+        <p:txBody>
+          <a:bodyPr>
+            <a:normAutofit fontScale="90000"/>
+          </a:bodyPr>
           <a:lstStyle/>
           <a:p>
             <a:r>
+              <a:rPr lang="en-US" dirty="0" err="1"/>
+              <a:t>Salmón</a:t>
+            </a:r>
+            <a:r>
               <a:rPr lang="en-US" dirty="0"/>
-              <a:t>HM by </a:t>
-            </a:r>
-            <a:r>
-              <a:rPr lang="en-US" dirty="0" err="1"/>
-              <a:t>Royle</a:t>
-            </a:r>
-            <a:r>
-              <a:rPr lang="en-US" dirty="0"/>
-              <a:t> &amp; </a:t>
-            </a:r>
-            <a:r>
-              <a:rPr lang="en-US" dirty="0" err="1"/>
-              <a:t>Dorazio</a:t>
-            </a:r>
-            <a:endParaRPr lang="en-US" dirty="0"/>
-          </a:p>
-        </p:txBody>
-      </p:sp>
-      <p:sp>
-        <p:nvSpPr>
-          <p:cNvPr id="3" name="Content Placeholder 2">
-            <a:extLst>
-              <a:ext uri="{FF2B5EF4-FFF2-40B4-BE49-F238E27FC236}">
-                <a16:creationId xmlns:a16="http://schemas.microsoft.com/office/drawing/2014/main" id="{6C383712-B948-4BB6-80DA-20C80E766461}"/>
-              </a:ext>
-            </a:extLst>
-          </p:cNvPr>
-          <p:cNvSpPr>
-            <a:spLocks noGrp="1"/>
-          </p:cNvSpPr>
+              <a:t> en la Bahia de San Francisco y San Joaquin Delta, California</a:t>
+            </a:r>
+          </a:p>
+        </p:txBody>
+      </p:sp>
+      <p:pic>
+        <p:nvPicPr>
+          <p:cNvPr id="1027" name="Picture 3"/>
+          <p:cNvPicPr>
+            <a:picLocks noGrp="1" noChangeAspect="1" noChangeArrowheads="1"/>
+          </p:cNvPicPr>
           <p:nvPr>
             <p:ph idx="1"/>
           </p:nvPr>
-        </p:nvSpPr>
-        <p:spPr>
+        </p:nvPicPr>
+        <p:blipFill>
+          <a:blip r:embed="rId2" cstate="print"/>
+          <a:srcRect/>
+          <a:stretch>
+            <a:fillRect/>
+          </a:stretch>
+        </p:blipFill>
+        <p:spPr bwMode="auto">
           <a:xfrm>
-            <a:off x="628650" y="1249553"/>
-            <a:ext cx="7886700" cy="3364442"/>
-          </a:xfrm>
-        </p:spPr>
-        <p:txBody>
-          <a:bodyPr/>
-          <a:lstStyle/>
-          <a:p>
-            <a:r>
-              <a:rPr lang="en-US" dirty="0"/>
-              <a:t>Statistical models used widely in ecology</a:t>
-            </a:r>
-          </a:p>
-          <a:p>
-            <a:r>
-              <a:rPr lang="en-US" dirty="0"/>
-              <a:t>A “</a:t>
-            </a:r>
-            <a:r>
-              <a:rPr lang="en-US" i="1" dirty="0"/>
-              <a:t>conceptual and philosophical approach to doing science</a:t>
-            </a:r>
-            <a:r>
-              <a:rPr lang="en-US" dirty="0"/>
-              <a:t>” with distinct models:</a:t>
-            </a:r>
-          </a:p>
-          <a:p>
-            <a:pPr lvl="1"/>
-            <a:r>
-              <a:rPr lang="en-US" i="1" dirty="0"/>
-              <a:t>Observation: </a:t>
-            </a:r>
-            <a:r>
-              <a:rPr lang="en-US" dirty="0"/>
-              <a:t>How data are observed (with error), given the process</a:t>
-            </a:r>
-            <a:r>
-              <a:rPr lang="en-US" i="1" dirty="0"/>
-              <a:t>.</a:t>
-            </a:r>
-          </a:p>
-          <a:p>
-            <a:pPr lvl="1"/>
-            <a:r>
-              <a:rPr lang="en-US" i="1" dirty="0"/>
-              <a:t>Process:</a:t>
-            </a:r>
-            <a:r>
-              <a:rPr lang="en-US" dirty="0"/>
-              <a:t> Describes the dynamics of the ecological process (e.g. animal abundance over time/space)</a:t>
-            </a:r>
-          </a:p>
-        </p:txBody>
-      </p:sp>
-      <p:sp>
-        <p:nvSpPr>
-          <p:cNvPr id="4" name="TextBox 3">
-            <a:extLst>
-              <a:ext uri="{FF2B5EF4-FFF2-40B4-BE49-F238E27FC236}">
-                <a16:creationId xmlns:a16="http://schemas.microsoft.com/office/drawing/2014/main" id="{91B8C2B7-D83A-4DE3-8D72-2F8B77908725}"/>
-              </a:ext>
-            </a:extLst>
-          </p:cNvPr>
-          <p:cNvSpPr txBox="1"/>
-          <p:nvPr/>
-        </p:nvSpPr>
-        <p:spPr>
-          <a:xfrm>
-            <a:off x="6185648" y="6495301"/>
-            <a:ext cx="2689411" cy="369332"/>
+            <a:off x="1752600" y="4335411"/>
+            <a:ext cx="2895600" cy="2370189"/>
           </a:xfrm>
           <a:prstGeom prst="rect">
             <a:avLst/>
           </a:prstGeom>
           <a:noFill/>
-        </p:spPr>
-        <p:txBody>
-          <a:bodyPr wrap="square" rtlCol="0">
-            <a:spAutoFit/>
-          </a:bodyPr>
-          <a:lstStyle/>
-          <a:p>
-            <a:pPr algn="r"/>
-            <a:r>
-              <a:rPr lang="en-US" dirty="0" err="1"/>
-              <a:t>Royle</a:t>
-            </a:r>
-            <a:r>
-              <a:rPr lang="en-US" dirty="0"/>
-              <a:t> and </a:t>
-            </a:r>
-            <a:r>
-              <a:rPr lang="en-US" dirty="0" err="1"/>
-              <a:t>Dorazio</a:t>
-            </a:r>
-            <a:r>
-              <a:rPr lang="en-US" dirty="0"/>
-              <a:t> 2008</a:t>
-            </a:r>
-          </a:p>
-        </p:txBody>
-      </p:sp>
-      <p:sp>
-        <p:nvSpPr>
-          <p:cNvPr id="5" name="TextBox 4">
-            <a:extLst>
-              <a:ext uri="{FF2B5EF4-FFF2-40B4-BE49-F238E27FC236}">
-                <a16:creationId xmlns:a16="http://schemas.microsoft.com/office/drawing/2014/main" id="{E2E80CC1-A3B1-41D5-974D-84E31E682088}"/>
-              </a:ext>
-            </a:extLst>
-          </p:cNvPr>
-          <p:cNvSpPr txBox="1"/>
+          <a:ln w="9525">
+            <a:noFill/>
+            <a:miter lim="800000"/>
+            <a:headEnd/>
+            <a:tailEnd/>
+          </a:ln>
+        </p:spPr>
+      </p:pic>
+      <p:pic>
+        <p:nvPicPr>
+          <p:cNvPr id="5" name="Picture 4"/>
+          <p:cNvPicPr>
+            <a:picLocks noChangeAspect="1" noChangeArrowheads="1"/>
+          </p:cNvPicPr>
           <p:nvPr/>
-        </p:nvSpPr>
-        <p:spPr>
+        </p:nvPicPr>
+        <p:blipFill>
+          <a:blip r:embed="rId3" cstate="print"/>
+          <a:srcRect/>
+          <a:stretch>
+            <a:fillRect/>
+          </a:stretch>
+        </p:blipFill>
+        <p:spPr bwMode="auto">
           <a:xfrm>
-            <a:off x="490070" y="5109076"/>
-            <a:ext cx="8163859" cy="461665"/>
+            <a:off x="457200" y="1612991"/>
+            <a:ext cx="2209800" cy="2220849"/>
           </a:xfrm>
           <a:prstGeom prst="rect">
             <a:avLst/>
           </a:prstGeom>
           <a:noFill/>
-        </p:spPr>
-        <p:txBody>
-          <a:bodyPr wrap="square" rtlCol="0">
-            <a:spAutoFit/>
-          </a:bodyPr>
-          <a:lstStyle/>
-          <a:p>
-            <a:r>
-              <a:rPr lang="en-US" sz="2400" dirty="0"/>
-              <a:t>P(</a:t>
-            </a:r>
-            <a:r>
-              <a:rPr lang="en-US" sz="2400" dirty="0" err="1"/>
-              <a:t>data|process</a:t>
-            </a:r>
-            <a:r>
-              <a:rPr lang="en-US" sz="2400" dirty="0"/>
-              <a:t>, parameters)*P(</a:t>
-            </a:r>
-            <a:r>
-              <a:rPr lang="en-US" sz="2400" dirty="0" err="1"/>
-              <a:t>process|parameters</a:t>
-            </a:r>
-            <a:r>
-              <a:rPr lang="en-US" sz="2400" dirty="0"/>
-              <a:t>)</a:t>
-            </a:r>
-          </a:p>
-        </p:txBody>
-      </p:sp>
-      <p:sp>
-        <p:nvSpPr>
-          <p:cNvPr id="6" name="TextBox 5">
-            <a:extLst>
-              <a:ext uri="{FF2B5EF4-FFF2-40B4-BE49-F238E27FC236}">
-                <a16:creationId xmlns:a16="http://schemas.microsoft.com/office/drawing/2014/main" id="{B12D25C0-03D8-409E-917F-DE6130EAECAC}"/>
-              </a:ext>
-            </a:extLst>
-          </p:cNvPr>
-          <p:cNvSpPr txBox="1"/>
+          <a:ln w="9525">
+            <a:noFill/>
+            <a:miter lim="800000"/>
+            <a:headEnd/>
+            <a:tailEnd/>
+          </a:ln>
+        </p:spPr>
+      </p:pic>
+      <p:cxnSp>
+        <p:nvCxnSpPr>
+          <p:cNvPr id="8" name="Straight Connector 7"/>
+          <p:cNvCxnSpPr/>
           <p:nvPr/>
-        </p:nvSpPr>
+        </p:nvCxnSpPr>
         <p:spPr>
           <a:xfrm>
-            <a:off x="1346200" y="5601335"/>
-            <a:ext cx="2159000" cy="461665"/>
+            <a:off x="1066800" y="2049411"/>
+            <a:ext cx="685800" cy="4572000"/>
+          </a:xfrm>
+          <a:prstGeom prst="line">
+            <a:avLst/>
+          </a:prstGeom>
+          <a:ln>
+            <a:solidFill>
+              <a:schemeClr val="tx1"/>
+            </a:solidFill>
+          </a:ln>
+        </p:spPr>
+        <p:style>
+          <a:lnRef idx="1">
+            <a:schemeClr val="accent1"/>
+          </a:lnRef>
+          <a:fillRef idx="0">
+            <a:schemeClr val="accent1"/>
+          </a:fillRef>
+          <a:effectRef idx="0">
+            <a:schemeClr val="accent1"/>
+          </a:effectRef>
+          <a:fontRef idx="minor">
+            <a:schemeClr val="tx1"/>
+          </a:fontRef>
+        </p:style>
+      </p:cxnSp>
+      <p:cxnSp>
+        <p:nvCxnSpPr>
+          <p:cNvPr id="10" name="Straight Connector 9"/>
+          <p:cNvCxnSpPr/>
+          <p:nvPr/>
+        </p:nvCxnSpPr>
+        <p:spPr>
+          <a:xfrm>
+            <a:off x="1066800" y="2049411"/>
+            <a:ext cx="3505200" cy="2286000"/>
+          </a:xfrm>
+          <a:prstGeom prst="line">
+            <a:avLst/>
+          </a:prstGeom>
+          <a:ln>
+            <a:solidFill>
+              <a:schemeClr val="tx1"/>
+            </a:solidFill>
+          </a:ln>
+        </p:spPr>
+        <p:style>
+          <a:lnRef idx="1">
+            <a:schemeClr val="accent1"/>
+          </a:lnRef>
+          <a:fillRef idx="0">
+            <a:schemeClr val="accent1"/>
+          </a:fillRef>
+          <a:effectRef idx="0">
+            <a:schemeClr val="accent1"/>
+          </a:effectRef>
+          <a:fontRef idx="minor">
+            <a:schemeClr val="tx1"/>
+          </a:fontRef>
+        </p:style>
+      </p:cxnSp>
+      <p:pic>
+        <p:nvPicPr>
+          <p:cNvPr id="1028" name="Picture 4"/>
+          <p:cNvPicPr>
+            <a:picLocks noChangeAspect="1" noChangeArrowheads="1"/>
+          </p:cNvPicPr>
+          <p:nvPr/>
+        </p:nvPicPr>
+        <p:blipFill>
+          <a:blip r:embed="rId4" cstate="print"/>
+          <a:srcRect/>
+          <a:stretch>
+            <a:fillRect/>
+          </a:stretch>
+        </p:blipFill>
+        <p:spPr bwMode="auto">
+          <a:xfrm>
+            <a:off x="5105400" y="3932040"/>
+            <a:ext cx="2971800" cy="2771203"/>
           </a:xfrm>
           <a:prstGeom prst="rect">
             <a:avLst/>
           </a:prstGeom>
           <a:noFill/>
-        </p:spPr>
-        <p:txBody>
-          <a:bodyPr wrap="square" rtlCol="0">
-            <a:spAutoFit/>
-          </a:bodyPr>
-          <a:lstStyle/>
-          <a:p>
-            <a:pPr algn="ctr"/>
-            <a:r>
-              <a:rPr lang="en-US" sz="2400" b="1" dirty="0">
-                <a:solidFill>
-                  <a:srgbClr val="FF0000"/>
-                </a:solidFill>
-              </a:rPr>
-              <a:t>observation</a:t>
-            </a:r>
-          </a:p>
-        </p:txBody>
-      </p:sp>
-      <p:sp>
-        <p:nvSpPr>
-          <p:cNvPr id="7" name="TextBox 6">
-            <a:extLst>
-              <a:ext uri="{FF2B5EF4-FFF2-40B4-BE49-F238E27FC236}">
-                <a16:creationId xmlns:a16="http://schemas.microsoft.com/office/drawing/2014/main" id="{8793595C-EFFB-4B8A-9747-79DE331D32E6}"/>
-              </a:ext>
-            </a:extLst>
-          </p:cNvPr>
-          <p:cNvSpPr txBox="1"/>
+          <a:ln w="9525">
+            <a:noFill/>
+            <a:miter lim="800000"/>
+            <a:headEnd/>
+            <a:tailEnd/>
+          </a:ln>
+        </p:spPr>
+      </p:pic>
+      <p:pic>
+        <p:nvPicPr>
+          <p:cNvPr id="1029" name="Picture 5"/>
+          <p:cNvPicPr>
+            <a:picLocks noChangeAspect="1" noChangeArrowheads="1"/>
+          </p:cNvPicPr>
           <p:nvPr/>
-        </p:nvSpPr>
-        <p:spPr>
+        </p:nvPicPr>
+        <p:blipFill>
+          <a:blip r:embed="rId5" cstate="print"/>
+          <a:srcRect/>
+          <a:stretch>
+            <a:fillRect/>
+          </a:stretch>
+        </p:blipFill>
+        <p:spPr bwMode="auto">
           <a:xfrm>
-            <a:off x="5213951" y="5586078"/>
-            <a:ext cx="2159000" cy="461665"/>
+            <a:off x="3962400" y="1363611"/>
+            <a:ext cx="3276600" cy="2454287"/>
           </a:xfrm>
           <a:prstGeom prst="rect">
             <a:avLst/>
           </a:prstGeom>
           <a:noFill/>
-        </p:spPr>
-        <p:txBody>
-          <a:bodyPr wrap="square" rtlCol="0">
-            <a:spAutoFit/>
-          </a:bodyPr>
-          <a:lstStyle/>
-          <a:p>
-            <a:pPr algn="ctr"/>
-            <a:r>
-              <a:rPr lang="en-US" sz="2400" b="1" dirty="0">
-                <a:solidFill>
-                  <a:srgbClr val="FF0000"/>
-                </a:solidFill>
-              </a:rPr>
-              <a:t>process</a:t>
-            </a:r>
-          </a:p>
-        </p:txBody>
-      </p:sp>
-      <p:sp>
-        <p:nvSpPr>
-          <p:cNvPr id="8" name="Slide Number Placeholder 7">
-            <a:extLst>
-              <a:ext uri="{FF2B5EF4-FFF2-40B4-BE49-F238E27FC236}">
-                <a16:creationId xmlns:a16="http://schemas.microsoft.com/office/drawing/2014/main" id="{36492438-0541-48B4-890B-64DD7DC28530}"/>
-              </a:ext>
-            </a:extLst>
-          </p:cNvPr>
-          <p:cNvSpPr>
-            <a:spLocks noGrp="1"/>
-          </p:cNvSpPr>
-          <p:nvPr>
-            <p:ph type="sldNum" sz="quarter" idx="12"/>
-          </p:nvPr>
-        </p:nvSpPr>
-        <p:spPr/>
-        <p:txBody>
-          <a:bodyPr/>
-          <a:lstStyle/>
-          <a:p>
-            <a:fld id="{A90099C9-4CB8-9A40-B745-9AB270505907}" type="slidenum">
-              <a:rPr lang="en-US" smtClean="0"/>
-              <a:t>10</a:t>
-            </a:fld>
-            <a:endParaRPr lang="en-US"/>
-          </a:p>
-        </p:txBody>
-      </p:sp>
+          <a:ln w="9525">
+            <a:noFill/>
+            <a:miter lim="800000"/>
+            <a:headEnd/>
+            <a:tailEnd/>
+          </a:ln>
+        </p:spPr>
+      </p:pic>
     </p:spTree>
     <p:extLst>
       <p:ext uri="{BB962C8B-B14F-4D97-AF65-F5344CB8AC3E}">
-        <p14:creationId xmlns:p14="http://schemas.microsoft.com/office/powerpoint/2010/main" val="2136345693"/>
+        <p14:creationId xmlns:p14="http://schemas.microsoft.com/office/powerpoint/2010/main" val="385948576"/>
       </p:ext>
     </p:extLst>
   </p:cSld>
@@ -9532,169 +9464,959 @@
       </p:grpSpPr>
       <p:sp>
         <p:nvSpPr>
-          <p:cNvPr id="2" name="Title 1">
-            <a:extLst>
-              <a:ext uri="{FF2B5EF4-FFF2-40B4-BE49-F238E27FC236}">
-                <a16:creationId xmlns:a16="http://schemas.microsoft.com/office/drawing/2014/main" id="{E622C5D6-127E-4E13-A682-50C23F6FCCA3}"/>
-              </a:ext>
-            </a:extLst>
-          </p:cNvPr>
+          <p:cNvPr id="14338" name="Title 1"/>
           <p:cNvSpPr>
             <a:spLocks noGrp="1"/>
           </p:cNvSpPr>
           <p:nvPr>
-            <p:ph type="title"/>
-          </p:nvPr>
-        </p:nvSpPr>
-        <p:spPr/>
-        <p:txBody>
-          <a:bodyPr/>
-          <a:lstStyle/>
-          <a:p>
-            <a:r>
-              <a:rPr lang="en-US" dirty="0"/>
-              <a:t>HM: Thorson and Minto</a:t>
-            </a:r>
-          </a:p>
-        </p:txBody>
-      </p:sp>
-      <p:sp>
-        <p:nvSpPr>
-          <p:cNvPr id="3" name="Content Placeholder 2">
-            <a:extLst>
-              <a:ext uri="{FF2B5EF4-FFF2-40B4-BE49-F238E27FC236}">
-                <a16:creationId xmlns:a16="http://schemas.microsoft.com/office/drawing/2014/main" id="{6C383712-B948-4BB6-80DA-20C80E766461}"/>
-              </a:ext>
-            </a:extLst>
-          </p:cNvPr>
-          <p:cNvSpPr>
-            <a:spLocks noGrp="1"/>
-          </p:cNvSpPr>
-          <p:nvPr>
-            <p:ph idx="1"/>
+            <p:ph type="title" idx="4294967295"/>
           </p:nvPr>
         </p:nvSpPr>
         <p:spPr>
           <a:xfrm>
-            <a:off x="628650" y="1417638"/>
-            <a:ext cx="7886700" cy="4790657"/>
+            <a:off x="457200" y="274638"/>
+            <a:ext cx="8077200" cy="1143000"/>
           </a:xfrm>
         </p:spPr>
         <p:txBody>
           <a:bodyPr>
-            <a:normAutofit fontScale="85000" lnSpcReduction="10000"/>
+            <a:normAutofit/>
           </a:bodyPr>
           <a:lstStyle/>
           <a:p>
-            <a:r>
-              <a:rPr lang="en-US" dirty="0"/>
-              <a:t>Many models estimate unobservable biological characteristics </a:t>
-            </a:r>
-          </a:p>
-          <a:p>
-            <a:r>
-              <a:rPr lang="en-US" dirty="0"/>
-              <a:t>These “latent states” lead to correlated residuals</a:t>
-            </a:r>
-          </a:p>
-          <a:p>
-            <a:r>
-              <a:rPr lang="en-US" dirty="0"/>
-              <a:t>E.g., densities sampled close together in space or time will be more similar than if far apart</a:t>
-            </a:r>
-          </a:p>
-          <a:p>
-            <a:r>
-              <a:rPr lang="en-US" dirty="0"/>
-              <a:t>This violates independence assumption of non-HM models (e.g., LM, GLM).</a:t>
-            </a:r>
-          </a:p>
-          <a:p>
-            <a:r>
-              <a:rPr lang="en-US" dirty="0"/>
-              <a:t>Hierarchical (mixed-effects) models are a generic solution in such situations</a:t>
-            </a:r>
-          </a:p>
-          <a:p>
-            <a:r>
-              <a:rPr lang="en-US" dirty="0"/>
-              <a:t>Random effects = “</a:t>
-            </a:r>
-            <a:r>
-              <a:rPr lang="en-US" i="1" dirty="0"/>
-              <a:t>parameters assumed to arise from a shared stochastic process</a:t>
-            </a:r>
-            <a:r>
-              <a:rPr lang="en-US" dirty="0"/>
-              <a:t>”</a:t>
-            </a:r>
-          </a:p>
-          <a:p>
-            <a:endParaRPr lang="en-US" dirty="0"/>
-          </a:p>
-        </p:txBody>
-      </p:sp>
-      <p:sp>
-        <p:nvSpPr>
-          <p:cNvPr id="4" name="TextBox 3">
-            <a:extLst>
-              <a:ext uri="{FF2B5EF4-FFF2-40B4-BE49-F238E27FC236}">
-                <a16:creationId xmlns:a16="http://schemas.microsoft.com/office/drawing/2014/main" id="{91B8C2B7-D83A-4DE3-8D72-2F8B77908725}"/>
-              </a:ext>
-            </a:extLst>
-          </p:cNvPr>
-          <p:cNvSpPr txBox="1"/>
+            <a:pPr eaLnBrk="1" hangingPunct="1"/>
+            <a:r>
+              <a:rPr lang="en-US" sz="3200" dirty="0" err="1"/>
+              <a:t>Hipótesis</a:t>
+            </a:r>
+            <a:r>
+              <a:rPr lang="en-US" sz="3200" dirty="0"/>
+              <a:t> de los </a:t>
+            </a:r>
+            <a:r>
+              <a:rPr lang="en-US" sz="3200" dirty="0" err="1"/>
+              <a:t>factores</a:t>
+            </a:r>
+            <a:r>
+              <a:rPr lang="en-US" sz="3200" dirty="0"/>
+              <a:t> </a:t>
+            </a:r>
+            <a:r>
+              <a:rPr lang="en-US" sz="3200" dirty="0" err="1"/>
+              <a:t>que</a:t>
+            </a:r>
+            <a:r>
+              <a:rPr lang="en-US" sz="3200" dirty="0"/>
+              <a:t> </a:t>
+            </a:r>
+            <a:r>
+              <a:rPr lang="en-US" sz="3200" dirty="0" err="1"/>
+              <a:t>afectan</a:t>
+            </a:r>
+            <a:r>
+              <a:rPr lang="en-US" sz="3200" dirty="0"/>
+              <a:t> </a:t>
+            </a:r>
+            <a:r>
+              <a:rPr lang="en-US" sz="3200" dirty="0" err="1"/>
+              <a:t>las</a:t>
+            </a:r>
+            <a:r>
+              <a:rPr lang="en-US" sz="3200" dirty="0"/>
+              <a:t> </a:t>
+            </a:r>
+            <a:r>
+              <a:rPr lang="en-US" sz="3200" dirty="0" err="1"/>
+              <a:t>poblaciones</a:t>
+            </a:r>
+            <a:r>
+              <a:rPr lang="en-US" sz="3200" dirty="0"/>
+              <a:t> de Chinook </a:t>
+            </a:r>
+            <a:r>
+              <a:rPr lang="en-US" sz="3200" dirty="0" err="1"/>
+              <a:t>salmón</a:t>
+            </a:r>
+            <a:endParaRPr lang="en-US" sz="3200" dirty="0"/>
+          </a:p>
+        </p:txBody>
+      </p:sp>
+      <p:pic>
+        <p:nvPicPr>
+          <p:cNvPr id="14339" name="Picture 37" descr="sacmap43"/>
+          <p:cNvPicPr>
+            <a:picLocks noGrp="1" noChangeAspect="1" noChangeArrowheads="1"/>
+          </p:cNvPicPr>
+          <p:nvPr>
+            <p:ph idx="4294967295"/>
+          </p:nvPr>
+        </p:nvPicPr>
+        <p:blipFill>
+          <a:blip r:embed="rId2" cstate="print"/>
+          <a:srcRect/>
+          <a:stretch>
+            <a:fillRect/>
+          </a:stretch>
+        </p:blipFill>
+        <p:spPr>
+          <a:xfrm>
+            <a:off x="1209675" y="1417638"/>
+            <a:ext cx="5848350" cy="5334000"/>
+          </a:xfrm>
+        </p:spPr>
+      </p:pic>
+      <p:sp>
+        <p:nvSpPr>
+          <p:cNvPr id="14340" name="Text Box 12"/>
+          <p:cNvSpPr txBox="1">
+            <a:spLocks noChangeArrowheads="1"/>
+          </p:cNvSpPr>
           <p:nvPr/>
         </p:nvSpPr>
-        <p:spPr>
+        <p:spPr bwMode="auto">
           <a:xfrm>
-            <a:off x="6185648" y="6495301"/>
-            <a:ext cx="2689411" cy="369332"/>
+            <a:off x="3429000" y="4876800"/>
+            <a:ext cx="711200" cy="708025"/>
           </a:xfrm>
           <a:prstGeom prst="rect">
             <a:avLst/>
           </a:prstGeom>
           <a:noFill/>
-        </p:spPr>
-        <p:txBody>
-          <a:bodyPr wrap="square" rtlCol="0">
+          <a:ln w="9525">
+            <a:noFill/>
+            <a:miter lim="800000"/>
+            <a:headEnd/>
+            <a:tailEnd/>
+          </a:ln>
+        </p:spPr>
+        <p:txBody>
+          <a:bodyPr wrap="none">
             <a:spAutoFit/>
           </a:bodyPr>
           <a:lstStyle/>
           <a:p>
-            <a:pPr algn="r"/>
-            <a:r>
-              <a:rPr lang="en-US" dirty="0"/>
-              <a:t>Thorson and Minto 2014</a:t>
-            </a:r>
-          </a:p>
-        </p:txBody>
-      </p:sp>
-      <p:sp>
-        <p:nvSpPr>
-          <p:cNvPr id="5" name="Slide Number Placeholder 4">
-            <a:extLst>
-              <a:ext uri="{FF2B5EF4-FFF2-40B4-BE49-F238E27FC236}">
-                <a16:creationId xmlns:a16="http://schemas.microsoft.com/office/drawing/2014/main" id="{377292C0-2E5C-481B-8EBB-861E72CEB352}"/>
-              </a:ext>
-            </a:extLst>
-          </p:cNvPr>
-          <p:cNvSpPr>
-            <a:spLocks noGrp="1"/>
-          </p:cNvSpPr>
-          <p:nvPr>
-            <p:ph type="sldNum" sz="quarter" idx="12"/>
-          </p:nvPr>
-        </p:nvSpPr>
-        <p:spPr/>
-        <p:txBody>
-          <a:bodyPr/>
+            <a:pPr algn="l" defTabSz="457200" eaLnBrk="1" hangingPunct="1"/>
+            <a:r>
+              <a:rPr lang="en-US" sz="2000">
+                <a:solidFill>
+                  <a:srgbClr val="4C4C4C"/>
+                </a:solidFill>
+                <a:latin typeface="Calibri" pitchFamily="34" charset="0"/>
+                <a:ea typeface="MS PGothic" pitchFamily="34" charset="-128"/>
+              </a:rPr>
+              <a:t>SLH</a:t>
+            </a:r>
+          </a:p>
+          <a:p>
+            <a:pPr algn="l" defTabSz="457200" eaLnBrk="1" hangingPunct="1"/>
+            <a:r>
+              <a:rPr lang="en-US" sz="2000">
+                <a:solidFill>
+                  <a:srgbClr val="4C4C4C"/>
+                </a:solidFill>
+                <a:latin typeface="Calibri" pitchFamily="34" charset="0"/>
+                <a:ea typeface="MS PGothic" pitchFamily="34" charset="-128"/>
+              </a:rPr>
+              <a:t>UPW</a:t>
+            </a:r>
+          </a:p>
+        </p:txBody>
+      </p:sp>
+      <p:sp>
+        <p:nvSpPr>
+          <p:cNvPr id="14341" name="Text Box 13"/>
+          <p:cNvSpPr txBox="1">
+            <a:spLocks noChangeArrowheads="1"/>
+          </p:cNvSpPr>
+          <p:nvPr/>
+        </p:nvSpPr>
+        <p:spPr bwMode="auto">
+          <a:xfrm>
+            <a:off x="2819400" y="6143625"/>
+            <a:ext cx="544513" cy="400050"/>
+          </a:xfrm>
+          <a:prstGeom prst="rect">
+            <a:avLst/>
+          </a:prstGeom>
+          <a:noFill/>
+          <a:ln w="9525">
+            <a:noFill/>
+            <a:miter lim="800000"/>
+            <a:headEnd/>
+            <a:tailEnd/>
+          </a:ln>
+        </p:spPr>
+        <p:txBody>
+          <a:bodyPr wrap="none">
+            <a:spAutoFit/>
+          </a:bodyPr>
           <a:lstStyle/>
           <a:p>
-            <a:fld id="{A90099C9-4CB8-9A40-B745-9AB270505907}" type="slidenum">
-              <a:rPr lang="en-US" smtClean="0"/>
-              <a:t>11</a:t>
-            </a:fld>
+            <a:pPr algn="l" defTabSz="457200" eaLnBrk="1" hangingPunct="1"/>
+            <a:r>
+              <a:rPr lang="en-US" sz="2000">
+                <a:solidFill>
+                  <a:srgbClr val="4C4C4C"/>
+                </a:solidFill>
+                <a:latin typeface="Calibri" pitchFamily="34" charset="0"/>
+                <a:ea typeface="MS PGothic" pitchFamily="34" charset="-128"/>
+              </a:rPr>
+              <a:t>SST</a:t>
+            </a:r>
+          </a:p>
+        </p:txBody>
+      </p:sp>
+      <p:sp>
+        <p:nvSpPr>
+          <p:cNvPr id="14342" name="Text Box 14"/>
+          <p:cNvSpPr txBox="1">
+            <a:spLocks noChangeArrowheads="1"/>
+          </p:cNvSpPr>
+          <p:nvPr/>
+        </p:nvSpPr>
+        <p:spPr bwMode="auto">
+          <a:xfrm>
+            <a:off x="1219200" y="5562600"/>
+            <a:ext cx="644525" cy="400050"/>
+          </a:xfrm>
+          <a:prstGeom prst="rect">
+            <a:avLst/>
+          </a:prstGeom>
+          <a:noFill/>
+          <a:ln w="9525">
+            <a:noFill/>
+            <a:miter lim="800000"/>
+            <a:headEnd/>
+            <a:tailEnd/>
+          </a:ln>
+        </p:spPr>
+        <p:txBody>
+          <a:bodyPr wrap="none">
+            <a:spAutoFit/>
+          </a:bodyPr>
+          <a:lstStyle/>
+          <a:p>
+            <a:pPr algn="l" defTabSz="457200" eaLnBrk="1" hangingPunct="1"/>
+            <a:r>
+              <a:rPr lang="en-US" sz="2000">
+                <a:solidFill>
+                  <a:srgbClr val="4C4C4C"/>
+                </a:solidFill>
+                <a:latin typeface="Calibri" pitchFamily="34" charset="0"/>
+                <a:ea typeface="MS PGothic" pitchFamily="34" charset="-128"/>
+              </a:rPr>
+              <a:t>PDO</a:t>
+            </a:r>
+          </a:p>
+        </p:txBody>
+      </p:sp>
+      <p:sp>
+        <p:nvSpPr>
+          <p:cNvPr id="14343" name="Text Box 15"/>
+          <p:cNvSpPr txBox="1">
+            <a:spLocks noChangeArrowheads="1"/>
+          </p:cNvSpPr>
+          <p:nvPr/>
+        </p:nvSpPr>
+        <p:spPr bwMode="auto">
+          <a:xfrm>
+            <a:off x="1524000" y="4724400"/>
+            <a:ext cx="982663" cy="400050"/>
+          </a:xfrm>
+          <a:prstGeom prst="rect">
+            <a:avLst/>
+          </a:prstGeom>
+          <a:noFill/>
+          <a:ln w="9525">
+            <a:noFill/>
+            <a:miter lim="800000"/>
+            <a:headEnd/>
+            <a:tailEnd/>
+          </a:ln>
+        </p:spPr>
+        <p:txBody>
+          <a:bodyPr wrap="none">
+            <a:spAutoFit/>
+          </a:bodyPr>
+          <a:lstStyle/>
+          <a:p>
+            <a:pPr algn="l" defTabSz="457200" eaLnBrk="1" hangingPunct="1"/>
+            <a:r>
+              <a:rPr lang="en-US" sz="2000">
+                <a:solidFill>
+                  <a:srgbClr val="4C4C4C"/>
+                </a:solidFill>
+                <a:latin typeface="Calibri" pitchFamily="34" charset="0"/>
+                <a:ea typeface="MS PGothic" pitchFamily="34" charset="-128"/>
+              </a:rPr>
+              <a:t>Harvest</a:t>
+            </a:r>
+          </a:p>
+        </p:txBody>
+      </p:sp>
+      <p:sp>
+        <p:nvSpPr>
+          <p:cNvPr id="14344" name="Text Box 16"/>
+          <p:cNvSpPr txBox="1">
+            <a:spLocks noChangeArrowheads="1"/>
+          </p:cNvSpPr>
+          <p:nvPr/>
+        </p:nvSpPr>
+        <p:spPr bwMode="auto">
+          <a:xfrm>
+            <a:off x="2819400" y="2819400"/>
+            <a:ext cx="1158875" cy="708025"/>
+          </a:xfrm>
+          <a:prstGeom prst="rect">
+            <a:avLst/>
+          </a:prstGeom>
+          <a:noFill/>
+          <a:ln w="9525">
+            <a:noFill/>
+            <a:miter lim="800000"/>
+            <a:headEnd/>
+            <a:tailEnd/>
+          </a:ln>
+        </p:spPr>
+        <p:txBody>
+          <a:bodyPr wrap="none">
+            <a:spAutoFit/>
+          </a:bodyPr>
+          <a:lstStyle/>
+          <a:p>
+            <a:pPr algn="l" defTabSz="457200" eaLnBrk="1" hangingPunct="1"/>
+            <a:r>
+              <a:rPr lang="en-US" sz="2000" dirty="0">
+                <a:solidFill>
+                  <a:srgbClr val="4C4C4C"/>
+                </a:solidFill>
+                <a:latin typeface="Calibri" pitchFamily="34" charset="0"/>
+                <a:ea typeface="MS PGothic" pitchFamily="34" charset="-128"/>
+              </a:rPr>
+              <a:t>In river</a:t>
+            </a:r>
+          </a:p>
+          <a:p>
+            <a:pPr algn="l" defTabSz="457200" eaLnBrk="1" hangingPunct="1"/>
+            <a:r>
+              <a:rPr lang="en-US" sz="2000" dirty="0">
+                <a:solidFill>
+                  <a:srgbClr val="4C4C4C"/>
+                </a:solidFill>
+                <a:latin typeface="Calibri" pitchFamily="34" charset="0"/>
+                <a:ea typeface="MS PGothic" pitchFamily="34" charset="-128"/>
+              </a:rPr>
+              <a:t>Mortality</a:t>
+            </a:r>
+          </a:p>
+        </p:txBody>
+      </p:sp>
+      <p:grpSp>
+        <p:nvGrpSpPr>
+          <p:cNvPr id="2" name="Group 18"/>
+          <p:cNvGrpSpPr>
+            <a:grpSpLocks/>
+          </p:cNvGrpSpPr>
+          <p:nvPr/>
+        </p:nvGrpSpPr>
+        <p:grpSpPr bwMode="auto">
+          <a:xfrm>
+            <a:off x="4267200" y="1828800"/>
+            <a:ext cx="1978025" cy="400050"/>
+            <a:chOff x="2880" y="768"/>
+            <a:chExt cx="1246" cy="252"/>
+          </a:xfrm>
+        </p:grpSpPr>
+        <p:sp>
+          <p:nvSpPr>
+            <p:cNvPr id="14361" name="Text Box 7"/>
+            <p:cNvSpPr txBox="1">
+              <a:spLocks noChangeArrowheads="1"/>
+            </p:cNvSpPr>
+            <p:nvPr/>
+          </p:nvSpPr>
+          <p:spPr bwMode="auto">
+            <a:xfrm>
+              <a:off x="3168" y="768"/>
+              <a:ext cx="958" cy="252"/>
+            </a:xfrm>
+            <a:prstGeom prst="rect">
+              <a:avLst/>
+            </a:prstGeom>
+            <a:noFill/>
+            <a:ln w="9525">
+              <a:noFill/>
+              <a:miter lim="800000"/>
+              <a:headEnd/>
+              <a:tailEnd/>
+            </a:ln>
+          </p:spPr>
+          <p:txBody>
+            <a:bodyPr wrap="none">
+              <a:spAutoFit/>
+            </a:bodyPr>
+            <a:lstStyle/>
+            <a:p>
+              <a:pPr algn="l" defTabSz="457200" eaLnBrk="1" hangingPunct="1"/>
+              <a:r>
+                <a:rPr lang="en-US" sz="2000">
+                  <a:solidFill>
+                    <a:srgbClr val="4C4C4C"/>
+                  </a:solidFill>
+                  <a:latin typeface="Calibri" pitchFamily="34" charset="0"/>
+                  <a:ea typeface="MS PGothic" pitchFamily="34" charset="-128"/>
+                </a:rPr>
+                <a:t>Temperature</a:t>
+              </a:r>
+            </a:p>
+          </p:txBody>
+        </p:sp>
+        <p:sp>
+          <p:nvSpPr>
+            <p:cNvPr id="14362" name="Line 17"/>
+            <p:cNvSpPr>
+              <a:spLocks noChangeShapeType="1"/>
+            </p:cNvSpPr>
+            <p:nvPr/>
+          </p:nvSpPr>
+          <p:spPr bwMode="auto">
+            <a:xfrm flipV="1">
+              <a:off x="2880" y="912"/>
+              <a:ext cx="288" cy="48"/>
+            </a:xfrm>
+            <a:prstGeom prst="line">
+              <a:avLst/>
+            </a:prstGeom>
+            <a:noFill/>
+            <a:ln w="28575">
+              <a:solidFill>
+                <a:srgbClr val="4C4C4C"/>
+              </a:solidFill>
+              <a:round/>
+              <a:headEnd/>
+              <a:tailEnd/>
+            </a:ln>
+          </p:spPr>
+          <p:txBody>
+            <a:bodyPr wrap="none" anchor="ctr"/>
+            <a:lstStyle/>
+            <a:p>
+              <a:endParaRPr lang="en-US"/>
+            </a:p>
+          </p:txBody>
+        </p:sp>
+      </p:grpSp>
+      <p:grpSp>
+        <p:nvGrpSpPr>
+          <p:cNvPr id="3" name="Group 24"/>
+          <p:cNvGrpSpPr>
+            <a:grpSpLocks/>
+          </p:cNvGrpSpPr>
+          <p:nvPr/>
+        </p:nvGrpSpPr>
+        <p:grpSpPr bwMode="auto">
+          <a:xfrm>
+            <a:off x="4419600" y="2667000"/>
+            <a:ext cx="3535363" cy="876300"/>
+            <a:chOff x="2976" y="1296"/>
+            <a:chExt cx="2227" cy="552"/>
+          </a:xfrm>
+        </p:grpSpPr>
+        <p:sp>
+          <p:nvSpPr>
+            <p:cNvPr id="14356" name="Text Box 9"/>
+            <p:cNvSpPr txBox="1">
+              <a:spLocks noChangeArrowheads="1"/>
+            </p:cNvSpPr>
+            <p:nvPr/>
+          </p:nvSpPr>
+          <p:spPr bwMode="auto">
+            <a:xfrm>
+              <a:off x="4176" y="1402"/>
+              <a:ext cx="1027" cy="446"/>
+            </a:xfrm>
+            <a:prstGeom prst="rect">
+              <a:avLst/>
+            </a:prstGeom>
+            <a:noFill/>
+            <a:ln w="9525">
+              <a:noFill/>
+              <a:miter lim="800000"/>
+              <a:headEnd/>
+              <a:tailEnd/>
+            </a:ln>
+          </p:spPr>
+          <p:txBody>
+            <a:bodyPr wrap="none">
+              <a:spAutoFit/>
+            </a:bodyPr>
+            <a:lstStyle/>
+            <a:p>
+              <a:pPr algn="l" defTabSz="457200" eaLnBrk="1" hangingPunct="1"/>
+              <a:r>
+                <a:rPr lang="en-US" sz="2000" dirty="0">
+                  <a:solidFill>
+                    <a:srgbClr val="4C4C4C"/>
+                  </a:solidFill>
+                  <a:latin typeface="Calibri" pitchFamily="34" charset="0"/>
+                  <a:ea typeface="MS PGothic" pitchFamily="34" charset="-128"/>
+                </a:rPr>
+                <a:t>Min Ave Flow</a:t>
+              </a:r>
+            </a:p>
+            <a:p>
+              <a:pPr algn="l" defTabSz="457200" eaLnBrk="1" hangingPunct="1"/>
+              <a:r>
+                <a:rPr lang="en-US" sz="2000" dirty="0">
+                  <a:solidFill>
+                    <a:srgbClr val="4C4C4C"/>
+                  </a:solidFill>
+                  <a:latin typeface="Calibri" pitchFamily="34" charset="0"/>
+                  <a:ea typeface="MS PGothic" pitchFamily="34" charset="-128"/>
+                </a:rPr>
+                <a:t>Max Ave Flow</a:t>
+              </a:r>
+            </a:p>
+          </p:txBody>
+        </p:sp>
+        <p:sp>
+          <p:nvSpPr>
+            <p:cNvPr id="14357" name="Line 20"/>
+            <p:cNvSpPr>
+              <a:spLocks noChangeShapeType="1"/>
+            </p:cNvSpPr>
+            <p:nvPr/>
+          </p:nvSpPr>
+          <p:spPr bwMode="auto">
+            <a:xfrm>
+              <a:off x="3456" y="1402"/>
+              <a:ext cx="720" cy="240"/>
+            </a:xfrm>
+            <a:prstGeom prst="line">
+              <a:avLst/>
+            </a:prstGeom>
+            <a:noFill/>
+            <a:ln w="28575">
+              <a:solidFill>
+                <a:srgbClr val="4C4C4C"/>
+              </a:solidFill>
+              <a:round/>
+              <a:headEnd/>
+              <a:tailEnd/>
+            </a:ln>
+          </p:spPr>
+          <p:txBody>
+            <a:bodyPr wrap="none" anchor="ctr"/>
+            <a:lstStyle/>
+            <a:p>
+              <a:endParaRPr lang="en-US"/>
+            </a:p>
+          </p:txBody>
+        </p:sp>
+        <p:sp>
+          <p:nvSpPr>
+            <p:cNvPr id="14358" name="Line 21"/>
+            <p:cNvSpPr>
+              <a:spLocks noChangeShapeType="1"/>
+            </p:cNvSpPr>
+            <p:nvPr/>
+          </p:nvSpPr>
+          <p:spPr bwMode="auto">
+            <a:xfrm>
+              <a:off x="2976" y="1296"/>
+              <a:ext cx="480" cy="0"/>
+            </a:xfrm>
+            <a:prstGeom prst="line">
+              <a:avLst/>
+            </a:prstGeom>
+            <a:noFill/>
+            <a:ln w="28575">
+              <a:solidFill>
+                <a:srgbClr val="4C4C4C"/>
+              </a:solidFill>
+              <a:round/>
+              <a:headEnd/>
+              <a:tailEnd/>
+            </a:ln>
+          </p:spPr>
+          <p:txBody>
+            <a:bodyPr wrap="none" anchor="ctr"/>
+            <a:lstStyle/>
+            <a:p>
+              <a:endParaRPr lang="en-US"/>
+            </a:p>
+          </p:txBody>
+        </p:sp>
+        <p:sp>
+          <p:nvSpPr>
+            <p:cNvPr id="14359" name="Line 22"/>
+            <p:cNvSpPr>
+              <a:spLocks noChangeShapeType="1"/>
+            </p:cNvSpPr>
+            <p:nvPr/>
+          </p:nvSpPr>
+          <p:spPr bwMode="auto">
+            <a:xfrm>
+              <a:off x="2976" y="1584"/>
+              <a:ext cx="480" cy="0"/>
+            </a:xfrm>
+            <a:prstGeom prst="line">
+              <a:avLst/>
+            </a:prstGeom>
+            <a:noFill/>
+            <a:ln w="28575">
+              <a:solidFill>
+                <a:srgbClr val="4C4C4C"/>
+              </a:solidFill>
+              <a:round/>
+              <a:headEnd/>
+              <a:tailEnd/>
+            </a:ln>
+          </p:spPr>
+          <p:txBody>
+            <a:bodyPr wrap="none" anchor="ctr"/>
+            <a:lstStyle/>
+            <a:p>
+              <a:endParaRPr lang="en-US"/>
+            </a:p>
+          </p:txBody>
+        </p:sp>
+        <p:sp>
+          <p:nvSpPr>
+            <p:cNvPr id="14360" name="Line 23"/>
+            <p:cNvSpPr>
+              <a:spLocks noChangeShapeType="1"/>
+            </p:cNvSpPr>
+            <p:nvPr/>
+          </p:nvSpPr>
+          <p:spPr bwMode="auto">
+            <a:xfrm>
+              <a:off x="3456" y="1296"/>
+              <a:ext cx="0" cy="288"/>
+            </a:xfrm>
+            <a:prstGeom prst="line">
+              <a:avLst/>
+            </a:prstGeom>
+            <a:noFill/>
+            <a:ln w="28575">
+              <a:solidFill>
+                <a:srgbClr val="4C4C4C"/>
+              </a:solidFill>
+              <a:round/>
+              <a:headEnd/>
+              <a:tailEnd/>
+            </a:ln>
+          </p:spPr>
+          <p:txBody>
+            <a:bodyPr wrap="none" anchor="ctr"/>
+            <a:lstStyle/>
+            <a:p>
+              <a:endParaRPr lang="en-US"/>
+            </a:p>
+          </p:txBody>
+        </p:sp>
+      </p:grpSp>
+      <p:grpSp>
+        <p:nvGrpSpPr>
+          <p:cNvPr id="4" name="Group 26"/>
+          <p:cNvGrpSpPr>
+            <a:grpSpLocks/>
+          </p:cNvGrpSpPr>
+          <p:nvPr/>
+        </p:nvGrpSpPr>
+        <p:grpSpPr bwMode="auto">
+          <a:xfrm>
+            <a:off x="5181600" y="3592513"/>
+            <a:ext cx="2420938" cy="708025"/>
+            <a:chOff x="3264" y="2417"/>
+            <a:chExt cx="1525" cy="446"/>
+          </a:xfrm>
+        </p:grpSpPr>
+        <p:sp>
+          <p:nvSpPr>
+            <p:cNvPr id="14354" name="Text Box 10"/>
+            <p:cNvSpPr txBox="1">
+              <a:spLocks noChangeArrowheads="1"/>
+            </p:cNvSpPr>
+            <p:nvPr/>
+          </p:nvSpPr>
+          <p:spPr bwMode="auto">
+            <a:xfrm>
+              <a:off x="3792" y="2417"/>
+              <a:ext cx="997" cy="446"/>
+            </a:xfrm>
+            <a:prstGeom prst="rect">
+              <a:avLst/>
+            </a:prstGeom>
+            <a:noFill/>
+            <a:ln w="9525">
+              <a:noFill/>
+              <a:miter lim="800000"/>
+              <a:headEnd/>
+              <a:tailEnd/>
+            </a:ln>
+          </p:spPr>
+          <p:txBody>
+            <a:bodyPr wrap="none">
+              <a:spAutoFit/>
+            </a:bodyPr>
+            <a:lstStyle/>
+            <a:p>
+              <a:pPr algn="l" defTabSz="457200" eaLnBrk="1" hangingPunct="1"/>
+              <a:r>
+                <a:rPr lang="en-US" sz="2000">
+                  <a:solidFill>
+                    <a:srgbClr val="4C4C4C"/>
+                  </a:solidFill>
+                  <a:latin typeface="Calibri" pitchFamily="34" charset="0"/>
+                  <a:ea typeface="MS PGothic" pitchFamily="34" charset="-128"/>
+                </a:rPr>
+                <a:t>DCC % Open</a:t>
+              </a:r>
+            </a:p>
+            <a:p>
+              <a:pPr algn="l" defTabSz="457200" eaLnBrk="1" hangingPunct="1"/>
+              <a:r>
+                <a:rPr lang="en-US" sz="2000">
+                  <a:solidFill>
+                    <a:srgbClr val="4C4C4C"/>
+                  </a:solidFill>
+                  <a:latin typeface="Calibri" pitchFamily="34" charset="0"/>
+                  <a:ea typeface="MS PGothic" pitchFamily="34" charset="-128"/>
+                </a:rPr>
+                <a:t>Yolo flow &gt;2K</a:t>
+              </a:r>
+            </a:p>
+          </p:txBody>
+        </p:sp>
+        <p:sp>
+          <p:nvSpPr>
+            <p:cNvPr id="14355" name="Line 25"/>
+            <p:cNvSpPr>
+              <a:spLocks noChangeShapeType="1"/>
+            </p:cNvSpPr>
+            <p:nvPr/>
+          </p:nvSpPr>
+          <p:spPr bwMode="auto">
+            <a:xfrm>
+              <a:off x="3264" y="2496"/>
+              <a:ext cx="528" cy="144"/>
+            </a:xfrm>
+            <a:prstGeom prst="line">
+              <a:avLst/>
+            </a:prstGeom>
+            <a:noFill/>
+            <a:ln w="28575">
+              <a:solidFill>
+                <a:srgbClr val="4C4C4C"/>
+              </a:solidFill>
+              <a:round/>
+              <a:headEnd/>
+              <a:tailEnd/>
+            </a:ln>
+          </p:spPr>
+          <p:txBody>
+            <a:bodyPr wrap="none" anchor="ctr"/>
+            <a:lstStyle/>
+            <a:p>
+              <a:endParaRPr lang="en-US"/>
+            </a:p>
+          </p:txBody>
+        </p:sp>
+      </p:grpSp>
+      <p:grpSp>
+        <p:nvGrpSpPr>
+          <p:cNvPr id="5" name="Group 28"/>
+          <p:cNvGrpSpPr>
+            <a:grpSpLocks/>
+          </p:cNvGrpSpPr>
+          <p:nvPr/>
+        </p:nvGrpSpPr>
+        <p:grpSpPr bwMode="auto">
+          <a:xfrm>
+            <a:off x="4267200" y="4648200"/>
+            <a:ext cx="1417638" cy="781050"/>
+            <a:chOff x="2880" y="2544"/>
+            <a:chExt cx="893" cy="492"/>
+          </a:xfrm>
+        </p:grpSpPr>
+        <p:sp>
+          <p:nvSpPr>
+            <p:cNvPr id="14352" name="Text Box 11"/>
+            <p:cNvSpPr txBox="1">
+              <a:spLocks noChangeArrowheads="1"/>
+            </p:cNvSpPr>
+            <p:nvPr/>
+          </p:nvSpPr>
+          <p:spPr bwMode="auto">
+            <a:xfrm>
+              <a:off x="2976" y="2784"/>
+              <a:ext cx="797" cy="252"/>
+            </a:xfrm>
+            <a:prstGeom prst="rect">
+              <a:avLst/>
+            </a:prstGeom>
+            <a:noFill/>
+            <a:ln w="9525">
+              <a:noFill/>
+              <a:miter lim="800000"/>
+              <a:headEnd/>
+              <a:tailEnd/>
+            </a:ln>
+          </p:spPr>
+          <p:txBody>
+            <a:bodyPr wrap="none">
+              <a:spAutoFit/>
+            </a:bodyPr>
+            <a:lstStyle/>
+            <a:p>
+              <a:pPr algn="l" defTabSz="457200" eaLnBrk="1" hangingPunct="1"/>
+              <a:r>
+                <a:rPr lang="en-US" sz="2000">
+                  <a:solidFill>
+                    <a:srgbClr val="4C4C4C"/>
+                  </a:solidFill>
+                  <a:latin typeface="Calibri" pitchFamily="34" charset="0"/>
+                  <a:ea typeface="MS PGothic" pitchFamily="34" charset="-128"/>
+                </a:rPr>
+                <a:t>Bass CPUE</a:t>
+              </a:r>
+            </a:p>
+          </p:txBody>
+        </p:sp>
+        <p:sp>
+          <p:nvSpPr>
+            <p:cNvPr id="14353" name="Line 27"/>
+            <p:cNvSpPr>
+              <a:spLocks noChangeShapeType="1"/>
+            </p:cNvSpPr>
+            <p:nvPr/>
+          </p:nvSpPr>
+          <p:spPr bwMode="auto">
+            <a:xfrm>
+              <a:off x="2880" y="2544"/>
+              <a:ext cx="192" cy="240"/>
+            </a:xfrm>
+            <a:prstGeom prst="line">
+              <a:avLst/>
+            </a:prstGeom>
+            <a:noFill/>
+            <a:ln w="28575">
+              <a:solidFill>
+                <a:srgbClr val="4C4C4C"/>
+              </a:solidFill>
+              <a:round/>
+              <a:headEnd/>
+              <a:tailEnd/>
+            </a:ln>
+          </p:spPr>
+          <p:txBody>
+            <a:bodyPr wrap="none" anchor="ctr"/>
+            <a:lstStyle/>
+            <a:p>
+              <a:endParaRPr lang="en-US"/>
+            </a:p>
+          </p:txBody>
+        </p:sp>
+      </p:grpSp>
+      <p:sp>
+        <p:nvSpPr>
+          <p:cNvPr id="14349" name="Line 21"/>
+          <p:cNvSpPr>
+            <a:spLocks noChangeShapeType="1"/>
+          </p:cNvSpPr>
+          <p:nvPr/>
+        </p:nvSpPr>
+        <p:spPr bwMode="auto">
+          <a:xfrm>
+            <a:off x="4457700" y="3216275"/>
+            <a:ext cx="723900" cy="0"/>
+          </a:xfrm>
+          <a:prstGeom prst="line">
+            <a:avLst/>
+          </a:prstGeom>
+          <a:noFill/>
+          <a:ln w="28575">
+            <a:solidFill>
+              <a:srgbClr val="4C4C4C"/>
+            </a:solidFill>
+            <a:round/>
+            <a:headEnd/>
+            <a:tailEnd/>
+          </a:ln>
+        </p:spPr>
+        <p:txBody>
+          <a:bodyPr wrap="none" anchor="ctr"/>
+          <a:lstStyle/>
+          <a:p>
+            <a:endParaRPr lang="en-US"/>
+          </a:p>
+        </p:txBody>
+      </p:sp>
+      <p:sp>
+        <p:nvSpPr>
+          <p:cNvPr id="14350" name="Line 22"/>
+          <p:cNvSpPr>
+            <a:spLocks noChangeShapeType="1"/>
+          </p:cNvSpPr>
+          <p:nvPr/>
+        </p:nvSpPr>
+        <p:spPr bwMode="auto">
+          <a:xfrm>
+            <a:off x="4800600" y="4419600"/>
+            <a:ext cx="381000" cy="0"/>
+          </a:xfrm>
+          <a:prstGeom prst="line">
+            <a:avLst/>
+          </a:prstGeom>
+          <a:noFill/>
+          <a:ln w="28575">
+            <a:solidFill>
+              <a:srgbClr val="4C4C4C"/>
+            </a:solidFill>
+            <a:round/>
+            <a:headEnd/>
+            <a:tailEnd/>
+          </a:ln>
+        </p:spPr>
+        <p:txBody>
+          <a:bodyPr wrap="none" anchor="ctr"/>
+          <a:lstStyle/>
+          <a:p>
+            <a:endParaRPr lang="en-US"/>
+          </a:p>
+        </p:txBody>
+      </p:sp>
+      <p:sp>
+        <p:nvSpPr>
+          <p:cNvPr id="14351" name="Line 23"/>
+          <p:cNvSpPr>
+            <a:spLocks noChangeShapeType="1"/>
+          </p:cNvSpPr>
+          <p:nvPr/>
+        </p:nvSpPr>
+        <p:spPr bwMode="auto">
+          <a:xfrm>
+            <a:off x="5181600" y="3216275"/>
+            <a:ext cx="0" cy="1203325"/>
+          </a:xfrm>
+          <a:prstGeom prst="line">
+            <a:avLst/>
+          </a:prstGeom>
+          <a:noFill/>
+          <a:ln w="28575">
+            <a:solidFill>
+              <a:srgbClr val="4C4C4C"/>
+            </a:solidFill>
+            <a:round/>
+            <a:headEnd/>
+            <a:tailEnd/>
+          </a:ln>
+        </p:spPr>
+        <p:txBody>
+          <a:bodyPr wrap="none" anchor="ctr"/>
+          <a:lstStyle/>
+          <a:p>
             <a:endParaRPr lang="en-US"/>
           </a:p>
         </p:txBody>
@@ -9702,7 +10424,7 @@
     </p:spTree>
     <p:extLst>
       <p:ext uri="{BB962C8B-B14F-4D97-AF65-F5344CB8AC3E}">
-        <p14:creationId xmlns:p14="http://schemas.microsoft.com/office/powerpoint/2010/main" val="768433759"/>
+        <p14:creationId xmlns:p14="http://schemas.microsoft.com/office/powerpoint/2010/main" val="307455319"/>
       </p:ext>
     </p:extLst>
   </p:cSld>
@@ -9731,6 +10453,1925 @@
       </p:grpSpPr>
       <p:sp>
         <p:nvSpPr>
+          <p:cNvPr id="4" name="Title 3"/>
+          <p:cNvSpPr>
+            <a:spLocks noGrp="1"/>
+          </p:cNvSpPr>
+          <p:nvPr>
+            <p:ph type="title"/>
+          </p:nvPr>
+        </p:nvSpPr>
+        <p:spPr/>
+        <p:txBody>
+          <a:bodyPr>
+            <a:normAutofit fontScale="90000"/>
+          </a:bodyPr>
+          <a:lstStyle/>
+          <a:p>
+            <a:r>
+              <a:rPr lang="en-US" dirty="0" err="1"/>
+              <a:t>Ballenas</a:t>
+            </a:r>
+            <a:r>
+              <a:rPr lang="en-US" dirty="0"/>
+              <a:t> </a:t>
+            </a:r>
+            <a:r>
+              <a:rPr lang="en-US" dirty="0" err="1"/>
+              <a:t>jorobadas</a:t>
+            </a:r>
+            <a:r>
+              <a:rPr lang="en-US" dirty="0"/>
+              <a:t> en</a:t>
+            </a:r>
+            <a:br>
+              <a:rPr lang="en-US" dirty="0"/>
+            </a:br>
+            <a:r>
+              <a:rPr lang="en-US" dirty="0"/>
+              <a:t>Glacier Bay, Alaska</a:t>
+            </a:r>
+          </a:p>
+        </p:txBody>
+      </p:sp>
+      <p:pic>
+        <p:nvPicPr>
+          <p:cNvPr id="6" name="Picture 5"/>
+          <p:cNvPicPr>
+            <a:picLocks noChangeAspect="1" noChangeArrowheads="1"/>
+          </p:cNvPicPr>
+          <p:nvPr/>
+        </p:nvPicPr>
+        <p:blipFill>
+          <a:blip r:embed="rId2" cstate="print"/>
+          <a:srcRect/>
+          <a:stretch>
+            <a:fillRect/>
+          </a:stretch>
+        </p:blipFill>
+        <p:spPr bwMode="auto">
+          <a:xfrm>
+            <a:off x="457200" y="1600200"/>
+            <a:ext cx="2209800" cy="2220849"/>
+          </a:xfrm>
+          <a:prstGeom prst="rect">
+            <a:avLst/>
+          </a:prstGeom>
+          <a:noFill/>
+          <a:ln w="9525">
+            <a:noFill/>
+            <a:miter lim="800000"/>
+            <a:headEnd/>
+            <a:tailEnd/>
+          </a:ln>
+        </p:spPr>
+      </p:pic>
+      <p:cxnSp>
+        <p:nvCxnSpPr>
+          <p:cNvPr id="8" name="Straight Connector 7"/>
+          <p:cNvCxnSpPr/>
+          <p:nvPr/>
+        </p:nvCxnSpPr>
+        <p:spPr>
+          <a:xfrm>
+            <a:off x="1295400" y="1752600"/>
+            <a:ext cx="3835876" cy="2068449"/>
+          </a:xfrm>
+          <a:prstGeom prst="line">
+            <a:avLst/>
+          </a:prstGeom>
+          <a:ln>
+            <a:solidFill>
+              <a:schemeClr val="tx1"/>
+            </a:solidFill>
+          </a:ln>
+        </p:spPr>
+        <p:style>
+          <a:lnRef idx="1">
+            <a:schemeClr val="accent1"/>
+          </a:lnRef>
+          <a:fillRef idx="0">
+            <a:schemeClr val="accent1"/>
+          </a:fillRef>
+          <a:effectRef idx="0">
+            <a:schemeClr val="accent1"/>
+          </a:effectRef>
+          <a:fontRef idx="minor">
+            <a:schemeClr val="tx1"/>
+          </a:fontRef>
+        </p:style>
+      </p:cxnSp>
+      <p:pic>
+        <p:nvPicPr>
+          <p:cNvPr id="9" name="Picture 8" descr="Glacier Bay Landsat Image.jpg"/>
+          <p:cNvPicPr>
+            <a:picLocks noChangeAspect="1"/>
+          </p:cNvPicPr>
+          <p:nvPr/>
+        </p:nvPicPr>
+        <p:blipFill>
+          <a:blip r:embed="rId3" cstate="print">
+            <a:extLst>
+              <a:ext uri="{28A0092B-C50C-407E-A947-70E740481C1C}">
+                <a14:useLocalDpi xmlns:a14="http://schemas.microsoft.com/office/drawing/2010/main" val="0"/>
+              </a:ext>
+            </a:extLst>
+          </a:blip>
+          <a:stretch>
+            <a:fillRect/>
+          </a:stretch>
+        </p:blipFill>
+        <p:spPr>
+          <a:xfrm>
+            <a:off x="1677286" y="3811433"/>
+            <a:ext cx="3453990" cy="2672525"/>
+          </a:xfrm>
+          <a:prstGeom prst="rect">
+            <a:avLst/>
+          </a:prstGeom>
+        </p:spPr>
+      </p:pic>
+      <p:cxnSp>
+        <p:nvCxnSpPr>
+          <p:cNvPr id="7" name="Straight Connector 6"/>
+          <p:cNvCxnSpPr/>
+          <p:nvPr/>
+        </p:nvCxnSpPr>
+        <p:spPr>
+          <a:xfrm>
+            <a:off x="1309587" y="1809750"/>
+            <a:ext cx="367699" cy="4674208"/>
+          </a:xfrm>
+          <a:prstGeom prst="line">
+            <a:avLst/>
+          </a:prstGeom>
+          <a:ln>
+            <a:solidFill>
+              <a:schemeClr val="tx1"/>
+            </a:solidFill>
+          </a:ln>
+        </p:spPr>
+        <p:style>
+          <a:lnRef idx="1">
+            <a:schemeClr val="accent1"/>
+          </a:lnRef>
+          <a:fillRef idx="0">
+            <a:schemeClr val="accent1"/>
+          </a:fillRef>
+          <a:effectRef idx="0">
+            <a:schemeClr val="accent1"/>
+          </a:effectRef>
+          <a:fontRef idx="minor">
+            <a:schemeClr val="tx1"/>
+          </a:fontRef>
+        </p:style>
+      </p:cxnSp>
+      <p:pic>
+        <p:nvPicPr>
+          <p:cNvPr id="25" name="Picture 24" descr="Slide05.png"/>
+          <p:cNvPicPr>
+            <a:picLocks noChangeAspect="1"/>
+          </p:cNvPicPr>
+          <p:nvPr/>
+        </p:nvPicPr>
+        <p:blipFill>
+          <a:blip r:embed="rId4">
+            <a:extLst>
+              <a:ext uri="{28A0092B-C50C-407E-A947-70E740481C1C}">
+                <a14:useLocalDpi xmlns:a14="http://schemas.microsoft.com/office/drawing/2010/main" val="0"/>
+              </a:ext>
+            </a:extLst>
+          </a:blip>
+          <a:stretch>
+            <a:fillRect/>
+          </a:stretch>
+        </p:blipFill>
+        <p:spPr>
+          <a:xfrm>
+            <a:off x="5417268" y="1600200"/>
+            <a:ext cx="3581400" cy="2686050"/>
+          </a:xfrm>
+          <a:prstGeom prst="rect">
+            <a:avLst/>
+          </a:prstGeom>
+        </p:spPr>
+      </p:pic>
+      <p:sp>
+        <p:nvSpPr>
+          <p:cNvPr id="26" name="TextBox 25"/>
+          <p:cNvSpPr txBox="1"/>
+          <p:nvPr/>
+        </p:nvSpPr>
+        <p:spPr>
+          <a:xfrm>
+            <a:off x="5410200" y="4207674"/>
+            <a:ext cx="2514600" cy="369332"/>
+          </a:xfrm>
+          <a:prstGeom prst="rect">
+            <a:avLst/>
+          </a:prstGeom>
+          <a:noFill/>
+        </p:spPr>
+        <p:txBody>
+          <a:bodyPr wrap="square" rtlCol="0">
+            <a:spAutoFit/>
+          </a:bodyPr>
+          <a:lstStyle/>
+          <a:p>
+            <a:r>
+              <a:rPr lang="en-US" dirty="0"/>
+              <a:t>Credit: Scott </a:t>
+            </a:r>
+            <a:r>
+              <a:rPr lang="en-US" dirty="0" err="1"/>
+              <a:t>Gende</a:t>
+            </a:r>
+            <a:r>
+              <a:rPr lang="en-US" dirty="0"/>
+              <a:t>, NPS</a:t>
+            </a:r>
+          </a:p>
+        </p:txBody>
+      </p:sp>
+    </p:spTree>
+    <p:extLst>
+      <p:ext uri="{BB962C8B-B14F-4D97-AF65-F5344CB8AC3E}">
+        <p14:creationId xmlns:p14="http://schemas.microsoft.com/office/powerpoint/2010/main" val="3932932015"/>
+      </p:ext>
+    </p:extLst>
+  </p:cSld>
+  <p:clrMapOvr>
+    <a:masterClrMapping/>
+  </p:clrMapOvr>
+</p:sld>
+</file>
+
+<file path=ppt/slides/slide13.xml><?xml version="1.0" encoding="utf-8"?>
+<p:sld xmlns:a="http://schemas.openxmlformats.org/drawingml/2006/main" xmlns:r="http://schemas.openxmlformats.org/officeDocument/2006/relationships" xmlns:p="http://schemas.openxmlformats.org/presentationml/2006/main">
+  <p:cSld>
+    <p:spTree>
+      <p:nvGrpSpPr>
+        <p:cNvPr id="1" name=""/>
+        <p:cNvGrpSpPr/>
+        <p:nvPr/>
+      </p:nvGrpSpPr>
+      <p:grpSpPr>
+        <a:xfrm>
+          <a:off x="0" y="0"/>
+          <a:ext cx="0" cy="0"/>
+          <a:chOff x="0" y="0"/>
+          <a:chExt cx="0" cy="0"/>
+        </a:xfrm>
+      </p:grpSpPr>
+      <p:sp>
+        <p:nvSpPr>
+          <p:cNvPr id="2" name="Title 1"/>
+          <p:cNvSpPr>
+            <a:spLocks noGrp="1"/>
+          </p:cNvSpPr>
+          <p:nvPr>
+            <p:ph type="title"/>
+          </p:nvPr>
+        </p:nvSpPr>
+        <p:spPr/>
+        <p:txBody>
+          <a:bodyPr/>
+          <a:lstStyle/>
+          <a:p>
+            <a:r>
+              <a:rPr lang="en-US" dirty="0"/>
+              <a:t>Y </a:t>
+            </a:r>
+            <a:r>
+              <a:rPr lang="en-US" dirty="0" err="1"/>
+              <a:t>ahora</a:t>
+            </a:r>
+            <a:r>
+              <a:rPr lang="en-US" dirty="0"/>
+              <a:t> </a:t>
+            </a:r>
+            <a:r>
+              <a:rPr lang="en-US" dirty="0" err="1"/>
+              <a:t>es</a:t>
+            </a:r>
+            <a:r>
+              <a:rPr lang="en-US" dirty="0"/>
+              <a:t> </a:t>
+            </a:r>
+            <a:r>
+              <a:rPr lang="en-US" dirty="0" err="1"/>
+              <a:t>su</a:t>
+            </a:r>
+            <a:r>
+              <a:rPr lang="en-US" dirty="0"/>
+              <a:t> </a:t>
+            </a:r>
+            <a:r>
+              <a:rPr lang="en-US" dirty="0" err="1"/>
+              <a:t>turno</a:t>
+            </a:r>
+            <a:r>
+              <a:rPr lang="en-US" dirty="0"/>
+              <a:t>…</a:t>
+            </a:r>
+          </a:p>
+        </p:txBody>
+      </p:sp>
+      <p:sp>
+        <p:nvSpPr>
+          <p:cNvPr id="3" name="Content Placeholder 2"/>
+          <p:cNvSpPr>
+            <a:spLocks noGrp="1"/>
+          </p:cNvSpPr>
+          <p:nvPr>
+            <p:ph idx="1"/>
+          </p:nvPr>
+        </p:nvSpPr>
+        <p:spPr>
+          <a:xfrm>
+            <a:off x="457200" y="1417638"/>
+            <a:ext cx="8229600" cy="4530725"/>
+          </a:xfrm>
+        </p:spPr>
+        <p:txBody>
+          <a:bodyPr/>
+          <a:lstStyle/>
+          <a:p>
+            <a:pPr marL="514350" indent="-514350">
+              <a:buFont typeface="+mj-lt"/>
+              <a:buAutoNum type="arabicPeriod"/>
+            </a:pPr>
+            <a:r>
+              <a:rPr lang="en-US" dirty="0"/>
+              <a:t>¿</a:t>
+            </a:r>
+            <a:r>
+              <a:rPr lang="en-US" dirty="0" err="1"/>
+              <a:t>Experiencia</a:t>
+            </a:r>
+            <a:r>
+              <a:rPr lang="en-US" dirty="0"/>
+              <a:t> &amp; </a:t>
+            </a:r>
+            <a:r>
+              <a:rPr lang="en-US" dirty="0" err="1"/>
+              <a:t>Interés</a:t>
+            </a:r>
+            <a:r>
+              <a:rPr lang="en-US" dirty="0"/>
+              <a:t>?</a:t>
+            </a:r>
+          </a:p>
+          <a:p>
+            <a:pPr marL="514350" indent="-514350">
+              <a:buFont typeface="+mj-lt"/>
+              <a:buAutoNum type="arabicPeriod"/>
+            </a:pPr>
+            <a:endParaRPr lang="en-US" dirty="0"/>
+          </a:p>
+          <a:p>
+            <a:pPr marL="514350" indent="-514350">
+              <a:buFont typeface="+mj-lt"/>
+              <a:buAutoNum type="arabicPeriod"/>
+            </a:pPr>
+            <a:r>
+              <a:rPr lang="en-US" dirty="0"/>
+              <a:t>¿</a:t>
+            </a:r>
+            <a:r>
+              <a:rPr lang="en-US" dirty="0" err="1"/>
+              <a:t>Qué</a:t>
+            </a:r>
+            <a:r>
+              <a:rPr lang="en-US" dirty="0"/>
+              <a:t> </a:t>
+            </a:r>
+            <a:r>
+              <a:rPr lang="en-US" dirty="0" err="1"/>
+              <a:t>espera</a:t>
+            </a:r>
+            <a:r>
+              <a:rPr lang="en-US" dirty="0"/>
+              <a:t> a </a:t>
+            </a:r>
+            <a:r>
+              <a:rPr lang="en-US" dirty="0" err="1"/>
+              <a:t>realizar</a:t>
+            </a:r>
+            <a:r>
+              <a:rPr lang="en-US" dirty="0"/>
+              <a:t> del </a:t>
+            </a:r>
+            <a:r>
+              <a:rPr lang="en-US" dirty="0" err="1"/>
+              <a:t>curso</a:t>
+            </a:r>
+            <a:r>
+              <a:rPr lang="en-US" dirty="0"/>
+              <a:t>?</a:t>
+            </a:r>
+          </a:p>
+          <a:p>
+            <a:pPr marL="514350" indent="-514350">
+              <a:buFont typeface="+mj-lt"/>
+              <a:buAutoNum type="arabicPeriod"/>
+            </a:pPr>
+            <a:endParaRPr lang="en-US" dirty="0"/>
+          </a:p>
+          <a:p>
+            <a:pPr marL="514350" indent="-514350">
+              <a:buFont typeface="+mj-lt"/>
+              <a:buAutoNum type="arabicPeriod"/>
+            </a:pPr>
+            <a:r>
+              <a:rPr lang="en-US" dirty="0"/>
+              <a:t>¿Que </a:t>
+            </a:r>
+            <a:r>
+              <a:rPr lang="en-US" dirty="0" err="1"/>
+              <a:t>es</a:t>
+            </a:r>
+            <a:r>
+              <a:rPr lang="en-US" dirty="0"/>
+              <a:t> </a:t>
+            </a:r>
+            <a:r>
+              <a:rPr lang="en-US" dirty="0" err="1"/>
+              <a:t>su</a:t>
+            </a:r>
+            <a:r>
+              <a:rPr lang="en-US" dirty="0"/>
+              <a:t> </a:t>
+            </a:r>
+            <a:r>
+              <a:rPr lang="en-US" dirty="0" err="1"/>
+              <a:t>experiencia</a:t>
+            </a:r>
+            <a:r>
+              <a:rPr lang="en-US" dirty="0"/>
+              <a:t> con </a:t>
+            </a:r>
+            <a:r>
+              <a:rPr lang="en-US" dirty="0" err="1"/>
+              <a:t>modelos</a:t>
+            </a:r>
+            <a:r>
+              <a:rPr lang="en-US" dirty="0"/>
+              <a:t> </a:t>
+            </a:r>
+            <a:r>
+              <a:rPr lang="en-US" dirty="0" err="1"/>
+              <a:t>jerarquicos</a:t>
+            </a:r>
+            <a:r>
+              <a:rPr lang="en-US" dirty="0"/>
+              <a:t>?</a:t>
+            </a:r>
+          </a:p>
+          <a:p>
+            <a:pPr marL="514350" indent="-514350">
+              <a:buFont typeface="+mj-lt"/>
+              <a:buAutoNum type="arabicPeriod"/>
+            </a:pPr>
+            <a:endParaRPr lang="en-US" dirty="0"/>
+          </a:p>
+          <a:p>
+            <a:pPr marL="514350" indent="-514350">
+              <a:buFont typeface="+mj-lt"/>
+              <a:buAutoNum type="arabicPeriod"/>
+            </a:pPr>
+            <a:r>
+              <a:rPr lang="en-US" dirty="0"/>
+              <a:t>¿</a:t>
+            </a:r>
+            <a:r>
+              <a:rPr lang="en-US" dirty="0" err="1"/>
+              <a:t>Qué</a:t>
+            </a:r>
+            <a:r>
+              <a:rPr lang="en-US" dirty="0"/>
+              <a:t> </a:t>
+            </a:r>
+            <a:r>
+              <a:rPr lang="en-US" dirty="0" err="1"/>
+              <a:t>es</a:t>
+            </a:r>
+            <a:r>
+              <a:rPr lang="en-US" dirty="0"/>
+              <a:t> </a:t>
+            </a:r>
+            <a:r>
+              <a:rPr lang="en-US" dirty="0" err="1"/>
+              <a:t>su</a:t>
+            </a:r>
+            <a:r>
+              <a:rPr lang="en-US" dirty="0"/>
+              <a:t> </a:t>
+            </a:r>
+            <a:r>
+              <a:rPr lang="en-US" dirty="0" err="1"/>
+              <a:t>experiencia</a:t>
+            </a:r>
+            <a:r>
+              <a:rPr lang="en-US" dirty="0"/>
+              <a:t> con el </a:t>
+            </a:r>
+            <a:r>
+              <a:rPr lang="en-US" dirty="0" err="1"/>
+              <a:t>idioma</a:t>
+            </a:r>
+            <a:r>
+              <a:rPr lang="en-US" dirty="0"/>
+              <a:t> R y ADMB?</a:t>
+            </a:r>
+          </a:p>
+        </p:txBody>
+      </p:sp>
+    </p:spTree>
+    <p:extLst>
+      <p:ext uri="{BB962C8B-B14F-4D97-AF65-F5344CB8AC3E}">
+        <p14:creationId xmlns:p14="http://schemas.microsoft.com/office/powerpoint/2010/main" val="3184585196"/>
+      </p:ext>
+    </p:extLst>
+  </p:cSld>
+  <p:clrMapOvr>
+    <a:masterClrMapping/>
+  </p:clrMapOvr>
+</p:sld>
+</file>
+
+<file path=ppt/slides/slide14.xml><?xml version="1.0" encoding="utf-8"?>
+<p:sld xmlns:a="http://schemas.openxmlformats.org/drawingml/2006/main" xmlns:r="http://schemas.openxmlformats.org/officeDocument/2006/relationships" xmlns:p="http://schemas.openxmlformats.org/presentationml/2006/main">
+  <p:cSld>
+    <p:spTree>
+      <p:nvGrpSpPr>
+        <p:cNvPr id="1" name=""/>
+        <p:cNvGrpSpPr/>
+        <p:nvPr/>
+      </p:nvGrpSpPr>
+      <p:grpSpPr>
+        <a:xfrm>
+          <a:off x="0" y="0"/>
+          <a:ext cx="0" cy="0"/>
+          <a:chOff x="0" y="0"/>
+          <a:chExt cx="0" cy="0"/>
+        </a:xfrm>
+      </p:grpSpPr>
+      <p:sp>
+        <p:nvSpPr>
+          <p:cNvPr id="2" name="Title 1">
+            <a:extLst>
+              <a:ext uri="{FF2B5EF4-FFF2-40B4-BE49-F238E27FC236}">
+                <a16:creationId xmlns:a16="http://schemas.microsoft.com/office/drawing/2014/main" id="{E9BA492F-EA88-4CF7-9069-CBDF94477AAB}"/>
+              </a:ext>
+            </a:extLst>
+          </p:cNvPr>
+          <p:cNvSpPr>
+            <a:spLocks noGrp="1"/>
+          </p:cNvSpPr>
+          <p:nvPr>
+            <p:ph type="title"/>
+          </p:nvPr>
+        </p:nvSpPr>
+        <p:spPr/>
+        <p:txBody>
+          <a:bodyPr/>
+          <a:lstStyle/>
+          <a:p>
+            <a:r>
+              <a:rPr lang="en-US" dirty="0"/>
+              <a:t>Course goals</a:t>
+            </a:r>
+          </a:p>
+        </p:txBody>
+      </p:sp>
+      <p:sp>
+        <p:nvSpPr>
+          <p:cNvPr id="3" name="Content Placeholder 2">
+            <a:extLst>
+              <a:ext uri="{FF2B5EF4-FFF2-40B4-BE49-F238E27FC236}">
+                <a16:creationId xmlns:a16="http://schemas.microsoft.com/office/drawing/2014/main" id="{A2B4034A-6C7D-489B-B474-A9E452B6B139}"/>
+              </a:ext>
+            </a:extLst>
+          </p:cNvPr>
+          <p:cNvSpPr>
+            <a:spLocks noGrp="1"/>
+          </p:cNvSpPr>
+          <p:nvPr>
+            <p:ph idx="1"/>
+          </p:nvPr>
+        </p:nvSpPr>
+        <p:spPr>
+          <a:xfrm>
+            <a:off x="457200" y="1138806"/>
+            <a:ext cx="8229600" cy="4530725"/>
+          </a:xfrm>
+        </p:spPr>
+        <p:txBody>
+          <a:bodyPr/>
+          <a:lstStyle/>
+          <a:p>
+            <a:pPr marL="514350" indent="-514350">
+              <a:buFont typeface="+mj-lt"/>
+              <a:buAutoNum type="arabicPeriod"/>
+            </a:pPr>
+            <a:r>
+              <a:rPr lang="en-US" dirty="0" smtClean="0"/>
+              <a:t>Gain comfort with numerical optimization of statistical models</a:t>
+            </a:r>
+          </a:p>
+          <a:p>
+            <a:pPr marL="514350" indent="-514350">
+              <a:buFont typeface="+mj-lt"/>
+              <a:buAutoNum type="arabicPeriod"/>
+            </a:pPr>
+            <a:r>
+              <a:rPr lang="en-US" dirty="0" smtClean="0"/>
+              <a:t>Build, test, </a:t>
+            </a:r>
+            <a:r>
+              <a:rPr lang="en-US" dirty="0"/>
+              <a:t>and </a:t>
+            </a:r>
+            <a:r>
+              <a:rPr lang="en-US" dirty="0" smtClean="0"/>
+              <a:t>use </a:t>
+            </a:r>
+            <a:r>
+              <a:rPr lang="en-US" dirty="0"/>
+              <a:t>TMB models</a:t>
+            </a:r>
+          </a:p>
+          <a:p>
+            <a:pPr marL="514350" indent="-514350">
+              <a:buFont typeface="+mj-lt"/>
+              <a:buAutoNum type="arabicPeriod"/>
+            </a:pPr>
+            <a:r>
+              <a:rPr lang="en-US" dirty="0"/>
+              <a:t>Incorporate random effects into models</a:t>
+            </a:r>
+          </a:p>
+          <a:p>
+            <a:pPr marL="514350" indent="-514350">
+              <a:buFont typeface="+mj-lt"/>
+              <a:buAutoNum type="arabicPeriod"/>
+            </a:pPr>
+            <a:r>
+              <a:rPr lang="en-US" dirty="0" smtClean="0"/>
+              <a:t>Start </a:t>
+            </a:r>
+            <a:r>
+              <a:rPr lang="en-US" dirty="0"/>
+              <a:t>core of your own </a:t>
+            </a:r>
+            <a:r>
+              <a:rPr lang="en-US" dirty="0" smtClean="0"/>
+              <a:t>analysis (project)</a:t>
+            </a:r>
+          </a:p>
+          <a:p>
+            <a:pPr marL="0" indent="0">
+              <a:buNone/>
+            </a:pPr>
+            <a:endParaRPr lang="en-US" sz="1200" dirty="0" smtClean="0"/>
+          </a:p>
+          <a:p>
+            <a:pPr marL="0" indent="0">
+              <a:buNone/>
+            </a:pPr>
+            <a:r>
+              <a:rPr lang="en-US" sz="2600" dirty="0" smtClean="0">
+                <a:solidFill>
+                  <a:schemeClr val="accent1"/>
+                </a:solidFill>
+              </a:rPr>
+              <a:t>Warning: This course covers complex math/stats concepts and programming in R and C++.. it will be hard! </a:t>
+            </a:r>
+          </a:p>
+          <a:p>
+            <a:pPr marL="0" indent="0">
+              <a:buNone/>
+            </a:pPr>
+            <a:r>
+              <a:rPr lang="en-US" sz="2600" dirty="0" smtClean="0">
+                <a:solidFill>
+                  <a:schemeClr val="accent1"/>
+                </a:solidFill>
+              </a:rPr>
+              <a:t>Please be patient and kind to yourself and ask questions!</a:t>
+            </a:r>
+            <a:endParaRPr lang="en-US" sz="2600" dirty="0">
+              <a:solidFill>
+                <a:schemeClr val="accent1"/>
+              </a:solidFill>
+            </a:endParaRPr>
+          </a:p>
+        </p:txBody>
+      </p:sp>
+      <p:sp>
+        <p:nvSpPr>
+          <p:cNvPr id="4" name="Slide Number Placeholder 3">
+            <a:extLst>
+              <a:ext uri="{FF2B5EF4-FFF2-40B4-BE49-F238E27FC236}">
+                <a16:creationId xmlns:a16="http://schemas.microsoft.com/office/drawing/2014/main" id="{70F2C2C3-2FC4-499F-B5F0-7DB732BF7A00}"/>
+              </a:ext>
+            </a:extLst>
+          </p:cNvPr>
+          <p:cNvSpPr>
+            <a:spLocks noGrp="1"/>
+          </p:cNvSpPr>
+          <p:nvPr>
+            <p:ph type="sldNum" sz="quarter" idx="12"/>
+          </p:nvPr>
+        </p:nvSpPr>
+        <p:spPr/>
+        <p:txBody>
+          <a:bodyPr/>
+          <a:lstStyle/>
+          <a:p>
+            <a:fld id="{A90099C9-4CB8-9A40-B745-9AB270505907}" type="slidenum">
+              <a:rPr lang="en-US" smtClean="0"/>
+              <a:t>14</a:t>
+            </a:fld>
+            <a:endParaRPr lang="en-US"/>
+          </a:p>
+        </p:txBody>
+      </p:sp>
+    </p:spTree>
+    <p:extLst>
+      <p:ext uri="{BB962C8B-B14F-4D97-AF65-F5344CB8AC3E}">
+        <p14:creationId xmlns:p14="http://schemas.microsoft.com/office/powerpoint/2010/main" val="1510102819"/>
+      </p:ext>
+    </p:extLst>
+  </p:cSld>
+  <p:clrMapOvr>
+    <a:masterClrMapping/>
+  </p:clrMapOvr>
+</p:sld>
+</file>
+
+<file path=ppt/slides/slide15.xml><?xml version="1.0" encoding="utf-8"?>
+<p:sld xmlns:a="http://schemas.openxmlformats.org/drawingml/2006/main" xmlns:r="http://schemas.openxmlformats.org/officeDocument/2006/relationships" xmlns:p="http://schemas.openxmlformats.org/presentationml/2006/main">
+  <p:cSld>
+    <p:spTree>
+      <p:nvGrpSpPr>
+        <p:cNvPr id="1" name=""/>
+        <p:cNvGrpSpPr/>
+        <p:nvPr/>
+      </p:nvGrpSpPr>
+      <p:grpSpPr>
+        <a:xfrm>
+          <a:off x="0" y="0"/>
+          <a:ext cx="0" cy="0"/>
+          <a:chOff x="0" y="0"/>
+          <a:chExt cx="0" cy="0"/>
+        </a:xfrm>
+      </p:grpSpPr>
+      <p:sp>
+        <p:nvSpPr>
+          <p:cNvPr id="2" name="Title 1">
+            <a:extLst>
+              <a:ext uri="{FF2B5EF4-FFF2-40B4-BE49-F238E27FC236}">
+                <a16:creationId xmlns:a16="http://schemas.microsoft.com/office/drawing/2014/main" id="{E622C5D6-127E-4E13-A682-50C23F6FCCA3}"/>
+              </a:ext>
+            </a:extLst>
+          </p:cNvPr>
+          <p:cNvSpPr>
+            <a:spLocks noGrp="1"/>
+          </p:cNvSpPr>
+          <p:nvPr>
+            <p:ph type="title"/>
+          </p:nvPr>
+        </p:nvSpPr>
+        <p:spPr/>
+        <p:txBody>
+          <a:bodyPr/>
+          <a:lstStyle/>
+          <a:p>
+            <a:r>
+              <a:rPr lang="en-US" dirty="0"/>
+              <a:t>Hierarchical model: overview</a:t>
+            </a:r>
+          </a:p>
+        </p:txBody>
+      </p:sp>
+      <p:sp>
+        <p:nvSpPr>
+          <p:cNvPr id="3" name="Content Placeholder 2">
+            <a:extLst>
+              <a:ext uri="{FF2B5EF4-FFF2-40B4-BE49-F238E27FC236}">
+                <a16:creationId xmlns:a16="http://schemas.microsoft.com/office/drawing/2014/main" id="{6C383712-B948-4BB6-80DA-20C80E766461}"/>
+              </a:ext>
+            </a:extLst>
+          </p:cNvPr>
+          <p:cNvSpPr>
+            <a:spLocks noGrp="1"/>
+          </p:cNvSpPr>
+          <p:nvPr>
+            <p:ph idx="1"/>
+          </p:nvPr>
+        </p:nvSpPr>
+        <p:spPr>
+          <a:xfrm>
+            <a:off x="628650" y="1091361"/>
+            <a:ext cx="7886700" cy="4382670"/>
+          </a:xfrm>
+        </p:spPr>
+        <p:txBody>
+          <a:bodyPr/>
+          <a:lstStyle/>
+          <a:p>
+            <a:r>
+              <a:rPr lang="en-US" sz="2800" dirty="0"/>
+              <a:t>Class of model with a hierarchical structure</a:t>
+            </a:r>
+          </a:p>
+          <a:p>
+            <a:r>
+              <a:rPr lang="en-US" sz="2800" dirty="0"/>
+              <a:t>Known by other names: </a:t>
+            </a:r>
+          </a:p>
+          <a:p>
+            <a:pPr lvl="1"/>
+            <a:r>
+              <a:rPr lang="en-US" sz="2400" dirty="0"/>
+              <a:t>Random effects (mixed effects) models</a:t>
+            </a:r>
+          </a:p>
+          <a:p>
+            <a:pPr lvl="1"/>
+            <a:r>
+              <a:rPr lang="en-US" sz="2400" dirty="0"/>
+              <a:t>State-space models</a:t>
+            </a:r>
+          </a:p>
+          <a:p>
+            <a:pPr lvl="1"/>
+            <a:r>
+              <a:rPr lang="en-US" sz="2400" dirty="0"/>
+              <a:t>Multi-level models</a:t>
+            </a:r>
+          </a:p>
+          <a:p>
+            <a:r>
+              <a:rPr lang="en-US" sz="2800" dirty="0"/>
+              <a:t>Hierarchies occur naturally: individuals within sites, subpopulations within populations, etc. </a:t>
+            </a:r>
+          </a:p>
+          <a:p>
+            <a:r>
+              <a:rPr lang="en-US" sz="2800" b="1" dirty="0"/>
+              <a:t>Many</a:t>
+            </a:r>
+            <a:r>
+              <a:rPr lang="en-US" sz="2800" dirty="0"/>
+              <a:t> ways to think about this class of models, can be conceptually difficult and overwhelming</a:t>
+            </a:r>
+            <a:endParaRPr lang="en-US" sz="2800" b="1" dirty="0"/>
+          </a:p>
+        </p:txBody>
+      </p:sp>
+      <p:sp>
+        <p:nvSpPr>
+          <p:cNvPr id="4" name="TextBox 3">
+            <a:extLst>
+              <a:ext uri="{FF2B5EF4-FFF2-40B4-BE49-F238E27FC236}">
+                <a16:creationId xmlns:a16="http://schemas.microsoft.com/office/drawing/2014/main" id="{91B8C2B7-D83A-4DE3-8D72-2F8B77908725}"/>
+              </a:ext>
+            </a:extLst>
+          </p:cNvPr>
+          <p:cNvSpPr txBox="1"/>
+          <p:nvPr/>
+        </p:nvSpPr>
+        <p:spPr>
+          <a:xfrm>
+            <a:off x="6185648" y="6495301"/>
+            <a:ext cx="2689411" cy="369332"/>
+          </a:xfrm>
+          <a:prstGeom prst="rect">
+            <a:avLst/>
+          </a:prstGeom>
+          <a:noFill/>
+        </p:spPr>
+        <p:txBody>
+          <a:bodyPr wrap="square" rtlCol="0">
+            <a:spAutoFit/>
+          </a:bodyPr>
+          <a:lstStyle/>
+          <a:p>
+            <a:pPr algn="r"/>
+            <a:r>
+              <a:rPr lang="en-US" dirty="0" err="1"/>
+              <a:t>Royle</a:t>
+            </a:r>
+            <a:r>
+              <a:rPr lang="en-US" dirty="0"/>
+              <a:t> and </a:t>
+            </a:r>
+            <a:r>
+              <a:rPr lang="en-US" dirty="0" err="1"/>
+              <a:t>Dorazio</a:t>
+            </a:r>
+            <a:r>
+              <a:rPr lang="en-US" dirty="0"/>
+              <a:t> 2008</a:t>
+            </a:r>
+          </a:p>
+        </p:txBody>
+      </p:sp>
+      <p:sp>
+        <p:nvSpPr>
+          <p:cNvPr id="5" name="Slide Number Placeholder 4">
+            <a:extLst>
+              <a:ext uri="{FF2B5EF4-FFF2-40B4-BE49-F238E27FC236}">
+                <a16:creationId xmlns:a16="http://schemas.microsoft.com/office/drawing/2014/main" id="{6971F221-485F-4C23-B854-DC3A88CB94F2}"/>
+              </a:ext>
+            </a:extLst>
+          </p:cNvPr>
+          <p:cNvSpPr>
+            <a:spLocks noGrp="1"/>
+          </p:cNvSpPr>
+          <p:nvPr>
+            <p:ph type="sldNum" sz="quarter" idx="12"/>
+          </p:nvPr>
+        </p:nvSpPr>
+        <p:spPr/>
+        <p:txBody>
+          <a:bodyPr/>
+          <a:lstStyle/>
+          <a:p>
+            <a:fld id="{A90099C9-4CB8-9A40-B745-9AB270505907}" type="slidenum">
+              <a:rPr lang="en-US" smtClean="0"/>
+              <a:t>15</a:t>
+            </a:fld>
+            <a:endParaRPr lang="en-US"/>
+          </a:p>
+        </p:txBody>
+      </p:sp>
+    </p:spTree>
+    <p:extLst>
+      <p:ext uri="{BB962C8B-B14F-4D97-AF65-F5344CB8AC3E}">
+        <p14:creationId xmlns:p14="http://schemas.microsoft.com/office/powerpoint/2010/main" val="2530450770"/>
+      </p:ext>
+    </p:extLst>
+  </p:cSld>
+  <p:clrMapOvr>
+    <a:masterClrMapping/>
+  </p:clrMapOvr>
+</p:sld>
+</file>
+
+<file path=ppt/slides/slide16.xml><?xml version="1.0" encoding="utf-8"?>
+<p:sld xmlns:a="http://schemas.openxmlformats.org/drawingml/2006/main" xmlns:r="http://schemas.openxmlformats.org/officeDocument/2006/relationships" xmlns:p="http://schemas.openxmlformats.org/presentationml/2006/main">
+  <p:cSld>
+    <p:spTree>
+      <p:nvGrpSpPr>
+        <p:cNvPr id="1" name=""/>
+        <p:cNvGrpSpPr/>
+        <p:nvPr/>
+      </p:nvGrpSpPr>
+      <p:grpSpPr>
+        <a:xfrm>
+          <a:off x="0" y="0"/>
+          <a:ext cx="0" cy="0"/>
+          <a:chOff x="0" y="0"/>
+          <a:chExt cx="0" cy="0"/>
+        </a:xfrm>
+      </p:grpSpPr>
+      <p:sp>
+        <p:nvSpPr>
+          <p:cNvPr id="2" name="Title 1">
+            <a:extLst>
+              <a:ext uri="{FF2B5EF4-FFF2-40B4-BE49-F238E27FC236}">
+                <a16:creationId xmlns:a16="http://schemas.microsoft.com/office/drawing/2014/main" id="{E622C5D6-127E-4E13-A682-50C23F6FCCA3}"/>
+              </a:ext>
+            </a:extLst>
+          </p:cNvPr>
+          <p:cNvSpPr>
+            <a:spLocks noGrp="1"/>
+          </p:cNvSpPr>
+          <p:nvPr>
+            <p:ph type="title"/>
+          </p:nvPr>
+        </p:nvSpPr>
+        <p:spPr/>
+        <p:txBody>
+          <a:bodyPr/>
+          <a:lstStyle/>
+          <a:p>
+            <a:r>
+              <a:rPr lang="en-US" dirty="0"/>
+              <a:t>Hierarchical models: example</a:t>
+            </a:r>
+          </a:p>
+        </p:txBody>
+      </p:sp>
+      <p:pic>
+        <p:nvPicPr>
+          <p:cNvPr id="4" name="Picture 3">
+            <a:extLst>
+              <a:ext uri="{FF2B5EF4-FFF2-40B4-BE49-F238E27FC236}">
+                <a16:creationId xmlns:a16="http://schemas.microsoft.com/office/drawing/2014/main" id="{A3CE29E7-39DF-4344-A6C6-106194DF1170}"/>
+              </a:ext>
+            </a:extLst>
+          </p:cNvPr>
+          <p:cNvPicPr>
+            <a:picLocks noChangeAspect="1"/>
+          </p:cNvPicPr>
+          <p:nvPr/>
+        </p:nvPicPr>
+        <p:blipFill>
+          <a:blip r:embed="rId2"/>
+          <a:stretch>
+            <a:fillRect/>
+          </a:stretch>
+        </p:blipFill>
+        <p:spPr>
+          <a:xfrm>
+            <a:off x="211757" y="1876766"/>
+            <a:ext cx="6506678" cy="3194402"/>
+          </a:xfrm>
+          <a:prstGeom prst="rect">
+            <a:avLst/>
+          </a:prstGeom>
+        </p:spPr>
+      </p:pic>
+      <p:sp>
+        <p:nvSpPr>
+          <p:cNvPr id="7" name="Rectangle 6">
+            <a:extLst>
+              <a:ext uri="{FF2B5EF4-FFF2-40B4-BE49-F238E27FC236}">
+                <a16:creationId xmlns:a16="http://schemas.microsoft.com/office/drawing/2014/main" id="{C26DB809-D9AA-4615-BB91-602299E0A4B7}"/>
+              </a:ext>
+            </a:extLst>
+          </p:cNvPr>
+          <p:cNvSpPr/>
+          <p:nvPr/>
+        </p:nvSpPr>
+        <p:spPr>
+          <a:xfrm>
+            <a:off x="6593306" y="3102701"/>
+            <a:ext cx="1828800" cy="500514"/>
+          </a:xfrm>
+          <a:prstGeom prst="rect">
+            <a:avLst/>
+          </a:prstGeom>
+          <a:noFill/>
+          <a:ln>
+            <a:solidFill>
+              <a:schemeClr val="tx1"/>
+            </a:solidFill>
+          </a:ln>
+        </p:spPr>
+        <p:style>
+          <a:lnRef idx="2">
+            <a:schemeClr val="accent1">
+              <a:shade val="50000"/>
+            </a:schemeClr>
+          </a:lnRef>
+          <a:fillRef idx="1">
+            <a:schemeClr val="accent1"/>
+          </a:fillRef>
+          <a:effectRef idx="0">
+            <a:schemeClr val="accent1"/>
+          </a:effectRef>
+          <a:fontRef idx="minor">
+            <a:schemeClr val="lt1"/>
+          </a:fontRef>
+        </p:style>
+        <p:txBody>
+          <a:bodyPr rtlCol="0" anchor="ctr"/>
+          <a:lstStyle/>
+          <a:p>
+            <a:pPr algn="ctr"/>
+            <a:r>
+              <a:rPr lang="en-US" b="1" dirty="0">
+                <a:solidFill>
+                  <a:srgbClr val="FF0000"/>
+                </a:solidFill>
+              </a:rPr>
+              <a:t>Density at 4 sites</a:t>
+            </a:r>
+          </a:p>
+        </p:txBody>
+      </p:sp>
+      <p:sp>
+        <p:nvSpPr>
+          <p:cNvPr id="8" name="Rectangle 7">
+            <a:extLst>
+              <a:ext uri="{FF2B5EF4-FFF2-40B4-BE49-F238E27FC236}">
+                <a16:creationId xmlns:a16="http://schemas.microsoft.com/office/drawing/2014/main" id="{F2AD29DD-2B6D-4096-BE7F-4ECC343CCC86}"/>
+              </a:ext>
+            </a:extLst>
+          </p:cNvPr>
+          <p:cNvSpPr/>
+          <p:nvPr/>
+        </p:nvSpPr>
+        <p:spPr>
+          <a:xfrm>
+            <a:off x="6468176" y="1524620"/>
+            <a:ext cx="1828800" cy="1111156"/>
+          </a:xfrm>
+          <a:prstGeom prst="rect">
+            <a:avLst/>
+          </a:prstGeom>
+          <a:noFill/>
+          <a:ln>
+            <a:solidFill>
+              <a:schemeClr val="tx1"/>
+            </a:solidFill>
+          </a:ln>
+        </p:spPr>
+        <p:style>
+          <a:lnRef idx="2">
+            <a:schemeClr val="accent1">
+              <a:shade val="50000"/>
+            </a:schemeClr>
+          </a:lnRef>
+          <a:fillRef idx="1">
+            <a:schemeClr val="accent1"/>
+          </a:fillRef>
+          <a:effectRef idx="0">
+            <a:schemeClr val="accent1"/>
+          </a:effectRef>
+          <a:fontRef idx="minor">
+            <a:schemeClr val="lt1"/>
+          </a:fontRef>
+        </p:style>
+        <p:txBody>
+          <a:bodyPr rtlCol="0" anchor="ctr"/>
+          <a:lstStyle/>
+          <a:p>
+            <a:pPr algn="ctr"/>
+            <a:r>
+              <a:rPr lang="en-US" b="1" dirty="0">
+                <a:solidFill>
+                  <a:srgbClr val="FF0000"/>
+                </a:solidFill>
+              </a:rPr>
+              <a:t>Average density and variability among sites</a:t>
+            </a:r>
+          </a:p>
+        </p:txBody>
+      </p:sp>
+      <p:sp>
+        <p:nvSpPr>
+          <p:cNvPr id="9" name="Rectangle 8">
+            <a:extLst>
+              <a:ext uri="{FF2B5EF4-FFF2-40B4-BE49-F238E27FC236}">
+                <a16:creationId xmlns:a16="http://schemas.microsoft.com/office/drawing/2014/main" id="{AA38EDBA-A1B5-4372-B391-6573B6D79D64}"/>
+              </a:ext>
+            </a:extLst>
+          </p:cNvPr>
+          <p:cNvSpPr/>
+          <p:nvPr/>
+        </p:nvSpPr>
+        <p:spPr>
+          <a:xfrm>
+            <a:off x="6829124" y="3939145"/>
+            <a:ext cx="1828800" cy="1111156"/>
+          </a:xfrm>
+          <a:prstGeom prst="rect">
+            <a:avLst/>
+          </a:prstGeom>
+          <a:noFill/>
+          <a:ln>
+            <a:solidFill>
+              <a:schemeClr val="tx1"/>
+            </a:solidFill>
+          </a:ln>
+        </p:spPr>
+        <p:style>
+          <a:lnRef idx="2">
+            <a:schemeClr val="accent1">
+              <a:shade val="50000"/>
+            </a:schemeClr>
+          </a:lnRef>
+          <a:fillRef idx="1">
+            <a:schemeClr val="accent1"/>
+          </a:fillRef>
+          <a:effectRef idx="0">
+            <a:schemeClr val="accent1"/>
+          </a:effectRef>
+          <a:fontRef idx="minor">
+            <a:schemeClr val="lt1"/>
+          </a:fontRef>
+        </p:style>
+        <p:txBody>
+          <a:bodyPr rtlCol="0" anchor="ctr"/>
+          <a:lstStyle/>
+          <a:p>
+            <a:pPr algn="ctr"/>
+            <a:r>
+              <a:rPr lang="en-US" b="1" dirty="0">
+                <a:solidFill>
+                  <a:srgbClr val="FF0000"/>
+                </a:solidFill>
+              </a:rPr>
+              <a:t>Observed counts from 2 surveys at each site</a:t>
+            </a:r>
+          </a:p>
+        </p:txBody>
+      </p:sp>
+      <p:sp>
+        <p:nvSpPr>
+          <p:cNvPr id="10" name="TextBox 9">
+            <a:extLst>
+              <a:ext uri="{FF2B5EF4-FFF2-40B4-BE49-F238E27FC236}">
+                <a16:creationId xmlns:a16="http://schemas.microsoft.com/office/drawing/2014/main" id="{548D46D9-DC08-4167-B98C-D5BE7F63658A}"/>
+              </a:ext>
+            </a:extLst>
+          </p:cNvPr>
+          <p:cNvSpPr txBox="1"/>
+          <p:nvPr/>
+        </p:nvSpPr>
+        <p:spPr>
+          <a:xfrm>
+            <a:off x="490888" y="5269752"/>
+            <a:ext cx="8024462" cy="830997"/>
+          </a:xfrm>
+          <a:prstGeom prst="rect">
+            <a:avLst/>
+          </a:prstGeom>
+          <a:noFill/>
+        </p:spPr>
+        <p:txBody>
+          <a:bodyPr wrap="square" rtlCol="0">
+            <a:spAutoFit/>
+          </a:bodyPr>
+          <a:lstStyle/>
+          <a:p>
+            <a:pPr marL="285750" indent="-285750">
+              <a:buFont typeface="Arial" panose="020B0604020202020204" pitchFamily="34" charset="0"/>
+              <a:buChar char="•"/>
+            </a:pPr>
+            <a:r>
+              <a:rPr lang="en-US" sz="2400" dirty="0"/>
+              <a:t>The site densities are related (dependent)</a:t>
+            </a:r>
+          </a:p>
+          <a:p>
+            <a:pPr marL="285750" indent="-285750">
+              <a:buFont typeface="Arial" panose="020B0604020202020204" pitchFamily="34" charset="0"/>
+              <a:buChar char="•"/>
+            </a:pPr>
+            <a:r>
+              <a:rPr lang="en-US" sz="2400" dirty="0"/>
+              <a:t>The site densities are not directly observed (latent)</a:t>
+            </a:r>
+          </a:p>
+        </p:txBody>
+      </p:sp>
+      <p:sp>
+        <p:nvSpPr>
+          <p:cNvPr id="11" name="TextBox 10">
+            <a:extLst>
+              <a:ext uri="{FF2B5EF4-FFF2-40B4-BE49-F238E27FC236}">
+                <a16:creationId xmlns:a16="http://schemas.microsoft.com/office/drawing/2014/main" id="{B7E0E7F2-6F4B-448D-B325-85F2883B7329}"/>
+              </a:ext>
+            </a:extLst>
+          </p:cNvPr>
+          <p:cNvSpPr txBox="1"/>
+          <p:nvPr/>
+        </p:nvSpPr>
+        <p:spPr>
+          <a:xfrm>
+            <a:off x="6185648" y="6495301"/>
+            <a:ext cx="2689411" cy="369332"/>
+          </a:xfrm>
+          <a:prstGeom prst="rect">
+            <a:avLst/>
+          </a:prstGeom>
+          <a:noFill/>
+        </p:spPr>
+        <p:txBody>
+          <a:bodyPr wrap="square" rtlCol="0">
+            <a:spAutoFit/>
+          </a:bodyPr>
+          <a:lstStyle/>
+          <a:p>
+            <a:pPr algn="r"/>
+            <a:r>
+              <a:rPr lang="en-US" dirty="0"/>
+              <a:t>Thorson and Minto 2014</a:t>
+            </a:r>
+          </a:p>
+        </p:txBody>
+      </p:sp>
+      <p:sp>
+        <p:nvSpPr>
+          <p:cNvPr id="3" name="Slide Number Placeholder 2">
+            <a:extLst>
+              <a:ext uri="{FF2B5EF4-FFF2-40B4-BE49-F238E27FC236}">
+                <a16:creationId xmlns:a16="http://schemas.microsoft.com/office/drawing/2014/main" id="{A0903ACA-9086-47F5-AADB-D86B9F49FDB3}"/>
+              </a:ext>
+            </a:extLst>
+          </p:cNvPr>
+          <p:cNvSpPr>
+            <a:spLocks noGrp="1"/>
+          </p:cNvSpPr>
+          <p:nvPr>
+            <p:ph type="sldNum" sz="quarter" idx="12"/>
+          </p:nvPr>
+        </p:nvSpPr>
+        <p:spPr/>
+        <p:txBody>
+          <a:bodyPr/>
+          <a:lstStyle/>
+          <a:p>
+            <a:fld id="{A90099C9-4CB8-9A40-B745-9AB270505907}" type="slidenum">
+              <a:rPr lang="en-US" smtClean="0"/>
+              <a:t>16</a:t>
+            </a:fld>
+            <a:endParaRPr lang="en-US"/>
+          </a:p>
+        </p:txBody>
+      </p:sp>
+    </p:spTree>
+    <p:extLst>
+      <p:ext uri="{BB962C8B-B14F-4D97-AF65-F5344CB8AC3E}">
+        <p14:creationId xmlns:p14="http://schemas.microsoft.com/office/powerpoint/2010/main" val="1894922949"/>
+      </p:ext>
+    </p:extLst>
+  </p:cSld>
+  <p:clrMapOvr>
+    <a:masterClrMapping/>
+  </p:clrMapOvr>
+</p:sld>
+</file>
+
+<file path=ppt/slides/slide17.xml><?xml version="1.0" encoding="utf-8"?>
+<p:sld xmlns:a="http://schemas.openxmlformats.org/drawingml/2006/main" xmlns:r="http://schemas.openxmlformats.org/officeDocument/2006/relationships" xmlns:p="http://schemas.openxmlformats.org/presentationml/2006/main">
+  <p:cSld>
+    <p:spTree>
+      <p:nvGrpSpPr>
+        <p:cNvPr id="1" name=""/>
+        <p:cNvGrpSpPr/>
+        <p:nvPr/>
+      </p:nvGrpSpPr>
+      <p:grpSpPr>
+        <a:xfrm>
+          <a:off x="0" y="0"/>
+          <a:ext cx="0" cy="0"/>
+          <a:chOff x="0" y="0"/>
+          <a:chExt cx="0" cy="0"/>
+        </a:xfrm>
+      </p:grpSpPr>
+      <p:sp>
+        <p:nvSpPr>
+          <p:cNvPr id="2" name="Title 1">
+            <a:extLst>
+              <a:ext uri="{FF2B5EF4-FFF2-40B4-BE49-F238E27FC236}">
+                <a16:creationId xmlns:a16="http://schemas.microsoft.com/office/drawing/2014/main" id="{E622C5D6-127E-4E13-A682-50C23F6FCCA3}"/>
+              </a:ext>
+            </a:extLst>
+          </p:cNvPr>
+          <p:cNvSpPr>
+            <a:spLocks noGrp="1"/>
+          </p:cNvSpPr>
+          <p:nvPr>
+            <p:ph type="title"/>
+          </p:nvPr>
+        </p:nvSpPr>
+        <p:spPr/>
+        <p:txBody>
+          <a:bodyPr/>
+          <a:lstStyle/>
+          <a:p>
+            <a:r>
+              <a:rPr lang="en-US" dirty="0"/>
+              <a:t>HM by </a:t>
+            </a:r>
+            <a:r>
+              <a:rPr lang="en-US" dirty="0" err="1"/>
+              <a:t>Royle</a:t>
+            </a:r>
+            <a:r>
+              <a:rPr lang="en-US" dirty="0"/>
+              <a:t> &amp; </a:t>
+            </a:r>
+            <a:r>
+              <a:rPr lang="en-US" dirty="0" err="1"/>
+              <a:t>Dorazio</a:t>
+            </a:r>
+            <a:endParaRPr lang="en-US" dirty="0"/>
+          </a:p>
+        </p:txBody>
+      </p:sp>
+      <p:sp>
+        <p:nvSpPr>
+          <p:cNvPr id="3" name="Content Placeholder 2">
+            <a:extLst>
+              <a:ext uri="{FF2B5EF4-FFF2-40B4-BE49-F238E27FC236}">
+                <a16:creationId xmlns:a16="http://schemas.microsoft.com/office/drawing/2014/main" id="{6C383712-B948-4BB6-80DA-20C80E766461}"/>
+              </a:ext>
+            </a:extLst>
+          </p:cNvPr>
+          <p:cNvSpPr>
+            <a:spLocks noGrp="1"/>
+          </p:cNvSpPr>
+          <p:nvPr>
+            <p:ph idx="1"/>
+          </p:nvPr>
+        </p:nvSpPr>
+        <p:spPr>
+          <a:xfrm>
+            <a:off x="628650" y="1249553"/>
+            <a:ext cx="7886700" cy="3364442"/>
+          </a:xfrm>
+        </p:spPr>
+        <p:txBody>
+          <a:bodyPr/>
+          <a:lstStyle/>
+          <a:p>
+            <a:r>
+              <a:rPr lang="en-US" dirty="0"/>
+              <a:t>Statistical models used widely in ecology</a:t>
+            </a:r>
+          </a:p>
+          <a:p>
+            <a:r>
+              <a:rPr lang="en-US" dirty="0"/>
+              <a:t>A “</a:t>
+            </a:r>
+            <a:r>
+              <a:rPr lang="en-US" i="1" dirty="0"/>
+              <a:t>conceptual and philosophical approach to doing science</a:t>
+            </a:r>
+            <a:r>
+              <a:rPr lang="en-US" dirty="0"/>
+              <a:t>” with distinct models:</a:t>
+            </a:r>
+          </a:p>
+          <a:p>
+            <a:pPr lvl="1"/>
+            <a:r>
+              <a:rPr lang="en-US" i="1" dirty="0"/>
+              <a:t>Observation: </a:t>
+            </a:r>
+            <a:r>
+              <a:rPr lang="en-US" dirty="0"/>
+              <a:t>How data are observed (with error), given the process</a:t>
+            </a:r>
+            <a:r>
+              <a:rPr lang="en-US" i="1" dirty="0"/>
+              <a:t>.</a:t>
+            </a:r>
+          </a:p>
+          <a:p>
+            <a:pPr lvl="1"/>
+            <a:r>
+              <a:rPr lang="en-US" i="1" dirty="0"/>
+              <a:t>Process:</a:t>
+            </a:r>
+            <a:r>
+              <a:rPr lang="en-US" dirty="0"/>
+              <a:t> Describes the dynamics of the ecological process (e.g. animal abundance over time/space)</a:t>
+            </a:r>
+          </a:p>
+        </p:txBody>
+      </p:sp>
+      <p:sp>
+        <p:nvSpPr>
+          <p:cNvPr id="4" name="TextBox 3">
+            <a:extLst>
+              <a:ext uri="{FF2B5EF4-FFF2-40B4-BE49-F238E27FC236}">
+                <a16:creationId xmlns:a16="http://schemas.microsoft.com/office/drawing/2014/main" id="{91B8C2B7-D83A-4DE3-8D72-2F8B77908725}"/>
+              </a:ext>
+            </a:extLst>
+          </p:cNvPr>
+          <p:cNvSpPr txBox="1"/>
+          <p:nvPr/>
+        </p:nvSpPr>
+        <p:spPr>
+          <a:xfrm>
+            <a:off x="6185648" y="6495301"/>
+            <a:ext cx="2689411" cy="369332"/>
+          </a:xfrm>
+          <a:prstGeom prst="rect">
+            <a:avLst/>
+          </a:prstGeom>
+          <a:noFill/>
+        </p:spPr>
+        <p:txBody>
+          <a:bodyPr wrap="square" rtlCol="0">
+            <a:spAutoFit/>
+          </a:bodyPr>
+          <a:lstStyle/>
+          <a:p>
+            <a:pPr algn="r"/>
+            <a:r>
+              <a:rPr lang="en-US" dirty="0" err="1"/>
+              <a:t>Royle</a:t>
+            </a:r>
+            <a:r>
+              <a:rPr lang="en-US" dirty="0"/>
+              <a:t> and </a:t>
+            </a:r>
+            <a:r>
+              <a:rPr lang="en-US" dirty="0" err="1"/>
+              <a:t>Dorazio</a:t>
+            </a:r>
+            <a:r>
+              <a:rPr lang="en-US" dirty="0"/>
+              <a:t> 2008</a:t>
+            </a:r>
+          </a:p>
+        </p:txBody>
+      </p:sp>
+      <p:sp>
+        <p:nvSpPr>
+          <p:cNvPr id="5" name="TextBox 4">
+            <a:extLst>
+              <a:ext uri="{FF2B5EF4-FFF2-40B4-BE49-F238E27FC236}">
+                <a16:creationId xmlns:a16="http://schemas.microsoft.com/office/drawing/2014/main" id="{E2E80CC1-A3B1-41D5-974D-84E31E682088}"/>
+              </a:ext>
+            </a:extLst>
+          </p:cNvPr>
+          <p:cNvSpPr txBox="1"/>
+          <p:nvPr/>
+        </p:nvSpPr>
+        <p:spPr>
+          <a:xfrm>
+            <a:off x="490070" y="5109076"/>
+            <a:ext cx="8163859" cy="461665"/>
+          </a:xfrm>
+          <a:prstGeom prst="rect">
+            <a:avLst/>
+          </a:prstGeom>
+          <a:noFill/>
+        </p:spPr>
+        <p:txBody>
+          <a:bodyPr wrap="square" rtlCol="0">
+            <a:spAutoFit/>
+          </a:bodyPr>
+          <a:lstStyle/>
+          <a:p>
+            <a:r>
+              <a:rPr lang="en-US" sz="2400" dirty="0"/>
+              <a:t>P(</a:t>
+            </a:r>
+            <a:r>
+              <a:rPr lang="en-US" sz="2400" dirty="0" err="1"/>
+              <a:t>data|process</a:t>
+            </a:r>
+            <a:r>
+              <a:rPr lang="en-US" sz="2400" dirty="0"/>
+              <a:t>, parameters)*P(</a:t>
+            </a:r>
+            <a:r>
+              <a:rPr lang="en-US" sz="2400" dirty="0" err="1"/>
+              <a:t>process|parameters</a:t>
+            </a:r>
+            <a:r>
+              <a:rPr lang="en-US" sz="2400" dirty="0"/>
+              <a:t>)</a:t>
+            </a:r>
+          </a:p>
+        </p:txBody>
+      </p:sp>
+      <p:sp>
+        <p:nvSpPr>
+          <p:cNvPr id="6" name="TextBox 5">
+            <a:extLst>
+              <a:ext uri="{FF2B5EF4-FFF2-40B4-BE49-F238E27FC236}">
+                <a16:creationId xmlns:a16="http://schemas.microsoft.com/office/drawing/2014/main" id="{B12D25C0-03D8-409E-917F-DE6130EAECAC}"/>
+              </a:ext>
+            </a:extLst>
+          </p:cNvPr>
+          <p:cNvSpPr txBox="1"/>
+          <p:nvPr/>
+        </p:nvSpPr>
+        <p:spPr>
+          <a:xfrm>
+            <a:off x="1346200" y="5601335"/>
+            <a:ext cx="2159000" cy="461665"/>
+          </a:xfrm>
+          <a:prstGeom prst="rect">
+            <a:avLst/>
+          </a:prstGeom>
+          <a:noFill/>
+        </p:spPr>
+        <p:txBody>
+          <a:bodyPr wrap="square" rtlCol="0">
+            <a:spAutoFit/>
+          </a:bodyPr>
+          <a:lstStyle/>
+          <a:p>
+            <a:pPr algn="ctr"/>
+            <a:r>
+              <a:rPr lang="en-US" sz="2400" b="1" dirty="0">
+                <a:solidFill>
+                  <a:srgbClr val="FF0000"/>
+                </a:solidFill>
+              </a:rPr>
+              <a:t>observation</a:t>
+            </a:r>
+          </a:p>
+        </p:txBody>
+      </p:sp>
+      <p:sp>
+        <p:nvSpPr>
+          <p:cNvPr id="7" name="TextBox 6">
+            <a:extLst>
+              <a:ext uri="{FF2B5EF4-FFF2-40B4-BE49-F238E27FC236}">
+                <a16:creationId xmlns:a16="http://schemas.microsoft.com/office/drawing/2014/main" id="{8793595C-EFFB-4B8A-9747-79DE331D32E6}"/>
+              </a:ext>
+            </a:extLst>
+          </p:cNvPr>
+          <p:cNvSpPr txBox="1"/>
+          <p:nvPr/>
+        </p:nvSpPr>
+        <p:spPr>
+          <a:xfrm>
+            <a:off x="5213951" y="5586078"/>
+            <a:ext cx="2159000" cy="461665"/>
+          </a:xfrm>
+          <a:prstGeom prst="rect">
+            <a:avLst/>
+          </a:prstGeom>
+          <a:noFill/>
+        </p:spPr>
+        <p:txBody>
+          <a:bodyPr wrap="square" rtlCol="0">
+            <a:spAutoFit/>
+          </a:bodyPr>
+          <a:lstStyle/>
+          <a:p>
+            <a:pPr algn="ctr"/>
+            <a:r>
+              <a:rPr lang="en-US" sz="2400" b="1" dirty="0">
+                <a:solidFill>
+                  <a:srgbClr val="FF0000"/>
+                </a:solidFill>
+              </a:rPr>
+              <a:t>process</a:t>
+            </a:r>
+          </a:p>
+        </p:txBody>
+      </p:sp>
+      <p:sp>
+        <p:nvSpPr>
+          <p:cNvPr id="8" name="Slide Number Placeholder 7">
+            <a:extLst>
+              <a:ext uri="{FF2B5EF4-FFF2-40B4-BE49-F238E27FC236}">
+                <a16:creationId xmlns:a16="http://schemas.microsoft.com/office/drawing/2014/main" id="{36492438-0541-48B4-890B-64DD7DC28530}"/>
+              </a:ext>
+            </a:extLst>
+          </p:cNvPr>
+          <p:cNvSpPr>
+            <a:spLocks noGrp="1"/>
+          </p:cNvSpPr>
+          <p:nvPr>
+            <p:ph type="sldNum" sz="quarter" idx="12"/>
+          </p:nvPr>
+        </p:nvSpPr>
+        <p:spPr/>
+        <p:txBody>
+          <a:bodyPr/>
+          <a:lstStyle/>
+          <a:p>
+            <a:fld id="{A90099C9-4CB8-9A40-B745-9AB270505907}" type="slidenum">
+              <a:rPr lang="en-US" smtClean="0"/>
+              <a:t>17</a:t>
+            </a:fld>
+            <a:endParaRPr lang="en-US"/>
+          </a:p>
+        </p:txBody>
+      </p:sp>
+    </p:spTree>
+    <p:extLst>
+      <p:ext uri="{BB962C8B-B14F-4D97-AF65-F5344CB8AC3E}">
+        <p14:creationId xmlns:p14="http://schemas.microsoft.com/office/powerpoint/2010/main" val="2136345693"/>
+      </p:ext>
+    </p:extLst>
+  </p:cSld>
+  <p:clrMapOvr>
+    <a:masterClrMapping/>
+  </p:clrMapOvr>
+</p:sld>
+</file>
+
+<file path=ppt/slides/slide18.xml><?xml version="1.0" encoding="utf-8"?>
+<p:sld xmlns:a="http://schemas.openxmlformats.org/drawingml/2006/main" xmlns:r="http://schemas.openxmlformats.org/officeDocument/2006/relationships" xmlns:p="http://schemas.openxmlformats.org/presentationml/2006/main">
+  <p:cSld>
+    <p:spTree>
+      <p:nvGrpSpPr>
+        <p:cNvPr id="1" name=""/>
+        <p:cNvGrpSpPr/>
+        <p:nvPr/>
+      </p:nvGrpSpPr>
+      <p:grpSpPr>
+        <a:xfrm>
+          <a:off x="0" y="0"/>
+          <a:ext cx="0" cy="0"/>
+          <a:chOff x="0" y="0"/>
+          <a:chExt cx="0" cy="0"/>
+        </a:xfrm>
+      </p:grpSpPr>
+      <p:sp>
+        <p:nvSpPr>
+          <p:cNvPr id="2" name="Title 1">
+            <a:extLst>
+              <a:ext uri="{FF2B5EF4-FFF2-40B4-BE49-F238E27FC236}">
+                <a16:creationId xmlns:a16="http://schemas.microsoft.com/office/drawing/2014/main" id="{E622C5D6-127E-4E13-A682-50C23F6FCCA3}"/>
+              </a:ext>
+            </a:extLst>
+          </p:cNvPr>
+          <p:cNvSpPr>
+            <a:spLocks noGrp="1"/>
+          </p:cNvSpPr>
+          <p:nvPr>
+            <p:ph type="title"/>
+          </p:nvPr>
+        </p:nvSpPr>
+        <p:spPr/>
+        <p:txBody>
+          <a:bodyPr/>
+          <a:lstStyle/>
+          <a:p>
+            <a:r>
+              <a:rPr lang="en-US" dirty="0"/>
+              <a:t>HM: Thorson and Minto</a:t>
+            </a:r>
+          </a:p>
+        </p:txBody>
+      </p:sp>
+      <p:sp>
+        <p:nvSpPr>
+          <p:cNvPr id="3" name="Content Placeholder 2">
+            <a:extLst>
+              <a:ext uri="{FF2B5EF4-FFF2-40B4-BE49-F238E27FC236}">
+                <a16:creationId xmlns:a16="http://schemas.microsoft.com/office/drawing/2014/main" id="{6C383712-B948-4BB6-80DA-20C80E766461}"/>
+              </a:ext>
+            </a:extLst>
+          </p:cNvPr>
+          <p:cNvSpPr>
+            <a:spLocks noGrp="1"/>
+          </p:cNvSpPr>
+          <p:nvPr>
+            <p:ph idx="1"/>
+          </p:nvPr>
+        </p:nvSpPr>
+        <p:spPr>
+          <a:xfrm>
+            <a:off x="628650" y="1417638"/>
+            <a:ext cx="7886700" cy="4790657"/>
+          </a:xfrm>
+        </p:spPr>
+        <p:txBody>
+          <a:bodyPr>
+            <a:normAutofit fontScale="85000" lnSpcReduction="10000"/>
+          </a:bodyPr>
+          <a:lstStyle/>
+          <a:p>
+            <a:r>
+              <a:rPr lang="en-US" dirty="0"/>
+              <a:t>Many models estimate unobservable biological characteristics </a:t>
+            </a:r>
+          </a:p>
+          <a:p>
+            <a:r>
+              <a:rPr lang="en-US" dirty="0"/>
+              <a:t>These “latent states” lead to correlated residuals</a:t>
+            </a:r>
+          </a:p>
+          <a:p>
+            <a:r>
+              <a:rPr lang="en-US" dirty="0"/>
+              <a:t>E.g., densities sampled close together in space or time will be more similar than if far apart</a:t>
+            </a:r>
+          </a:p>
+          <a:p>
+            <a:r>
+              <a:rPr lang="en-US" dirty="0"/>
+              <a:t>This violates independence assumption of non-HM models (e.g., LM, GLM).</a:t>
+            </a:r>
+          </a:p>
+          <a:p>
+            <a:r>
+              <a:rPr lang="en-US" dirty="0"/>
+              <a:t>Hierarchical (mixed-effects) models are a generic solution in such situations</a:t>
+            </a:r>
+          </a:p>
+          <a:p>
+            <a:r>
+              <a:rPr lang="en-US" dirty="0"/>
+              <a:t>Random effects = “</a:t>
+            </a:r>
+            <a:r>
+              <a:rPr lang="en-US" i="1" dirty="0"/>
+              <a:t>parameters assumed to arise from a shared stochastic process</a:t>
+            </a:r>
+            <a:r>
+              <a:rPr lang="en-US" dirty="0"/>
+              <a:t>”</a:t>
+            </a:r>
+          </a:p>
+          <a:p>
+            <a:endParaRPr lang="en-US" dirty="0"/>
+          </a:p>
+        </p:txBody>
+      </p:sp>
+      <p:sp>
+        <p:nvSpPr>
+          <p:cNvPr id="4" name="TextBox 3">
+            <a:extLst>
+              <a:ext uri="{FF2B5EF4-FFF2-40B4-BE49-F238E27FC236}">
+                <a16:creationId xmlns:a16="http://schemas.microsoft.com/office/drawing/2014/main" id="{91B8C2B7-D83A-4DE3-8D72-2F8B77908725}"/>
+              </a:ext>
+            </a:extLst>
+          </p:cNvPr>
+          <p:cNvSpPr txBox="1"/>
+          <p:nvPr/>
+        </p:nvSpPr>
+        <p:spPr>
+          <a:xfrm>
+            <a:off x="6185648" y="6495301"/>
+            <a:ext cx="2689411" cy="369332"/>
+          </a:xfrm>
+          <a:prstGeom prst="rect">
+            <a:avLst/>
+          </a:prstGeom>
+          <a:noFill/>
+        </p:spPr>
+        <p:txBody>
+          <a:bodyPr wrap="square" rtlCol="0">
+            <a:spAutoFit/>
+          </a:bodyPr>
+          <a:lstStyle/>
+          <a:p>
+            <a:pPr algn="r"/>
+            <a:r>
+              <a:rPr lang="en-US" dirty="0"/>
+              <a:t>Thorson and Minto 2014</a:t>
+            </a:r>
+          </a:p>
+        </p:txBody>
+      </p:sp>
+      <p:sp>
+        <p:nvSpPr>
+          <p:cNvPr id="5" name="Slide Number Placeholder 4">
+            <a:extLst>
+              <a:ext uri="{FF2B5EF4-FFF2-40B4-BE49-F238E27FC236}">
+                <a16:creationId xmlns:a16="http://schemas.microsoft.com/office/drawing/2014/main" id="{377292C0-2E5C-481B-8EBB-861E72CEB352}"/>
+              </a:ext>
+            </a:extLst>
+          </p:cNvPr>
+          <p:cNvSpPr>
+            <a:spLocks noGrp="1"/>
+          </p:cNvSpPr>
+          <p:nvPr>
+            <p:ph type="sldNum" sz="quarter" idx="12"/>
+          </p:nvPr>
+        </p:nvSpPr>
+        <p:spPr/>
+        <p:txBody>
+          <a:bodyPr/>
+          <a:lstStyle/>
+          <a:p>
+            <a:fld id="{A90099C9-4CB8-9A40-B745-9AB270505907}" type="slidenum">
+              <a:rPr lang="en-US" smtClean="0"/>
+              <a:t>18</a:t>
+            </a:fld>
+            <a:endParaRPr lang="en-US"/>
+          </a:p>
+        </p:txBody>
+      </p:sp>
+    </p:spTree>
+    <p:extLst>
+      <p:ext uri="{BB962C8B-B14F-4D97-AF65-F5344CB8AC3E}">
+        <p14:creationId xmlns:p14="http://schemas.microsoft.com/office/powerpoint/2010/main" val="768433759"/>
+      </p:ext>
+    </p:extLst>
+  </p:cSld>
+  <p:clrMapOvr>
+    <a:masterClrMapping/>
+  </p:clrMapOvr>
+</p:sld>
+</file>
+
+<file path=ppt/slides/slide19.xml><?xml version="1.0" encoding="utf-8"?>
+<p:sld xmlns:a="http://schemas.openxmlformats.org/drawingml/2006/main" xmlns:r="http://schemas.openxmlformats.org/officeDocument/2006/relationships" xmlns:p="http://schemas.openxmlformats.org/presentationml/2006/main">
+  <p:cSld>
+    <p:spTree>
+      <p:nvGrpSpPr>
+        <p:cNvPr id="1" name=""/>
+        <p:cNvGrpSpPr/>
+        <p:nvPr/>
+      </p:nvGrpSpPr>
+      <p:grpSpPr>
+        <a:xfrm>
+          <a:off x="0" y="0"/>
+          <a:ext cx="0" cy="0"/>
+          <a:chOff x="0" y="0"/>
+          <a:chExt cx="0" cy="0"/>
+        </a:xfrm>
+      </p:grpSpPr>
+      <p:sp>
+        <p:nvSpPr>
           <p:cNvPr id="2" name="Title 1">
             <a:extLst>
               <a:ext uri="{FF2B5EF4-FFF2-40B4-BE49-F238E27FC236}">
@@ -9843,7 +12484,7 @@
           <a:p>
             <a:fld id="{A90099C9-4CB8-9A40-B745-9AB270505907}" type="slidenum">
               <a:rPr lang="en-US" smtClean="0"/>
-              <a:t>12</a:t>
+              <a:t>19</a:t>
             </a:fld>
             <a:endParaRPr lang="en-US"/>
           </a:p>
@@ -9862,7 +12503,145 @@
 </p:sld>
 </file>
 
-<file path=ppt/slides/slide13.xml><?xml version="1.0" encoding="utf-8"?>
+<file path=ppt/slides/slide2.xml><?xml version="1.0" encoding="utf-8"?>
+<p:sld xmlns:a="http://schemas.openxmlformats.org/drawingml/2006/main" xmlns:r="http://schemas.openxmlformats.org/officeDocument/2006/relationships" xmlns:p="http://schemas.openxmlformats.org/presentationml/2006/main">
+  <p:cSld>
+    <p:spTree>
+      <p:nvGrpSpPr>
+        <p:cNvPr id="1" name=""/>
+        <p:cNvGrpSpPr/>
+        <p:nvPr/>
+      </p:nvGrpSpPr>
+      <p:grpSpPr>
+        <a:xfrm>
+          <a:off x="0" y="0"/>
+          <a:ext cx="0" cy="0"/>
+          <a:chOff x="0" y="0"/>
+          <a:chExt cx="0" cy="0"/>
+        </a:xfrm>
+      </p:grpSpPr>
+      <p:sp>
+        <p:nvSpPr>
+          <p:cNvPr id="2" name="Title 1"/>
+          <p:cNvSpPr>
+            <a:spLocks noGrp="1"/>
+          </p:cNvSpPr>
+          <p:nvPr>
+            <p:ph type="title"/>
+          </p:nvPr>
+        </p:nvSpPr>
+        <p:spPr/>
+        <p:txBody>
+          <a:bodyPr/>
+          <a:lstStyle/>
+          <a:p>
+            <a:r>
+              <a:rPr lang="en-US" dirty="0" smtClean="0"/>
+              <a:t>Language approach</a:t>
+            </a:r>
+            <a:endParaRPr lang="en-US" dirty="0"/>
+          </a:p>
+        </p:txBody>
+      </p:sp>
+      <p:sp>
+        <p:nvSpPr>
+          <p:cNvPr id="3" name="Content Placeholder 2"/>
+          <p:cNvSpPr>
+            <a:spLocks noGrp="1"/>
+          </p:cNvSpPr>
+          <p:nvPr>
+            <p:ph idx="1"/>
+          </p:nvPr>
+        </p:nvSpPr>
+        <p:spPr/>
+        <p:txBody>
+          <a:bodyPr/>
+          <a:lstStyle/>
+          <a:p>
+            <a:r>
+              <a:rPr lang="en-US" dirty="0" smtClean="0"/>
+              <a:t>Noble and I speak intermediate Spanish, and have experience teaching in it</a:t>
+            </a:r>
+          </a:p>
+          <a:p>
+            <a:r>
+              <a:rPr lang="en-US" dirty="0" smtClean="0"/>
+              <a:t>We will use a mixture of English and Spanish</a:t>
+            </a:r>
+          </a:p>
+          <a:p>
+            <a:r>
+              <a:rPr lang="en-US" dirty="0" smtClean="0"/>
+              <a:t>Written lectures in Spanish, recorded in English</a:t>
+            </a:r>
+          </a:p>
+          <a:p>
+            <a:r>
+              <a:rPr lang="en-US" dirty="0" smtClean="0"/>
+              <a:t>R and TMB code is in English</a:t>
+            </a:r>
+          </a:p>
+          <a:p>
+            <a:r>
+              <a:rPr lang="en-US" dirty="0" smtClean="0"/>
+              <a:t>You can write/ask questions/make comments in either language</a:t>
+            </a:r>
+          </a:p>
+          <a:p>
+            <a:pPr lvl="1"/>
+            <a:r>
+              <a:rPr lang="en-US" dirty="0" smtClean="0"/>
+              <a:t>If you want to practice English, great!</a:t>
+            </a:r>
+          </a:p>
+          <a:p>
+            <a:pPr marL="344487" lvl="1" indent="0">
+              <a:buNone/>
+            </a:pPr>
+            <a:endParaRPr lang="en-US" dirty="0" smtClean="0"/>
+          </a:p>
+          <a:p>
+            <a:endParaRPr lang="en-US" dirty="0"/>
+          </a:p>
+        </p:txBody>
+      </p:sp>
+      <p:sp>
+        <p:nvSpPr>
+          <p:cNvPr id="4" name="Slide Number Placeholder 3"/>
+          <p:cNvSpPr>
+            <a:spLocks noGrp="1"/>
+          </p:cNvSpPr>
+          <p:nvPr>
+            <p:ph type="sldNum" sz="quarter" idx="12"/>
+          </p:nvPr>
+        </p:nvSpPr>
+        <p:spPr/>
+        <p:txBody>
+          <a:bodyPr/>
+          <a:lstStyle/>
+          <a:p>
+            <a:fld id="{A90099C9-4CB8-9A40-B745-9AB270505907}" type="slidenum">
+              <a:rPr lang="en-US" smtClean="0"/>
+              <a:t>2</a:t>
+            </a:fld>
+            <a:endParaRPr lang="en-US"/>
+          </a:p>
+        </p:txBody>
+      </p:sp>
+    </p:spTree>
+    <p:extLst>
+      <p:ext uri="{BB962C8B-B14F-4D97-AF65-F5344CB8AC3E}">
+        <p14:creationId xmlns:p14="http://schemas.microsoft.com/office/powerpoint/2010/main" val="2030066102"/>
+      </p:ext>
+    </p:extLst>
+  </p:cSld>
+  <p:clrMapOvr>
+    <a:masterClrMapping/>
+  </p:clrMapOvr>
+</p:sld>
+</file>
+
+<file path=ppt/slides/slide20.xml><?xml version="1.0" encoding="utf-8"?>
 <p:sld xmlns:a="http://schemas.openxmlformats.org/drawingml/2006/main" xmlns:r="http://schemas.openxmlformats.org/officeDocument/2006/relationships" xmlns:p="http://schemas.openxmlformats.org/presentationml/2006/main">
   <p:cSld>
     <p:spTree>
@@ -10168,7 +12947,7 @@
           <a:p>
             <a:fld id="{A90099C9-4CB8-9A40-B745-9AB270505907}" type="slidenum">
               <a:rPr lang="en-US" smtClean="0"/>
-              <a:t>13</a:t>
+              <a:t>20</a:t>
             </a:fld>
             <a:endParaRPr lang="en-US"/>
           </a:p>
@@ -10262,7 +13041,7 @@
 </p:sld>
 </file>
 
-<file path=ppt/slides/slide14.xml><?xml version="1.0" encoding="utf-8"?>
+<file path=ppt/slides/slide21.xml><?xml version="1.0" encoding="utf-8"?>
 <p:sld xmlns:a="http://schemas.openxmlformats.org/drawingml/2006/main" xmlns:r="http://schemas.openxmlformats.org/officeDocument/2006/relationships" xmlns:p="http://schemas.openxmlformats.org/presentationml/2006/main">
   <p:cSld>
     <p:spTree>
@@ -11203,7 +13982,7 @@
           <a:p>
             <a:fld id="{A90099C9-4CB8-9A40-B745-9AB270505907}" type="slidenum">
               <a:rPr lang="en-US" smtClean="0"/>
-              <a:t>14</a:t>
+              <a:t>21</a:t>
             </a:fld>
             <a:endParaRPr lang="en-US"/>
           </a:p>
@@ -11300,7 +14079,7 @@
 </p:sld>
 </file>
 
-<file path=ppt/slides/slide15.xml><?xml version="1.0" encoding="utf-8"?>
+<file path=ppt/slides/slide22.xml><?xml version="1.0" encoding="utf-8"?>
 <p:sld xmlns:a="http://schemas.openxmlformats.org/drawingml/2006/main" xmlns:r="http://schemas.openxmlformats.org/officeDocument/2006/relationships" xmlns:p="http://schemas.openxmlformats.org/presentationml/2006/main">
   <p:cSld>
     <p:spTree>
@@ -11368,7 +14147,7 @@
         </p:nvSpPr>
         <p:spPr>
           <a:xfrm>
-            <a:off x="259883" y="1203158"/>
+            <a:off x="259883" y="1029955"/>
             <a:ext cx="8527982" cy="5654841"/>
           </a:xfrm>
         </p:spPr>
@@ -11420,7 +14199,6 @@
               <a:rPr lang="en-US" sz="1600" dirty="0"/>
               <a:t> preprint arXiv:2103.09929 (2021).</a:t>
             </a:r>
-            <a:endParaRPr lang="en-US" sz="1600" dirty="0"/>
           </a:p>
           <a:p>
             <a:r>
@@ -11501,7 +14279,6 @@
               <a:rPr lang="en-US" sz="1400" dirty="0"/>
               <a:t>, Brian C., and Timothy J. Miller. "The Woods Hole Assessment Model (WHAM): A general state-space assessment framework that incorporates time-and age-varying processes via random effects and links to environmental covariates." Fisheries Research 240 (2021): 105967.</a:t>
             </a:r>
-            <a:endParaRPr lang="en-US" sz="1400" dirty="0"/>
           </a:p>
           <a:p>
             <a:pPr marL="457200" lvl="1" indent="0">
@@ -11545,7 +14322,7 @@
           <a:p>
             <a:fld id="{A90099C9-4CB8-9A40-B745-9AB270505907}" type="slidenum">
               <a:rPr lang="en-US" smtClean="0"/>
-              <a:t>15</a:t>
+              <a:t>22</a:t>
             </a:fld>
             <a:endParaRPr lang="en-US"/>
           </a:p>
@@ -11564,7 +14341,7 @@
 </p:sld>
 </file>
 
-<file path=ppt/slides/slide16.xml><?xml version="1.0" encoding="utf-8"?>
+<file path=ppt/slides/slide23.xml><?xml version="1.0" encoding="utf-8"?>
 <p:sld xmlns:a="http://schemas.openxmlformats.org/drawingml/2006/main" xmlns:r="http://schemas.openxmlformats.org/officeDocument/2006/relationships" xmlns:p="http://schemas.openxmlformats.org/presentationml/2006/main">
   <p:cSld>
     <p:spTree>
@@ -11708,7 +14485,40 @@
             </a:r>
             <a:r>
               <a:rPr lang="en-US" sz="1800" dirty="0"/>
-              <a:t> 198 (2018): 150-158.</a:t>
+              <a:t> 198 (2018): 150-158</a:t>
+            </a:r>
+            <a:r>
+              <a:rPr lang="en-US" sz="1800" dirty="0" smtClean="0"/>
+              <a:t>.</a:t>
+            </a:r>
+          </a:p>
+          <a:p>
+            <a:pPr marL="457200" lvl="1" indent="0">
+              <a:buNone/>
+            </a:pPr>
+            <a:r>
+              <a:rPr lang="en-US" sz="1800" dirty="0" err="1"/>
+              <a:t>Cavieres</a:t>
+            </a:r>
+            <a:r>
+              <a:rPr lang="en-US" sz="1800" dirty="0"/>
+              <a:t>, Joaquin, Cole C. Monnahan, and Aki </a:t>
+            </a:r>
+            <a:r>
+              <a:rPr lang="en-US" sz="1800" dirty="0" err="1"/>
+              <a:t>Vehtari</a:t>
+            </a:r>
+            <a:r>
+              <a:rPr lang="en-US" sz="1800" dirty="0"/>
+              <a:t>. "Accounting for spatial dependence improves relative abundance estimates in a benthic marine species structured as a </a:t>
+            </a:r>
+            <a:r>
+              <a:rPr lang="en-US" sz="1800" dirty="0" err="1"/>
+              <a:t>metapopulation</a:t>
+            </a:r>
+            <a:r>
+              <a:rPr lang="en-US" sz="1800" dirty="0"/>
+              <a:t>." Fisheries Research 240 (2021): 105960.</a:t>
             </a:r>
           </a:p>
           <a:p>
@@ -11787,7 +14597,7 @@
           <a:p>
             <a:fld id="{A90099C9-4CB8-9A40-B745-9AB270505907}" type="slidenum">
               <a:rPr lang="en-US" smtClean="0"/>
-              <a:t>16</a:t>
+              <a:t>23</a:t>
             </a:fld>
             <a:endParaRPr lang="en-US"/>
           </a:p>
@@ -11806,7 +14616,7 @@
 </p:sld>
 </file>
 
-<file path=ppt/slides/slide17.xml><?xml version="1.0" encoding="utf-8"?>
+<file path=ppt/slides/slide24.xml><?xml version="1.0" encoding="utf-8"?>
 <p:sld xmlns:a="http://schemas.openxmlformats.org/drawingml/2006/main" xmlns:r="http://schemas.openxmlformats.org/officeDocument/2006/relationships" xmlns:p="http://schemas.openxmlformats.org/presentationml/2006/main">
   <p:cSld>
     <p:spTree>
@@ -11978,7 +14788,7 @@
           <a:p>
             <a:fld id="{A90099C9-4CB8-9A40-B745-9AB270505907}" type="slidenum">
               <a:rPr lang="en-US" smtClean="0"/>
-              <a:t>17</a:t>
+              <a:t>24</a:t>
             </a:fld>
             <a:endParaRPr lang="en-US"/>
           </a:p>
@@ -11997,7 +14807,7 @@
 </p:sld>
 </file>
 
-<file path=ppt/slides/slide18.xml><?xml version="1.0" encoding="utf-8"?>
+<file path=ppt/slides/slide25.xml><?xml version="1.0" encoding="utf-8"?>
 <p:sld xmlns:a="http://schemas.openxmlformats.org/drawingml/2006/main" xmlns:r="http://schemas.openxmlformats.org/officeDocument/2006/relationships" xmlns:p="http://schemas.openxmlformats.org/presentationml/2006/main">
   <p:cSld>
     <p:spTree>
@@ -12136,7 +14946,7 @@
           <a:p>
             <a:fld id="{A90099C9-4CB8-9A40-B745-9AB270505907}" type="slidenum">
               <a:rPr lang="en-US" smtClean="0"/>
-              <a:t>18</a:t>
+              <a:t>25</a:t>
             </a:fld>
             <a:endParaRPr lang="en-US"/>
           </a:p>
@@ -12155,7 +14965,7 @@
 </p:sld>
 </file>
 
-<file path=ppt/slides/slide19.xml><?xml version="1.0" encoding="utf-8"?>
+<file path=ppt/slides/slide26.xml><?xml version="1.0" encoding="utf-8"?>
 <p:sld xmlns:a="http://schemas.openxmlformats.org/drawingml/2006/main" xmlns:r="http://schemas.openxmlformats.org/officeDocument/2006/relationships" xmlns:p="http://schemas.openxmlformats.org/presentationml/2006/main">
   <p:cSld>
     <p:spTree>
@@ -12248,7 +15058,7 @@
           <a:p>
             <a:fld id="{A90099C9-4CB8-9A40-B745-9AB270505907}" type="slidenum">
               <a:rPr lang="en-US" smtClean="0"/>
-              <a:t>19</a:t>
+              <a:t>26</a:t>
             </a:fld>
             <a:endParaRPr lang="en-US"/>
           </a:p>
@@ -12258,200 +15068,6 @@
     <p:extLst>
       <p:ext uri="{BB962C8B-B14F-4D97-AF65-F5344CB8AC3E}">
         <p14:creationId xmlns:p14="http://schemas.microsoft.com/office/powerpoint/2010/main" val="3680464407"/>
-      </p:ext>
-    </p:extLst>
-  </p:cSld>
-  <p:clrMapOvr>
-    <a:masterClrMapping/>
-  </p:clrMapOvr>
-</p:sld>
-</file>
-
-<file path=ppt/slides/slide2.xml><?xml version="1.0" encoding="utf-8"?>
-<p:sld xmlns:a="http://schemas.openxmlformats.org/drawingml/2006/main" xmlns:r="http://schemas.openxmlformats.org/officeDocument/2006/relationships" xmlns:p="http://schemas.openxmlformats.org/presentationml/2006/main">
-  <p:cSld>
-    <p:spTree>
-      <p:nvGrpSpPr>
-        <p:cNvPr id="1" name=""/>
-        <p:cNvGrpSpPr/>
-        <p:nvPr/>
-      </p:nvGrpSpPr>
-      <p:grpSpPr>
-        <a:xfrm>
-          <a:off x="0" y="0"/>
-          <a:ext cx="0" cy="0"/>
-          <a:chOff x="0" y="0"/>
-          <a:chExt cx="0" cy="0"/>
-        </a:xfrm>
-      </p:grpSpPr>
-      <p:sp>
-        <p:nvSpPr>
-          <p:cNvPr id="4" name="Title 3"/>
-          <p:cNvSpPr>
-            <a:spLocks noGrp="1"/>
-          </p:cNvSpPr>
-          <p:nvPr>
-            <p:ph type="title"/>
-          </p:nvPr>
-        </p:nvSpPr>
-        <p:spPr/>
-        <p:txBody>
-          <a:bodyPr/>
-          <a:lstStyle/>
-          <a:p>
-            <a:r>
-              <a:rPr lang="en-US" dirty="0"/>
-              <a:t>Dr. Cole </a:t>
-            </a:r>
-            <a:r>
-              <a:rPr lang="en-US" dirty="0" err="1"/>
-              <a:t>Monnahan</a:t>
-            </a:r>
-            <a:endParaRPr lang="en-US" dirty="0"/>
-          </a:p>
-        </p:txBody>
-      </p:sp>
-      <p:sp>
-        <p:nvSpPr>
-          <p:cNvPr id="5" name="Content Placeholder 4"/>
-          <p:cNvSpPr>
-            <a:spLocks noGrp="1"/>
-          </p:cNvSpPr>
-          <p:nvPr>
-            <p:ph idx="1"/>
-          </p:nvPr>
-        </p:nvSpPr>
-        <p:spPr>
-          <a:xfrm>
-            <a:off x="457200" y="1600200"/>
-            <a:ext cx="8229600" cy="4800599"/>
-          </a:xfrm>
-        </p:spPr>
-        <p:txBody>
-          <a:bodyPr>
-            <a:normAutofit/>
-          </a:bodyPr>
-          <a:lstStyle/>
-          <a:p>
-            <a:pPr>
-              <a:buNone/>
-            </a:pPr>
-            <a:r>
-              <a:rPr lang="en-US" sz="2400" u="sng" dirty="0" err="1"/>
-              <a:t>Formación</a:t>
-            </a:r>
-            <a:r>
-              <a:rPr lang="en-US" sz="2400" u="sng" dirty="0"/>
-              <a:t> </a:t>
-            </a:r>
-            <a:r>
-              <a:rPr lang="en-US" sz="2400" u="sng" dirty="0" err="1"/>
-              <a:t>Académica</a:t>
-            </a:r>
-            <a:endParaRPr lang="en-US" sz="2400" u="sng" dirty="0"/>
-          </a:p>
-          <a:p>
-            <a:pPr>
-              <a:buNone/>
-            </a:pPr>
-            <a:r>
-              <a:rPr lang="en-US" sz="2400" dirty="0"/>
-              <a:t>University of Washington, M.S.&amp; PhD</a:t>
-            </a:r>
-          </a:p>
-          <a:p>
-            <a:pPr>
-              <a:buNone/>
-            </a:pPr>
-            <a:r>
-              <a:rPr lang="en-US" sz="2400" dirty="0"/>
-              <a:t>Quantitative Ecology</a:t>
-            </a:r>
-          </a:p>
-          <a:p>
-            <a:pPr>
-              <a:buNone/>
-            </a:pPr>
-            <a:endParaRPr lang="en-US" sz="2400" dirty="0"/>
-          </a:p>
-          <a:p>
-            <a:pPr>
-              <a:buNone/>
-            </a:pPr>
-            <a:r>
-              <a:rPr lang="en-US" sz="2400" u="sng" dirty="0" err="1"/>
-              <a:t>Actividades</a:t>
-            </a:r>
-            <a:r>
-              <a:rPr lang="en-US" sz="2400" u="sng" dirty="0"/>
-              <a:t> </a:t>
-            </a:r>
-            <a:r>
-              <a:rPr lang="en-US" sz="2400" u="sng" dirty="0" err="1"/>
-              <a:t>Laborales</a:t>
-            </a:r>
-            <a:endParaRPr lang="en-US" sz="2400" u="sng" dirty="0"/>
-          </a:p>
-          <a:p>
-            <a:pPr>
-              <a:buNone/>
-            </a:pPr>
-            <a:r>
-              <a:rPr lang="en-US" sz="2400" dirty="0"/>
-              <a:t>Post-doc con Billy Ernst (</a:t>
-            </a:r>
-            <a:r>
-              <a:rPr lang="en-US" sz="2400" dirty="0" err="1"/>
-              <a:t>UdeC</a:t>
-            </a:r>
-            <a:r>
-              <a:rPr lang="en-US" sz="2400" dirty="0"/>
-              <a:t> &amp; UW)</a:t>
-            </a:r>
-          </a:p>
-          <a:p>
-            <a:pPr>
-              <a:buNone/>
-            </a:pPr>
-            <a:endParaRPr lang="en-US" sz="2400" dirty="0"/>
-          </a:p>
-          <a:p>
-            <a:pPr>
-              <a:buNone/>
-            </a:pPr>
-            <a:r>
-              <a:rPr lang="en-US" sz="2400" u="sng" dirty="0" err="1"/>
-              <a:t>Conexión</a:t>
-            </a:r>
-            <a:r>
-              <a:rPr lang="en-US" sz="2400" u="sng" dirty="0"/>
-              <a:t> con Chile</a:t>
-            </a:r>
-          </a:p>
-          <a:p>
-            <a:pPr>
-              <a:buNone/>
-            </a:pPr>
-            <a:r>
-              <a:rPr lang="es-ES" sz="2400" dirty="0" err="1"/>
-              <a:t>Quer</a:t>
-            </a:r>
-            <a:r>
-              <a:rPr lang="en-US" sz="2400" dirty="0"/>
-              <a:t>í</a:t>
-            </a:r>
-            <a:r>
-              <a:rPr lang="es-ES" sz="2400" dirty="0"/>
-              <a:t>a vivir en América Latina y aprender español. </a:t>
-            </a:r>
-            <a:endParaRPr lang="en-US" sz="2400" i="1" dirty="0"/>
-          </a:p>
-        </p:txBody>
-      </p:sp>
-    </p:spTree>
-    <p:extLst>
-      <p:ext uri="{BB962C8B-B14F-4D97-AF65-F5344CB8AC3E}">
-        <p14:creationId xmlns:p14="http://schemas.microsoft.com/office/powerpoint/2010/main" val="1804241574"/>
       </p:ext>
     </p:extLst>
   </p:cSld>
@@ -12480,13 +15096,7 @@
       </p:grpSpPr>
       <p:sp>
         <p:nvSpPr>
-          <p:cNvPr id="2" name="Title 1">
-            <a:extLst>
-              <a:ext uri="{FF2B5EF4-FFF2-40B4-BE49-F238E27FC236}">
-                <a16:creationId xmlns:a16="http://schemas.microsoft.com/office/drawing/2014/main" id="{DB90AC74-AA10-44E5-9AE2-55CBF2BF3808}"/>
-              </a:ext>
-            </a:extLst>
-          </p:cNvPr>
+          <p:cNvPr id="4" name="Title 3"/>
           <p:cNvSpPr>
             <a:spLocks noGrp="1"/>
           </p:cNvSpPr>
@@ -12501,107 +15111,157 @@
           <a:p>
             <a:r>
               <a:rPr lang="en-US" dirty="0"/>
-              <a:t>California blue whale recovery</a:t>
-            </a:r>
-          </a:p>
-        </p:txBody>
-      </p:sp>
-      <p:pic>
-        <p:nvPicPr>
-          <p:cNvPr id="5" name="Picture 4">
-            <a:extLst>
-              <a:ext uri="{FF2B5EF4-FFF2-40B4-BE49-F238E27FC236}">
-                <a16:creationId xmlns:a16="http://schemas.microsoft.com/office/drawing/2014/main" id="{81C46DCB-CB1E-4B0A-9700-81BD751E3CF4}"/>
-              </a:ext>
-            </a:extLst>
-          </p:cNvPr>
-          <p:cNvPicPr>
-            <a:picLocks noChangeAspect="1"/>
-          </p:cNvPicPr>
-          <p:nvPr/>
-        </p:nvPicPr>
-        <p:blipFill>
-          <a:blip r:embed="rId2"/>
-          <a:stretch>
-            <a:fillRect/>
-          </a:stretch>
-        </p:blipFill>
+              <a:t>Dr. Cole </a:t>
+            </a:r>
+            <a:r>
+              <a:rPr lang="en-US" dirty="0" err="1"/>
+              <a:t>Monnahan</a:t>
+            </a:r>
+            <a:endParaRPr lang="en-US" dirty="0"/>
+          </a:p>
+        </p:txBody>
+      </p:sp>
+      <p:sp>
+        <p:nvSpPr>
+          <p:cNvPr id="5" name="Content Placeholder 4"/>
+          <p:cNvSpPr>
+            <a:spLocks noGrp="1"/>
+          </p:cNvSpPr>
+          <p:nvPr>
+            <p:ph idx="1"/>
+          </p:nvPr>
+        </p:nvSpPr>
         <p:spPr>
           <a:xfrm>
-            <a:off x="342901" y="1150932"/>
-            <a:ext cx="7696200" cy="3451332"/>
+            <a:off x="457200" y="1600200"/>
+            <a:ext cx="8229600" cy="4800599"/>
           </a:xfrm>
-          <a:prstGeom prst="rect">
-            <a:avLst/>
-          </a:prstGeom>
-        </p:spPr>
-      </p:pic>
-      <p:pic>
-        <p:nvPicPr>
-          <p:cNvPr id="4" name="Picture 3">
-            <a:extLst>
-              <a:ext uri="{FF2B5EF4-FFF2-40B4-BE49-F238E27FC236}">
-                <a16:creationId xmlns:a16="http://schemas.microsoft.com/office/drawing/2014/main" id="{53887027-52CB-4375-A600-4F711E4938B2}"/>
-              </a:ext>
-            </a:extLst>
-          </p:cNvPr>
-          <p:cNvPicPr>
-            <a:picLocks noChangeAspect="1"/>
-          </p:cNvPicPr>
-          <p:nvPr/>
-        </p:nvPicPr>
-        <p:blipFill>
-          <a:blip r:embed="rId3"/>
-          <a:stretch>
-            <a:fillRect/>
-          </a:stretch>
-        </p:blipFill>
-        <p:spPr>
-          <a:xfrm>
-            <a:off x="4953000" y="3981402"/>
-            <a:ext cx="3910012" cy="2575748"/>
-          </a:xfrm>
-          <a:prstGeom prst="rect">
-            <a:avLst/>
-          </a:prstGeom>
-        </p:spPr>
-      </p:pic>
-      <p:pic>
-        <p:nvPicPr>
-          <p:cNvPr id="6" name="Content Placeholder 5">
-            <a:extLst>
-              <a:ext uri="{FF2B5EF4-FFF2-40B4-BE49-F238E27FC236}">
-                <a16:creationId xmlns:a16="http://schemas.microsoft.com/office/drawing/2014/main" id="{6EAE8C30-3901-4FCB-AA7A-EC3D93DB7AC3}"/>
-              </a:ext>
-            </a:extLst>
-          </p:cNvPr>
-          <p:cNvPicPr>
-            <a:picLocks noGrp="1" noChangeAspect="1"/>
-          </p:cNvPicPr>
-          <p:nvPr>
-            <p:ph idx="1"/>
-          </p:nvPr>
-        </p:nvPicPr>
-        <p:blipFill>
-          <a:blip r:embed="rId4"/>
-          <a:stretch>
-            <a:fillRect/>
-          </a:stretch>
-        </p:blipFill>
-        <p:spPr>
-          <a:xfrm>
-            <a:off x="243774" y="4719201"/>
-            <a:ext cx="4572000" cy="1988820"/>
-          </a:xfrm>
-          <a:prstGeom prst="rect">
-            <a:avLst/>
-          </a:prstGeom>
-        </p:spPr>
-      </p:pic>
+        </p:spPr>
+        <p:txBody>
+          <a:bodyPr>
+            <a:normAutofit/>
+          </a:bodyPr>
+          <a:lstStyle/>
+          <a:p>
+            <a:pPr>
+              <a:buNone/>
+            </a:pPr>
+            <a:r>
+              <a:rPr lang="en-US" sz="2400" u="sng" dirty="0" err="1"/>
+              <a:t>Formación</a:t>
+            </a:r>
+            <a:r>
+              <a:rPr lang="en-US" sz="2400" u="sng" dirty="0"/>
+              <a:t> </a:t>
+            </a:r>
+            <a:r>
+              <a:rPr lang="en-US" sz="2400" u="sng" dirty="0" err="1"/>
+              <a:t>Académica</a:t>
+            </a:r>
+            <a:endParaRPr lang="en-US" sz="2400" u="sng" dirty="0"/>
+          </a:p>
+          <a:p>
+            <a:pPr>
+              <a:buNone/>
+            </a:pPr>
+            <a:r>
+              <a:rPr lang="en-US" sz="2400" dirty="0"/>
+              <a:t>University of Washington, M.S.&amp; PhD</a:t>
+            </a:r>
+          </a:p>
+          <a:p>
+            <a:pPr>
+              <a:buNone/>
+            </a:pPr>
+            <a:r>
+              <a:rPr lang="en-US" sz="2400" dirty="0"/>
+              <a:t>Quantitative Ecology</a:t>
+            </a:r>
+          </a:p>
+          <a:p>
+            <a:pPr>
+              <a:buNone/>
+            </a:pPr>
+            <a:endParaRPr lang="en-US" sz="2400" dirty="0"/>
+          </a:p>
+          <a:p>
+            <a:pPr>
+              <a:buNone/>
+            </a:pPr>
+            <a:r>
+              <a:rPr lang="en-US" sz="2400" u="sng" dirty="0" err="1"/>
+              <a:t>Actividades</a:t>
+            </a:r>
+            <a:r>
+              <a:rPr lang="en-US" sz="2400" u="sng" dirty="0"/>
+              <a:t> </a:t>
+            </a:r>
+            <a:r>
+              <a:rPr lang="en-US" sz="2400" u="sng" dirty="0" err="1"/>
+              <a:t>Laborales</a:t>
+            </a:r>
+            <a:endParaRPr lang="en-US" sz="2400" u="sng" dirty="0"/>
+          </a:p>
+          <a:p>
+            <a:pPr>
+              <a:buNone/>
+            </a:pPr>
+            <a:r>
+              <a:rPr lang="en-US" sz="2400" dirty="0"/>
+              <a:t>Post-doc con Billy Ernst (</a:t>
+            </a:r>
+            <a:r>
+              <a:rPr lang="en-US" sz="2400" dirty="0" err="1"/>
+              <a:t>UdeC</a:t>
+            </a:r>
+            <a:r>
+              <a:rPr lang="en-US" sz="2400" dirty="0"/>
+              <a:t> &amp; UW)</a:t>
+            </a:r>
+          </a:p>
+          <a:p>
+            <a:pPr>
+              <a:buNone/>
+            </a:pPr>
+            <a:endParaRPr lang="en-US" sz="2400" dirty="0"/>
+          </a:p>
+          <a:p>
+            <a:pPr>
+              <a:buNone/>
+            </a:pPr>
+            <a:r>
+              <a:rPr lang="en-US" sz="2400" u="sng" dirty="0" err="1"/>
+              <a:t>Conexión</a:t>
+            </a:r>
+            <a:r>
+              <a:rPr lang="en-US" sz="2400" u="sng" dirty="0"/>
+              <a:t> con Chile</a:t>
+            </a:r>
+          </a:p>
+          <a:p>
+            <a:pPr>
+              <a:buNone/>
+            </a:pPr>
+            <a:r>
+              <a:rPr lang="es-ES" sz="2400" dirty="0" err="1"/>
+              <a:t>Quer</a:t>
+            </a:r>
+            <a:r>
+              <a:rPr lang="en-US" sz="2400" dirty="0"/>
+              <a:t>í</a:t>
+            </a:r>
+            <a:r>
+              <a:rPr lang="es-ES" sz="2400" dirty="0"/>
+              <a:t>a vivir en América Latina y aprender español. </a:t>
+            </a:r>
+            <a:endParaRPr lang="en-US" sz="2400" i="1" dirty="0"/>
+          </a:p>
+        </p:txBody>
+      </p:sp>
     </p:spTree>
     <p:extLst>
       <p:ext uri="{BB962C8B-B14F-4D97-AF65-F5344CB8AC3E}">
-        <p14:creationId xmlns:p14="http://schemas.microsoft.com/office/powerpoint/2010/main" val="1852610975"/>
+        <p14:creationId xmlns:p14="http://schemas.microsoft.com/office/powerpoint/2010/main" val="1804241574"/>
       </p:ext>
     </p:extLst>
   </p:cSld>
@@ -12633,7 +15293,7 @@
           <p:cNvPr id="2" name="Title 1">
             <a:extLst>
               <a:ext uri="{FF2B5EF4-FFF2-40B4-BE49-F238E27FC236}">
-                <a16:creationId xmlns:a16="http://schemas.microsoft.com/office/drawing/2014/main" id="{6CF2B640-BE73-42A6-924C-2E2187BD598F}"/>
+                <a16:creationId xmlns:a16="http://schemas.microsoft.com/office/drawing/2014/main" id="{DB90AC74-AA10-44E5-9AE2-55CBF2BF3808}"/>
               </a:ext>
             </a:extLst>
           </p:cNvPr>
@@ -12651,45 +15311,17 @@
           <a:p>
             <a:r>
               <a:rPr lang="en-US" dirty="0"/>
-              <a:t>Bayesian fisheries stock assessments</a:t>
-            </a:r>
-          </a:p>
-        </p:txBody>
-      </p:sp>
-      <p:sp>
-        <p:nvSpPr>
-          <p:cNvPr id="3" name="Content Placeholder 2">
+              <a:t>California blue whale recovery</a:t>
+            </a:r>
+          </a:p>
+        </p:txBody>
+      </p:sp>
+      <p:pic>
+        <p:nvPicPr>
+          <p:cNvPr id="5" name="Picture 4">
             <a:extLst>
               <a:ext uri="{FF2B5EF4-FFF2-40B4-BE49-F238E27FC236}">
-                <a16:creationId xmlns:a16="http://schemas.microsoft.com/office/drawing/2014/main" id="{2AD0FE82-5ACC-4BD4-AFCB-11570EF4139C}"/>
-              </a:ext>
-            </a:extLst>
-          </p:cNvPr>
-          <p:cNvSpPr>
-            <a:spLocks noGrp="1"/>
-          </p:cNvSpPr>
-          <p:nvPr>
-            <p:ph idx="1"/>
-          </p:nvPr>
-        </p:nvSpPr>
-        <p:spPr/>
-        <p:txBody>
-          <a:bodyPr/>
-          <a:lstStyle/>
-          <a:p>
-            <a:r>
-              <a:rPr lang="en-US" dirty="0"/>
-              <a:t>Hamiltonian Monte Carlo MCMC for ADMB assessments</a:t>
-            </a:r>
-          </a:p>
-        </p:txBody>
-      </p:sp>
-      <p:pic>
-        <p:nvPicPr>
-          <p:cNvPr id="4" name="Picture 3">
-            <a:extLst>
-              <a:ext uri="{FF2B5EF4-FFF2-40B4-BE49-F238E27FC236}">
-                <a16:creationId xmlns:a16="http://schemas.microsoft.com/office/drawing/2014/main" id="{689B31E6-9782-484F-B455-184B81BAA6CF}"/>
+                <a16:creationId xmlns:a16="http://schemas.microsoft.com/office/drawing/2014/main" id="{81C46DCB-CB1E-4B0A-9700-81BD751E3CF4}"/>
               </a:ext>
             </a:extLst>
           </p:cNvPr>
@@ -12706,18 +15338,80 @@
         </p:blipFill>
         <p:spPr>
           <a:xfrm>
-            <a:off x="685800" y="2819400"/>
-            <a:ext cx="7162800" cy="3356861"/>
+            <a:off x="342901" y="1150932"/>
+            <a:ext cx="7696200" cy="3451332"/>
           </a:xfrm>
           <a:prstGeom prst="rect">
             <a:avLst/>
           </a:prstGeom>
         </p:spPr>
       </p:pic>
+      <p:pic>
+        <p:nvPicPr>
+          <p:cNvPr id="4" name="Picture 3">
+            <a:extLst>
+              <a:ext uri="{FF2B5EF4-FFF2-40B4-BE49-F238E27FC236}">
+                <a16:creationId xmlns:a16="http://schemas.microsoft.com/office/drawing/2014/main" id="{53887027-52CB-4375-A600-4F711E4938B2}"/>
+              </a:ext>
+            </a:extLst>
+          </p:cNvPr>
+          <p:cNvPicPr>
+            <a:picLocks noChangeAspect="1"/>
+          </p:cNvPicPr>
+          <p:nvPr/>
+        </p:nvPicPr>
+        <p:blipFill>
+          <a:blip r:embed="rId3"/>
+          <a:stretch>
+            <a:fillRect/>
+          </a:stretch>
+        </p:blipFill>
+        <p:spPr>
+          <a:xfrm>
+            <a:off x="4953000" y="3981402"/>
+            <a:ext cx="3910012" cy="2575748"/>
+          </a:xfrm>
+          <a:prstGeom prst="rect">
+            <a:avLst/>
+          </a:prstGeom>
+        </p:spPr>
+      </p:pic>
+      <p:pic>
+        <p:nvPicPr>
+          <p:cNvPr id="6" name="Content Placeholder 5">
+            <a:extLst>
+              <a:ext uri="{FF2B5EF4-FFF2-40B4-BE49-F238E27FC236}">
+                <a16:creationId xmlns:a16="http://schemas.microsoft.com/office/drawing/2014/main" id="{6EAE8C30-3901-4FCB-AA7A-EC3D93DB7AC3}"/>
+              </a:ext>
+            </a:extLst>
+          </p:cNvPr>
+          <p:cNvPicPr>
+            <a:picLocks noGrp="1" noChangeAspect="1"/>
+          </p:cNvPicPr>
+          <p:nvPr>
+            <p:ph idx="1"/>
+          </p:nvPr>
+        </p:nvPicPr>
+        <p:blipFill>
+          <a:blip r:embed="rId4"/>
+          <a:stretch>
+            <a:fillRect/>
+          </a:stretch>
+        </p:blipFill>
+        <p:spPr>
+          <a:xfrm>
+            <a:off x="243774" y="4719201"/>
+            <a:ext cx="4572000" cy="1988820"/>
+          </a:xfrm>
+          <a:prstGeom prst="rect">
+            <a:avLst/>
+          </a:prstGeom>
+        </p:spPr>
+      </p:pic>
     </p:spTree>
     <p:extLst>
       <p:ext uri="{BB962C8B-B14F-4D97-AF65-F5344CB8AC3E}">
-        <p14:creationId xmlns:p14="http://schemas.microsoft.com/office/powerpoint/2010/main" val="4096561754"/>
+        <p14:creationId xmlns:p14="http://schemas.microsoft.com/office/powerpoint/2010/main" val="1852610975"/>
       </p:ext>
     </p:extLst>
   </p:cSld>
@@ -12746,7 +15440,13 @@
       </p:grpSpPr>
       <p:sp>
         <p:nvSpPr>
-          <p:cNvPr id="2" name="Title 1"/>
+          <p:cNvPr id="2" name="Title 1">
+            <a:extLst>
+              <a:ext uri="{FF2B5EF4-FFF2-40B4-BE49-F238E27FC236}">
+                <a16:creationId xmlns:a16="http://schemas.microsoft.com/office/drawing/2014/main" id="{6CF2B640-BE73-42A6-924C-2E2187BD598F}"/>
+              </a:ext>
+            </a:extLst>
+          </p:cNvPr>
           <p:cNvSpPr>
             <a:spLocks noGrp="1"/>
           </p:cNvSpPr>
@@ -12754,33 +15454,55 @@
             <p:ph type="title"/>
           </p:nvPr>
         </p:nvSpPr>
-        <p:spPr>
-          <a:xfrm>
-            <a:off x="398477" y="161099"/>
-            <a:ext cx="8229600" cy="1139825"/>
-          </a:xfrm>
-        </p:spPr>
-        <p:txBody>
-          <a:bodyPr>
-            <a:normAutofit/>
-          </a:bodyPr>
+        <p:spPr/>
+        <p:txBody>
+          <a:bodyPr/>
           <a:lstStyle/>
           <a:p>
             <a:r>
               <a:rPr lang="en-US" dirty="0"/>
-              <a:t>Postdoc</a:t>
-            </a:r>
-            <a:r>
-              <a:rPr lang="en-US" dirty="0" smtClean="0"/>
-              <a:t>:</a:t>
-            </a:r>
-            <a:endParaRPr lang="en-US" dirty="0"/>
+              <a:t>Bayesian fisheries stock assessments</a:t>
+            </a:r>
+          </a:p>
+        </p:txBody>
+      </p:sp>
+      <p:sp>
+        <p:nvSpPr>
+          <p:cNvPr id="3" name="Content Placeholder 2">
+            <a:extLst>
+              <a:ext uri="{FF2B5EF4-FFF2-40B4-BE49-F238E27FC236}">
+                <a16:creationId xmlns:a16="http://schemas.microsoft.com/office/drawing/2014/main" id="{2AD0FE82-5ACC-4BD4-AFCB-11570EF4139C}"/>
+              </a:ext>
+            </a:extLst>
+          </p:cNvPr>
+          <p:cNvSpPr>
+            <a:spLocks noGrp="1"/>
+          </p:cNvSpPr>
+          <p:nvPr>
+            <p:ph idx="1"/>
+          </p:nvPr>
+        </p:nvSpPr>
+        <p:spPr/>
+        <p:txBody>
+          <a:bodyPr/>
+          <a:lstStyle/>
+          <a:p>
+            <a:r>
+              <a:rPr lang="en-US" dirty="0"/>
+              <a:t>Hamiltonian Monte Carlo MCMC for ADMB assessments</a:t>
+            </a:r>
           </a:p>
         </p:txBody>
       </p:sp>
       <p:pic>
         <p:nvPicPr>
-          <p:cNvPr id="4" name="Picture 3"/>
+          <p:cNvPr id="4" name="Picture 3">
+            <a:extLst>
+              <a:ext uri="{FF2B5EF4-FFF2-40B4-BE49-F238E27FC236}">
+                <a16:creationId xmlns:a16="http://schemas.microsoft.com/office/drawing/2014/main" id="{689B31E6-9782-484F-B455-184B81BAA6CF}"/>
+              </a:ext>
+            </a:extLst>
+          </p:cNvPr>
           <p:cNvPicPr>
             <a:picLocks noChangeAspect="1"/>
           </p:cNvPicPr>
@@ -12794,134 +15516,18 @@
         </p:blipFill>
         <p:spPr>
           <a:xfrm>
-            <a:off x="328605" y="2069405"/>
-            <a:ext cx="3564585" cy="1850842"/>
+            <a:off x="685800" y="2819400"/>
+            <a:ext cx="7162800" cy="3356861"/>
           </a:xfrm>
           <a:prstGeom prst="rect">
             <a:avLst/>
           </a:prstGeom>
         </p:spPr>
       </p:pic>
-      <p:sp>
-        <p:nvSpPr>
-          <p:cNvPr id="23" name="TextBox 22"/>
-          <p:cNvSpPr txBox="1"/>
-          <p:nvPr/>
-        </p:nvSpPr>
-        <p:spPr>
-          <a:xfrm>
-            <a:off x="6858000" y="4202668"/>
-            <a:ext cx="2514600" cy="369332"/>
-          </a:xfrm>
-          <a:prstGeom prst="rect">
-            <a:avLst/>
-          </a:prstGeom>
-          <a:noFill/>
-        </p:spPr>
-        <p:txBody>
-          <a:bodyPr wrap="square" rtlCol="0">
-            <a:spAutoFit/>
-          </a:bodyPr>
-          <a:lstStyle/>
-          <a:p>
-            <a:r>
-              <a:rPr lang="en-US" dirty="0" err="1"/>
-              <a:t>Crédito</a:t>
-            </a:r>
-            <a:r>
-              <a:rPr lang="en-US" dirty="0"/>
-              <a:t>: Luis </a:t>
-            </a:r>
-            <a:r>
-              <a:rPr lang="en-US" dirty="0" err="1"/>
-              <a:t>Bertea</a:t>
-            </a:r>
-            <a:endParaRPr lang="en-US" dirty="0"/>
-          </a:p>
-        </p:txBody>
-      </p:sp>
-      <p:pic>
-        <p:nvPicPr>
-          <p:cNvPr id="24" name="Picture 23" descr="Avistamiento-ballenas_Luis-Bertea-1024x568.jpg"/>
-          <p:cNvPicPr>
-            <a:picLocks noChangeAspect="1"/>
-          </p:cNvPicPr>
-          <p:nvPr/>
-        </p:nvPicPr>
-        <p:blipFill>
-          <a:blip r:embed="rId3">
-            <a:extLst>
-              <a:ext uri="{28A0092B-C50C-407E-A947-70E740481C1C}">
-                <a14:useLocalDpi xmlns:a14="http://schemas.microsoft.com/office/drawing/2010/main" val="0"/>
-              </a:ext>
-            </a:extLst>
-          </a:blip>
-          <a:stretch>
-            <a:fillRect/>
-          </a:stretch>
-        </p:blipFill>
-        <p:spPr>
-          <a:xfrm>
-            <a:off x="4191000" y="2069405"/>
-            <a:ext cx="3954710" cy="2193628"/>
-          </a:xfrm>
-          <a:prstGeom prst="rect">
-            <a:avLst/>
-          </a:prstGeom>
-        </p:spPr>
-      </p:pic>
-      <p:pic>
-        <p:nvPicPr>
-          <p:cNvPr id="7" name="Picture 6"/>
-          <p:cNvPicPr>
-            <a:picLocks noChangeAspect="1"/>
-          </p:cNvPicPr>
-          <p:nvPr/>
-        </p:nvPicPr>
-        <p:blipFill>
-          <a:blip r:embed="rId4"/>
-          <a:stretch>
-            <a:fillRect/>
-          </a:stretch>
-        </p:blipFill>
-        <p:spPr>
-          <a:xfrm>
-            <a:off x="1581324" y="901862"/>
-            <a:ext cx="5356371" cy="1107092"/>
-          </a:xfrm>
-          <a:prstGeom prst="rect">
-            <a:avLst/>
-          </a:prstGeom>
-        </p:spPr>
-      </p:pic>
-      <p:pic>
-        <p:nvPicPr>
-          <p:cNvPr id="8" name="Picture 7"/>
-          <p:cNvPicPr>
-            <a:picLocks noChangeAspect="1"/>
-          </p:cNvPicPr>
-          <p:nvPr/>
-        </p:nvPicPr>
-        <p:blipFill>
-          <a:blip r:embed="rId5"/>
-          <a:stretch>
-            <a:fillRect/>
-          </a:stretch>
-        </p:blipFill>
-        <p:spPr>
-          <a:xfrm>
-            <a:off x="398477" y="4603675"/>
-            <a:ext cx="8325596" cy="1743027"/>
-          </a:xfrm>
-          <a:prstGeom prst="rect">
-            <a:avLst/>
-          </a:prstGeom>
-        </p:spPr>
-      </p:pic>
     </p:spTree>
     <p:extLst>
       <p:ext uri="{BB962C8B-B14F-4D97-AF65-F5344CB8AC3E}">
-        <p14:creationId xmlns:p14="http://schemas.microsoft.com/office/powerpoint/2010/main" val="433659125"/>
+        <p14:creationId xmlns:p14="http://schemas.microsoft.com/office/powerpoint/2010/main" val="4096561754"/>
       </p:ext>
     </p:extLst>
   </p:cSld>
@@ -12958,264 +15564,174 @@
             <p:ph type="title"/>
           </p:nvPr>
         </p:nvSpPr>
-        <p:spPr/>
-        <p:txBody>
-          <a:bodyPr/>
+        <p:spPr>
+          <a:xfrm>
+            <a:off x="398477" y="161099"/>
+            <a:ext cx="8229600" cy="1139825"/>
+          </a:xfrm>
+        </p:spPr>
+        <p:txBody>
+          <a:bodyPr>
+            <a:normAutofit/>
+          </a:bodyPr>
           <a:lstStyle/>
           <a:p>
             <a:r>
               <a:rPr lang="en-US" dirty="0"/>
-              <a:t>Y </a:t>
-            </a:r>
+              <a:t>Postdoc</a:t>
+            </a:r>
+            <a:r>
+              <a:rPr lang="en-US" dirty="0" smtClean="0"/>
+              <a:t>:</a:t>
+            </a:r>
+            <a:endParaRPr lang="en-US" dirty="0"/>
+          </a:p>
+        </p:txBody>
+      </p:sp>
+      <p:pic>
+        <p:nvPicPr>
+          <p:cNvPr id="4" name="Picture 3"/>
+          <p:cNvPicPr>
+            <a:picLocks noChangeAspect="1"/>
+          </p:cNvPicPr>
+          <p:nvPr/>
+        </p:nvPicPr>
+        <p:blipFill>
+          <a:blip r:embed="rId2"/>
+          <a:stretch>
+            <a:fillRect/>
+          </a:stretch>
+        </p:blipFill>
+        <p:spPr>
+          <a:xfrm>
+            <a:off x="328605" y="2069405"/>
+            <a:ext cx="3564585" cy="1850842"/>
+          </a:xfrm>
+          <a:prstGeom prst="rect">
+            <a:avLst/>
+          </a:prstGeom>
+        </p:spPr>
+      </p:pic>
+      <p:sp>
+        <p:nvSpPr>
+          <p:cNvPr id="23" name="TextBox 22"/>
+          <p:cNvSpPr txBox="1"/>
+          <p:nvPr/>
+        </p:nvSpPr>
+        <p:spPr>
+          <a:xfrm>
+            <a:off x="6858000" y="4202668"/>
+            <a:ext cx="2514600" cy="369332"/>
+          </a:xfrm>
+          <a:prstGeom prst="rect">
+            <a:avLst/>
+          </a:prstGeom>
+          <a:noFill/>
+        </p:spPr>
+        <p:txBody>
+          <a:bodyPr wrap="square" rtlCol="0">
+            <a:spAutoFit/>
+          </a:bodyPr>
+          <a:lstStyle/>
+          <a:p>
             <a:r>
               <a:rPr lang="en-US" dirty="0" err="1"/>
-              <a:t>ahora</a:t>
+              <a:t>Crédito</a:t>
             </a:r>
             <a:r>
               <a:rPr lang="en-US" dirty="0"/>
-              <a:t> </a:t>
+              <a:t>: Luis </a:t>
             </a:r>
             <a:r>
               <a:rPr lang="en-US" dirty="0" err="1"/>
-              <a:t>es</a:t>
-            </a:r>
-            <a:r>
-              <a:rPr lang="en-US" dirty="0"/>
-              <a:t> </a:t>
-            </a:r>
-            <a:r>
-              <a:rPr lang="en-US" dirty="0" err="1"/>
-              <a:t>su</a:t>
-            </a:r>
-            <a:r>
-              <a:rPr lang="en-US" dirty="0"/>
-              <a:t> </a:t>
-            </a:r>
-            <a:r>
-              <a:rPr lang="en-US" dirty="0" err="1"/>
-              <a:t>turno</a:t>
-            </a:r>
-            <a:r>
-              <a:rPr lang="en-US" dirty="0"/>
-              <a:t>…</a:t>
-            </a:r>
-          </a:p>
-        </p:txBody>
-      </p:sp>
-      <p:sp>
-        <p:nvSpPr>
-          <p:cNvPr id="3" name="Content Placeholder 2"/>
-          <p:cNvSpPr>
-            <a:spLocks noGrp="1"/>
-          </p:cNvSpPr>
-          <p:nvPr>
-            <p:ph idx="1"/>
-          </p:nvPr>
-        </p:nvSpPr>
+              <a:t>Bertea</a:t>
+            </a:r>
+            <a:endParaRPr lang="en-US" dirty="0"/>
+          </a:p>
+        </p:txBody>
+      </p:sp>
+      <p:pic>
+        <p:nvPicPr>
+          <p:cNvPr id="24" name="Picture 23" descr="Avistamiento-ballenas_Luis-Bertea-1024x568.jpg"/>
+          <p:cNvPicPr>
+            <a:picLocks noChangeAspect="1"/>
+          </p:cNvPicPr>
+          <p:nvPr/>
+        </p:nvPicPr>
+        <p:blipFill>
+          <a:blip r:embed="rId3">
+            <a:extLst>
+              <a:ext uri="{28A0092B-C50C-407E-A947-70E740481C1C}">
+                <a14:useLocalDpi xmlns:a14="http://schemas.microsoft.com/office/drawing/2010/main" val="0"/>
+              </a:ext>
+            </a:extLst>
+          </a:blip>
+          <a:stretch>
+            <a:fillRect/>
+          </a:stretch>
+        </p:blipFill>
         <p:spPr>
           <a:xfrm>
-            <a:off x="457200" y="1417638"/>
-            <a:ext cx="8229600" cy="4530725"/>
+            <a:off x="4191000" y="2069405"/>
+            <a:ext cx="3954710" cy="2193628"/>
           </a:xfrm>
-        </p:spPr>
-        <p:txBody>
-          <a:bodyPr/>
-          <a:lstStyle/>
-          <a:p>
-            <a:pPr marL="514350" indent="-514350">
-              <a:buFont typeface="+mj-lt"/>
-              <a:buAutoNum type="arabicPeriod"/>
-            </a:pPr>
-            <a:r>
-              <a:rPr lang="en-US" dirty="0"/>
-              <a:t>¿</a:t>
-            </a:r>
-            <a:r>
-              <a:rPr lang="en-US" dirty="0" err="1"/>
-              <a:t>Experiencia</a:t>
-            </a:r>
-            <a:r>
-              <a:rPr lang="en-US" dirty="0"/>
-              <a:t> &amp; </a:t>
-            </a:r>
-            <a:r>
-              <a:rPr lang="en-US" dirty="0" err="1"/>
-              <a:t>Interés</a:t>
-            </a:r>
-            <a:r>
-              <a:rPr lang="en-US" dirty="0"/>
-              <a:t>?</a:t>
-            </a:r>
-          </a:p>
-          <a:p>
-            <a:pPr marL="514350" indent="-514350">
-              <a:buFont typeface="+mj-lt"/>
-              <a:buAutoNum type="arabicPeriod"/>
-            </a:pPr>
-            <a:endParaRPr lang="en-US" dirty="0"/>
-          </a:p>
-          <a:p>
-            <a:pPr marL="514350" indent="-514350">
-              <a:buFont typeface="+mj-lt"/>
-              <a:buAutoNum type="arabicPeriod"/>
-            </a:pPr>
-            <a:r>
-              <a:rPr lang="en-US" dirty="0"/>
-              <a:t>¿</a:t>
-            </a:r>
-            <a:r>
-              <a:rPr lang="en-US" dirty="0" err="1"/>
-              <a:t>Qué</a:t>
-            </a:r>
-            <a:r>
-              <a:rPr lang="en-US" dirty="0"/>
-              <a:t> </a:t>
-            </a:r>
-            <a:r>
-              <a:rPr lang="en-US" dirty="0" err="1"/>
-              <a:t>espera</a:t>
-            </a:r>
-            <a:r>
-              <a:rPr lang="en-US" dirty="0"/>
-              <a:t> a </a:t>
-            </a:r>
-            <a:r>
-              <a:rPr lang="en-US" dirty="0" err="1"/>
-              <a:t>realizar</a:t>
-            </a:r>
-            <a:r>
-              <a:rPr lang="en-US" dirty="0"/>
-              <a:t> del </a:t>
-            </a:r>
-            <a:r>
-              <a:rPr lang="en-US" dirty="0" err="1"/>
-              <a:t>curso</a:t>
-            </a:r>
-            <a:r>
-              <a:rPr lang="en-US" dirty="0"/>
-              <a:t>?</a:t>
-            </a:r>
-          </a:p>
-          <a:p>
-            <a:pPr marL="514350" indent="-514350">
-              <a:buFont typeface="+mj-lt"/>
-              <a:buAutoNum type="arabicPeriod"/>
-            </a:pPr>
-            <a:endParaRPr lang="en-US" dirty="0"/>
-          </a:p>
-          <a:p>
-            <a:pPr marL="514350" indent="-514350">
-              <a:buFont typeface="+mj-lt"/>
-              <a:buAutoNum type="arabicPeriod"/>
-            </a:pPr>
-            <a:r>
-              <a:rPr lang="en-US" dirty="0"/>
-              <a:t>¿Que </a:t>
-            </a:r>
-            <a:r>
-              <a:rPr lang="en-US" dirty="0" err="1"/>
-              <a:t>es</a:t>
-            </a:r>
-            <a:r>
-              <a:rPr lang="en-US" dirty="0"/>
-              <a:t> </a:t>
-            </a:r>
-            <a:r>
-              <a:rPr lang="en-US" dirty="0" err="1"/>
-              <a:t>su</a:t>
-            </a:r>
-            <a:r>
-              <a:rPr lang="en-US" dirty="0"/>
-              <a:t> </a:t>
-            </a:r>
-            <a:r>
-              <a:rPr lang="en-US" dirty="0" err="1"/>
-              <a:t>experiencia</a:t>
-            </a:r>
-            <a:r>
-              <a:rPr lang="en-US" dirty="0"/>
-              <a:t> con </a:t>
-            </a:r>
-            <a:r>
-              <a:rPr lang="en-US" dirty="0" err="1"/>
-              <a:t>modelos</a:t>
-            </a:r>
-            <a:r>
-              <a:rPr lang="en-US" dirty="0"/>
-              <a:t> </a:t>
-            </a:r>
-            <a:r>
-              <a:rPr lang="en-US" dirty="0" err="1"/>
-              <a:t>jerarquicos</a:t>
-            </a:r>
-            <a:r>
-              <a:rPr lang="en-US" dirty="0"/>
-              <a:t>?</a:t>
-            </a:r>
-          </a:p>
-          <a:p>
-            <a:pPr marL="514350" indent="-514350">
-              <a:buFont typeface="+mj-lt"/>
-              <a:buAutoNum type="arabicPeriod"/>
-            </a:pPr>
-            <a:endParaRPr lang="en-US" dirty="0"/>
-          </a:p>
-          <a:p>
-            <a:pPr marL="514350" indent="-514350">
-              <a:buFont typeface="+mj-lt"/>
-              <a:buAutoNum type="arabicPeriod"/>
-            </a:pPr>
-            <a:r>
-              <a:rPr lang="en-US" dirty="0"/>
-              <a:t>¿</a:t>
-            </a:r>
-            <a:r>
-              <a:rPr lang="en-US" dirty="0" err="1"/>
-              <a:t>Qué</a:t>
-            </a:r>
-            <a:r>
-              <a:rPr lang="en-US" dirty="0"/>
-              <a:t> </a:t>
-            </a:r>
-            <a:r>
-              <a:rPr lang="en-US" dirty="0" err="1"/>
-              <a:t>es</a:t>
-            </a:r>
-            <a:r>
-              <a:rPr lang="en-US" dirty="0"/>
-              <a:t> </a:t>
-            </a:r>
-            <a:r>
-              <a:rPr lang="en-US" dirty="0" err="1"/>
-              <a:t>su</a:t>
-            </a:r>
-            <a:r>
-              <a:rPr lang="en-US" dirty="0"/>
-              <a:t> </a:t>
-            </a:r>
-            <a:r>
-              <a:rPr lang="en-US" dirty="0" err="1"/>
-              <a:t>experiencia</a:t>
-            </a:r>
-            <a:r>
-              <a:rPr lang="en-US" dirty="0"/>
-              <a:t> con el </a:t>
-            </a:r>
-            <a:r>
-              <a:rPr lang="en-US" dirty="0" err="1"/>
-              <a:t>idioma</a:t>
-            </a:r>
-            <a:r>
-              <a:rPr lang="en-US" dirty="0"/>
-              <a:t> R y ADMB?</a:t>
-            </a:r>
-          </a:p>
-        </p:txBody>
-      </p:sp>
+          <a:prstGeom prst="rect">
+            <a:avLst/>
+          </a:prstGeom>
+        </p:spPr>
+      </p:pic>
+      <p:pic>
+        <p:nvPicPr>
+          <p:cNvPr id="7" name="Picture 6"/>
+          <p:cNvPicPr>
+            <a:picLocks noChangeAspect="1"/>
+          </p:cNvPicPr>
+          <p:nvPr/>
+        </p:nvPicPr>
+        <p:blipFill>
+          <a:blip r:embed="rId4"/>
+          <a:stretch>
+            <a:fillRect/>
+          </a:stretch>
+        </p:blipFill>
+        <p:spPr>
+          <a:xfrm>
+            <a:off x="1581324" y="901862"/>
+            <a:ext cx="5356371" cy="1107092"/>
+          </a:xfrm>
+          <a:prstGeom prst="rect">
+            <a:avLst/>
+          </a:prstGeom>
+        </p:spPr>
+      </p:pic>
+      <p:pic>
+        <p:nvPicPr>
+          <p:cNvPr id="8" name="Picture 7"/>
+          <p:cNvPicPr>
+            <a:picLocks noChangeAspect="1"/>
+          </p:cNvPicPr>
+          <p:nvPr/>
+        </p:nvPicPr>
+        <p:blipFill>
+          <a:blip r:embed="rId5"/>
+          <a:stretch>
+            <a:fillRect/>
+          </a:stretch>
+        </p:blipFill>
+        <p:spPr>
+          <a:xfrm>
+            <a:off x="398477" y="4603675"/>
+            <a:ext cx="8325596" cy="1743027"/>
+          </a:xfrm>
+          <a:prstGeom prst="rect">
+            <a:avLst/>
+          </a:prstGeom>
+        </p:spPr>
+      </p:pic>
     </p:spTree>
     <p:extLst>
       <p:ext uri="{BB962C8B-B14F-4D97-AF65-F5344CB8AC3E}">
-        <p14:creationId xmlns:p14="http://schemas.microsoft.com/office/powerpoint/2010/main" val="3184585196"/>
+        <p14:creationId xmlns:p14="http://schemas.microsoft.com/office/powerpoint/2010/main" val="433659125"/>
       </p:ext>
     </p:extLst>
   </p:cSld>
@@ -13244,13 +15760,7 @@
       </p:grpSpPr>
       <p:sp>
         <p:nvSpPr>
-          <p:cNvPr id="2" name="Title 1">
-            <a:extLst>
-              <a:ext uri="{FF2B5EF4-FFF2-40B4-BE49-F238E27FC236}">
-                <a16:creationId xmlns:a16="http://schemas.microsoft.com/office/drawing/2014/main" id="{E9BA492F-EA88-4CF7-9069-CBDF94477AAB}"/>
-              </a:ext>
-            </a:extLst>
-          </p:cNvPr>
+          <p:cNvPr id="2" name="Title 1"/>
           <p:cNvSpPr>
             <a:spLocks noGrp="1"/>
           </p:cNvSpPr>
@@ -13264,153 +15774,16 @@
           <a:lstStyle/>
           <a:p>
             <a:r>
-              <a:rPr lang="en-US" dirty="0"/>
-              <a:t>Course goals</a:t>
-            </a:r>
-          </a:p>
-        </p:txBody>
-      </p:sp>
-      <p:sp>
-        <p:nvSpPr>
-          <p:cNvPr id="3" name="Content Placeholder 2">
-            <a:extLst>
-              <a:ext uri="{FF2B5EF4-FFF2-40B4-BE49-F238E27FC236}">
-                <a16:creationId xmlns:a16="http://schemas.microsoft.com/office/drawing/2014/main" id="{A2B4034A-6C7D-489B-B474-A9E452B6B139}"/>
-              </a:ext>
-            </a:extLst>
-          </p:cNvPr>
-          <p:cNvSpPr>
-            <a:spLocks noGrp="1"/>
-          </p:cNvSpPr>
-          <p:nvPr>
-            <p:ph idx="1"/>
-          </p:nvPr>
-        </p:nvSpPr>
-        <p:spPr>
-          <a:xfrm>
-            <a:off x="457200" y="1138806"/>
-            <a:ext cx="8229600" cy="4530725"/>
-          </a:xfrm>
-        </p:spPr>
-        <p:txBody>
-          <a:bodyPr/>
-          <a:lstStyle/>
-          <a:p>
-            <a:pPr marL="514350" indent="-514350">
-              <a:buFont typeface="+mj-lt"/>
-              <a:buAutoNum type="arabicPeriod"/>
-            </a:pPr>
-            <a:r>
               <a:rPr lang="en-US" dirty="0" smtClean="0"/>
-              <a:t>Gain comfort with numerical optimization of statistical models</a:t>
-            </a:r>
-          </a:p>
-          <a:p>
-            <a:pPr marL="514350" indent="-514350">
-              <a:buFont typeface="+mj-lt"/>
-              <a:buAutoNum type="arabicPeriod"/>
-            </a:pPr>
-            <a:r>
-              <a:rPr lang="en-US" dirty="0" smtClean="0"/>
-              <a:t>Build, test, </a:t>
-            </a:r>
-            <a:r>
-              <a:rPr lang="en-US" dirty="0"/>
-              <a:t>and </a:t>
-            </a:r>
-            <a:r>
-              <a:rPr lang="en-US" dirty="0" smtClean="0"/>
-              <a:t>use </a:t>
-            </a:r>
-            <a:r>
-              <a:rPr lang="en-US" dirty="0"/>
-              <a:t>TMB models</a:t>
-            </a:r>
-          </a:p>
-          <a:p>
-            <a:pPr marL="514350" indent="-514350">
-              <a:buFont typeface="+mj-lt"/>
-              <a:buAutoNum type="arabicPeriod"/>
-            </a:pPr>
-            <a:r>
-              <a:rPr lang="en-US" dirty="0"/>
-              <a:t>Incorporate random effects into models</a:t>
-            </a:r>
-          </a:p>
-          <a:p>
-            <a:pPr marL="514350" indent="-514350">
-              <a:buFont typeface="+mj-lt"/>
-              <a:buAutoNum type="arabicPeriod"/>
-            </a:pPr>
-            <a:r>
-              <a:rPr lang="en-US" dirty="0" smtClean="0"/>
-              <a:t>Start </a:t>
-            </a:r>
-            <a:r>
-              <a:rPr lang="en-US" dirty="0"/>
-              <a:t>core of your own </a:t>
-            </a:r>
-            <a:r>
-              <a:rPr lang="en-US" dirty="0" smtClean="0"/>
-              <a:t>analysis (project)</a:t>
-            </a:r>
-          </a:p>
-          <a:p>
-            <a:pPr marL="0" indent="0">
-              <a:buNone/>
-            </a:pPr>
-            <a:endParaRPr lang="en-US" sz="1200" dirty="0" smtClean="0"/>
-          </a:p>
-          <a:p>
-            <a:pPr marL="0" indent="0">
-              <a:buNone/>
-            </a:pPr>
-            <a:r>
-              <a:rPr lang="en-US" sz="2600" dirty="0" smtClean="0">
-                <a:solidFill>
-                  <a:schemeClr val="accent1"/>
-                </a:solidFill>
-              </a:rPr>
-              <a:t>Warning: This course covers complex math/stats concepts and programming in R and C++.. it</a:t>
-            </a:r>
-            <a:r>
-              <a:rPr lang="en-US" sz="2600" dirty="0" smtClean="0">
-                <a:solidFill>
-                  <a:schemeClr val="accent1"/>
-                </a:solidFill>
-              </a:rPr>
-              <a:t> will be hard! </a:t>
-            </a:r>
-          </a:p>
-          <a:p>
-            <a:pPr marL="0" indent="0">
-              <a:buNone/>
-            </a:pPr>
-            <a:r>
-              <a:rPr lang="en-US" sz="2600" dirty="0" smtClean="0">
-                <a:solidFill>
-                  <a:schemeClr val="accent1"/>
-                </a:solidFill>
-              </a:rPr>
-              <a:t>Please be patient and kind to yourself and ask questions!</a:t>
-            </a:r>
-            <a:endParaRPr lang="en-US" sz="2600" dirty="0">
-              <a:solidFill>
-                <a:schemeClr val="accent1"/>
-              </a:solidFill>
-            </a:endParaRPr>
-          </a:p>
-        </p:txBody>
-      </p:sp>
-      <p:sp>
-        <p:nvSpPr>
-          <p:cNvPr id="4" name="Slide Number Placeholder 3">
-            <a:extLst>
-              <a:ext uri="{FF2B5EF4-FFF2-40B4-BE49-F238E27FC236}">
-                <a16:creationId xmlns:a16="http://schemas.microsoft.com/office/drawing/2014/main" id="{70F2C2C3-2FC4-499F-B5F0-7DB732BF7A00}"/>
-              </a:ext>
-            </a:extLst>
-          </p:cNvPr>
+              <a:t>Current position at NOAA</a:t>
+            </a:r>
+            <a:endParaRPr lang="en-US" dirty="0"/>
+          </a:p>
+        </p:txBody>
+      </p:sp>
+      <p:sp>
+        <p:nvSpPr>
+          <p:cNvPr id="3" name="Slide Number Placeholder 2"/>
           <p:cNvSpPr>
             <a:spLocks noGrp="1"/>
           </p:cNvSpPr>
@@ -13431,10 +15804,188 @@
           </a:p>
         </p:txBody>
       </p:sp>
+      <p:pic>
+        <p:nvPicPr>
+          <p:cNvPr id="4" name="Picture 3"/>
+          <p:cNvPicPr>
+            <a:picLocks noChangeAspect="1"/>
+          </p:cNvPicPr>
+          <p:nvPr/>
+        </p:nvPicPr>
+        <p:blipFill>
+          <a:blip r:embed="rId2" cstate="print">
+            <a:extLst>
+              <a:ext uri="{28A0092B-C50C-407E-A947-70E740481C1C}">
+                <a14:useLocalDpi xmlns:a14="http://schemas.microsoft.com/office/drawing/2010/main" val="0"/>
+              </a:ext>
+            </a:extLst>
+          </a:blip>
+          <a:stretch>
+            <a:fillRect/>
+          </a:stretch>
+        </p:blipFill>
+        <p:spPr>
+          <a:xfrm>
+            <a:off x="4554071" y="1604946"/>
+            <a:ext cx="3963041" cy="4451384"/>
+          </a:xfrm>
+          <a:prstGeom prst="rect">
+            <a:avLst/>
+          </a:prstGeom>
+        </p:spPr>
+      </p:pic>
+      <p:sp>
+        <p:nvSpPr>
+          <p:cNvPr id="5" name="TextBox 4"/>
+          <p:cNvSpPr txBox="1"/>
+          <p:nvPr/>
+        </p:nvSpPr>
+        <p:spPr>
+          <a:xfrm>
+            <a:off x="5145741" y="937636"/>
+            <a:ext cx="3639671" cy="646331"/>
+          </a:xfrm>
+          <a:prstGeom prst="rect">
+            <a:avLst/>
+          </a:prstGeom>
+          <a:noFill/>
+        </p:spPr>
+        <p:txBody>
+          <a:bodyPr wrap="square" rtlCol="0">
+            <a:spAutoFit/>
+          </a:bodyPr>
+          <a:lstStyle/>
+          <a:p>
+            <a:r>
+              <a:rPr lang="en-US" dirty="0" smtClean="0"/>
+              <a:t>Gulf of Alaska walleye pollock stock assessment</a:t>
+            </a:r>
+            <a:endParaRPr lang="en-US" dirty="0"/>
+          </a:p>
+        </p:txBody>
+      </p:sp>
+      <p:sp>
+        <p:nvSpPr>
+          <p:cNvPr id="6" name="TextBox 5"/>
+          <p:cNvSpPr txBox="1"/>
+          <p:nvPr/>
+        </p:nvSpPr>
+        <p:spPr>
+          <a:xfrm>
+            <a:off x="457200" y="1604946"/>
+            <a:ext cx="3720353" cy="3785652"/>
+          </a:xfrm>
+          <a:prstGeom prst="rect">
+            <a:avLst/>
+          </a:prstGeom>
+          <a:noFill/>
+        </p:spPr>
+        <p:txBody>
+          <a:bodyPr wrap="square" rtlCol="0">
+            <a:spAutoFit/>
+          </a:bodyPr>
+          <a:lstStyle/>
+          <a:p>
+            <a:pPr marL="285750" indent="-285750">
+              <a:buFont typeface="Arial" panose="020B0604020202020204" pitchFamily="34" charset="0"/>
+              <a:buChar char="•"/>
+            </a:pPr>
+            <a:r>
+              <a:rPr lang="en-US" sz="2400" dirty="0" smtClean="0"/>
+              <a:t>Fisheries stock assessments in Alaska, USA</a:t>
+            </a:r>
+          </a:p>
+          <a:p>
+            <a:pPr marL="285750" indent="-285750">
+              <a:buFont typeface="Arial" panose="020B0604020202020204" pitchFamily="34" charset="0"/>
+              <a:buChar char="•"/>
+            </a:pPr>
+            <a:r>
+              <a:rPr lang="en-US" sz="2400" dirty="0" smtClean="0"/>
+              <a:t>Spatial models (VAST)</a:t>
+            </a:r>
+          </a:p>
+          <a:p>
+            <a:pPr marL="285750" indent="-285750">
+              <a:buFont typeface="Arial" panose="020B0604020202020204" pitchFamily="34" charset="0"/>
+              <a:buChar char="•"/>
+            </a:pPr>
+            <a:r>
+              <a:rPr lang="en-US" sz="2400" dirty="0" smtClean="0"/>
+              <a:t>State-space stock assessments</a:t>
+            </a:r>
+          </a:p>
+          <a:p>
+            <a:pPr marL="285750" indent="-285750">
+              <a:buFont typeface="Arial" panose="020B0604020202020204" pitchFamily="34" charset="0"/>
+              <a:buChar char="•"/>
+            </a:pPr>
+            <a:r>
+              <a:rPr lang="en-US" sz="2400" dirty="0" smtClean="0"/>
+              <a:t>Development of next-generation stock assessment software (FIMS)</a:t>
+            </a:r>
+            <a:endParaRPr lang="en-US" sz="2400" dirty="0"/>
+          </a:p>
+        </p:txBody>
+      </p:sp>
+      <p:pic>
+        <p:nvPicPr>
+          <p:cNvPr id="7" name="Picture 6" descr="Y:\_Current\GOApollock data\Pollock images\Pollock.gif"/>
+          <p:cNvPicPr>
+            <a:picLocks noChangeAspect="1" noChangeArrowheads="1"/>
+          </p:cNvPicPr>
+          <p:nvPr/>
+        </p:nvPicPr>
+        <p:blipFill>
+          <a:blip r:embed="rId3" cstate="print">
+            <a:extLst>
+              <a:ext uri="{28A0092B-C50C-407E-A947-70E740481C1C}">
+                <a14:useLocalDpi xmlns:a14="http://schemas.microsoft.com/office/drawing/2010/main" val="0"/>
+              </a:ext>
+            </a:extLst>
+          </a:blip>
+          <a:srcRect/>
+          <a:stretch>
+            <a:fillRect/>
+          </a:stretch>
+        </p:blipFill>
+        <p:spPr bwMode="auto">
+          <a:xfrm>
+            <a:off x="4945788" y="3944471"/>
+            <a:ext cx="2252871" cy="853720"/>
+          </a:xfrm>
+          <a:prstGeom prst="rect">
+            <a:avLst/>
+          </a:prstGeom>
+          <a:noFill/>
+          <a:ln>
+            <a:noFill/>
+          </a:ln>
+          <a:extLst>
+            <a:ext uri="{909E8E84-426E-40DD-AFC4-6F175D3DCCD1}">
+              <a14:hiddenFill xmlns:a14="http://schemas.microsoft.com/office/drawing/2010/main">
+                <a:solidFill>
+                  <a:srgbClr val="FFFFFF"/>
+                </a:solidFill>
+              </a14:hiddenFill>
+            </a:ext>
+            <a:ext uri="{91240B29-F687-4F45-9708-019B960494DF}">
+              <a14:hiddenLine xmlns:a14="http://schemas.microsoft.com/office/drawing/2010/main" w="9525">
+                <a:solidFill>
+                  <a:srgbClr val="000000"/>
+                </a:solidFill>
+                <a:miter lim="800000"/>
+                <a:headEnd/>
+                <a:tailEnd/>
+              </a14:hiddenLine>
+            </a:ext>
+          </a:extLst>
+        </p:spPr>
+      </p:pic>
     </p:spTree>
     <p:extLst>
       <p:ext uri="{BB962C8B-B14F-4D97-AF65-F5344CB8AC3E}">
-        <p14:creationId xmlns:p14="http://schemas.microsoft.com/office/powerpoint/2010/main" val="1510102819"/>
+        <p14:creationId xmlns:p14="http://schemas.microsoft.com/office/powerpoint/2010/main" val="3020222691"/>
       </p:ext>
     </p:extLst>
   </p:cSld>
@@ -13463,13 +16014,7 @@
       </p:grpSpPr>
       <p:sp>
         <p:nvSpPr>
-          <p:cNvPr id="2" name="Title 1">
-            <a:extLst>
-              <a:ext uri="{FF2B5EF4-FFF2-40B4-BE49-F238E27FC236}">
-                <a16:creationId xmlns:a16="http://schemas.microsoft.com/office/drawing/2014/main" id="{E622C5D6-127E-4E13-A682-50C23F6FCCA3}"/>
-              </a:ext>
-            </a:extLst>
-          </p:cNvPr>
+          <p:cNvPr id="4" name="Title 3"/>
           <p:cNvSpPr>
             <a:spLocks noGrp="1"/>
           </p:cNvSpPr>
@@ -13484,20 +16029,14 @@
           <a:p>
             <a:r>
               <a:rPr lang="en-US" dirty="0"/>
-              <a:t>Hierarchical model: overview</a:t>
-            </a:r>
-          </a:p>
-        </p:txBody>
-      </p:sp>
-      <p:sp>
-        <p:nvSpPr>
-          <p:cNvPr id="3" name="Content Placeholder 2">
-            <a:extLst>
-              <a:ext uri="{FF2B5EF4-FFF2-40B4-BE49-F238E27FC236}">
-                <a16:creationId xmlns:a16="http://schemas.microsoft.com/office/drawing/2014/main" id="{6C383712-B948-4BB6-80DA-20C80E766461}"/>
-              </a:ext>
-            </a:extLst>
-          </p:cNvPr>
+              <a:t>Dr. Noble Hendrix</a:t>
+            </a:r>
+          </a:p>
+        </p:txBody>
+      </p:sp>
+      <p:sp>
+        <p:nvSpPr>
+          <p:cNvPr id="5" name="Content Placeholder 4"/>
           <p:cNvSpPr>
             <a:spLocks noGrp="1"/>
           </p:cNvSpPr>
@@ -13507,86 +16046,228 @@
         </p:nvSpPr>
         <p:spPr>
           <a:xfrm>
-            <a:off x="628650" y="1091361"/>
-            <a:ext cx="7886700" cy="4382670"/>
+            <a:off x="457200" y="1600200"/>
+            <a:ext cx="8229600" cy="4800599"/>
           </a:xfrm>
         </p:spPr>
         <p:txBody>
-          <a:bodyPr/>
+          <a:bodyPr>
+            <a:normAutofit lnSpcReduction="10000"/>
+          </a:bodyPr>
           <a:lstStyle/>
           <a:p>
-            <a:r>
-              <a:rPr lang="en-US" sz="2800" dirty="0"/>
-              <a:t>Class of model with a hierarchical structure</a:t>
-            </a:r>
-          </a:p>
-          <a:p>
-            <a:r>
-              <a:rPr lang="en-US" sz="2800" dirty="0"/>
-              <a:t>Known by other names: </a:t>
-            </a:r>
-          </a:p>
-          <a:p>
-            <a:pPr lvl="1"/>
+            <a:pPr>
+              <a:buNone/>
+            </a:pPr>
+            <a:r>
+              <a:rPr lang="en-US" sz="2400" u="sng" dirty="0" err="1"/>
+              <a:t>Formación</a:t>
+            </a:r>
+            <a:r>
+              <a:rPr lang="en-US" sz="2400" u="sng" dirty="0"/>
+              <a:t> </a:t>
+            </a:r>
+            <a:r>
+              <a:rPr lang="en-US" sz="2400" u="sng" dirty="0" err="1"/>
+              <a:t>Académica</a:t>
+            </a:r>
+            <a:endParaRPr lang="en-US" sz="2400" u="sng" dirty="0"/>
+          </a:p>
+          <a:p>
+            <a:pPr>
+              <a:buNone/>
+            </a:pPr>
             <a:r>
               <a:rPr lang="en-US" sz="2400" dirty="0"/>
-              <a:t>Random effects (mixed effects) models</a:t>
-            </a:r>
-          </a:p>
-          <a:p>
-            <a:pPr lvl="1"/>
+              <a:t>Duke University, MS Zoology</a:t>
+            </a:r>
+          </a:p>
+          <a:p>
+            <a:pPr>
+              <a:buNone/>
+            </a:pPr>
             <a:r>
               <a:rPr lang="en-US" sz="2400" dirty="0"/>
-              <a:t>State-space models</a:t>
-            </a:r>
-          </a:p>
-          <a:p>
-            <a:pPr lvl="1"/>
+              <a:t>University of Washington, PhD Fisheries</a:t>
+            </a:r>
+          </a:p>
+          <a:p>
+            <a:pPr>
+              <a:buNone/>
+            </a:pPr>
+            <a:endParaRPr lang="en-US" sz="2400" dirty="0"/>
+          </a:p>
+          <a:p>
+            <a:pPr>
+              <a:buNone/>
+            </a:pPr>
+            <a:r>
+              <a:rPr lang="en-US" sz="2400" u="sng" dirty="0" err="1"/>
+              <a:t>Actividades</a:t>
+            </a:r>
+            <a:r>
+              <a:rPr lang="en-US" sz="2400" u="sng" dirty="0"/>
+              <a:t> </a:t>
+            </a:r>
+            <a:r>
+              <a:rPr lang="en-US" sz="2400" u="sng" dirty="0" err="1"/>
+              <a:t>Laborales</a:t>
+            </a:r>
+            <a:endParaRPr lang="en-US" sz="2400" u="sng" dirty="0"/>
+          </a:p>
+          <a:p>
+            <a:pPr>
+              <a:buNone/>
+            </a:pPr>
+            <a:r>
+              <a:rPr lang="en-US" sz="2400" dirty="0" err="1"/>
+              <a:t>Consultor</a:t>
+            </a:r>
             <a:r>
               <a:rPr lang="en-US" sz="2400" dirty="0"/>
-              <a:t>Multi-level models</a:t>
-            </a:r>
-          </a:p>
-          <a:p>
-            <a:r>
-              <a:rPr lang="en-US" sz="2800" dirty="0"/>
-              <a:t>Hierarchies occur naturally: individuals within sites, subpopulations within populations, etc. </a:t>
-            </a:r>
-          </a:p>
-          <a:p>
-            <a:r>
-              <a:rPr lang="en-US" sz="2800" b="1" dirty="0"/>
-              <a:t>Many</a:t>
-            </a:r>
-            <a:r>
-              <a:rPr lang="en-US" sz="2800" dirty="0"/>
-              <a:t> ways to think about this class of models, can be conceptually difficult and overwhelming</a:t>
-            </a:r>
-            <a:endParaRPr lang="en-US" sz="2800" b="1" dirty="0"/>
-          </a:p>
-        </p:txBody>
-      </p:sp>
-      <p:sp>
-        <p:nvSpPr>
-          <p:cNvPr id="4" name="TextBox 3">
-            <a:extLst>
-              <a:ext uri="{FF2B5EF4-FFF2-40B4-BE49-F238E27FC236}">
-                <a16:creationId xmlns:a16="http://schemas.microsoft.com/office/drawing/2014/main" id="{91B8C2B7-D83A-4DE3-8D72-2F8B77908725}"/>
-              </a:ext>
-            </a:extLst>
-          </p:cNvPr>
-          <p:cNvSpPr txBox="1"/>
+              <a:t> – QEDA Consulting, LLC</a:t>
+            </a:r>
+          </a:p>
+          <a:p>
+            <a:pPr>
+              <a:buNone/>
+            </a:pPr>
+            <a:r>
+              <a:rPr lang="en-US" sz="2400" dirty="0"/>
+              <a:t>University of Washington – </a:t>
+            </a:r>
+            <a:r>
+              <a:rPr lang="en-US" sz="2400" dirty="0" err="1"/>
+              <a:t>facultad</a:t>
+            </a:r>
+            <a:r>
+              <a:rPr lang="en-US" sz="2400" dirty="0"/>
+              <a:t> </a:t>
+            </a:r>
+            <a:r>
+              <a:rPr lang="en-US" sz="2400" dirty="0" err="1"/>
+              <a:t>afiliada</a:t>
+            </a:r>
+            <a:r>
+              <a:rPr lang="en-US" sz="2400" dirty="0"/>
+              <a:t> </a:t>
+            </a:r>
+          </a:p>
+          <a:p>
+            <a:pPr>
+              <a:buNone/>
+            </a:pPr>
+            <a:endParaRPr lang="en-US" sz="2400" dirty="0"/>
+          </a:p>
+          <a:p>
+            <a:pPr>
+              <a:buNone/>
+            </a:pPr>
+            <a:r>
+              <a:rPr lang="en-US" sz="2400" u="sng" dirty="0" err="1"/>
+              <a:t>Conexión</a:t>
+            </a:r>
+            <a:r>
+              <a:rPr lang="en-US" sz="2400" u="sng" dirty="0"/>
+              <a:t> con Chile</a:t>
+            </a:r>
+          </a:p>
+          <a:p>
+            <a:pPr>
+              <a:buNone/>
+            </a:pPr>
+            <a:r>
+              <a:rPr lang="en-US" sz="2400" dirty="0"/>
+              <a:t>Billy Ernst, UDEC </a:t>
+            </a:r>
+            <a:r>
+              <a:rPr lang="en-US" sz="2400" dirty="0" err="1"/>
+              <a:t>tuvimos</a:t>
+            </a:r>
+            <a:r>
+              <a:rPr lang="en-US" sz="2400" dirty="0"/>
+              <a:t> el </a:t>
+            </a:r>
+            <a:r>
+              <a:rPr lang="en-US" sz="2400" dirty="0" err="1"/>
+              <a:t>mismo</a:t>
+            </a:r>
+            <a:r>
+              <a:rPr lang="en-US" sz="2400" dirty="0"/>
+              <a:t> </a:t>
+            </a:r>
+            <a:r>
+              <a:rPr lang="en-US" sz="2400" dirty="0" err="1"/>
+              <a:t>profesor</a:t>
+            </a:r>
+            <a:r>
+              <a:rPr lang="en-US" sz="2400" dirty="0"/>
+              <a:t>, </a:t>
+            </a:r>
+          </a:p>
+          <a:p>
+            <a:pPr>
+              <a:buNone/>
+            </a:pPr>
+            <a:r>
+              <a:rPr lang="en-US" sz="2400" dirty="0"/>
+              <a:t>Ray </a:t>
+            </a:r>
+            <a:r>
+              <a:rPr lang="en-US" sz="2400" dirty="0" err="1"/>
+              <a:t>HIlborn</a:t>
+            </a:r>
+            <a:endParaRPr lang="en-US" sz="2400" dirty="0"/>
+          </a:p>
+        </p:txBody>
+      </p:sp>
+      <p:pic>
+        <p:nvPicPr>
+          <p:cNvPr id="1027" name="Picture 3"/>
+          <p:cNvPicPr>
+            <a:picLocks noChangeAspect="1" noChangeArrowheads="1"/>
+          </p:cNvPicPr>
           <p:nvPr/>
-        </p:nvSpPr>
-        <p:spPr>
+        </p:nvPicPr>
+        <p:blipFill>
+          <a:blip r:embed="rId2" cstate="print"/>
+          <a:srcRect/>
+          <a:stretch>
+            <a:fillRect/>
+          </a:stretch>
+        </p:blipFill>
+        <p:spPr bwMode="auto">
           <a:xfrm>
-            <a:off x="6185648" y="6495301"/>
-            <a:ext cx="2689411" cy="369332"/>
+            <a:off x="6937744" y="4038600"/>
+            <a:ext cx="1524000" cy="1749778"/>
           </a:xfrm>
           <a:prstGeom prst="rect">
             <a:avLst/>
           </a:prstGeom>
           <a:noFill/>
+          <a:ln w="9525">
+            <a:noFill/>
+            <a:miter lim="800000"/>
+            <a:headEnd/>
+            <a:tailEnd/>
+          </a:ln>
+        </p:spPr>
+      </p:pic>
+      <p:sp>
+        <p:nvSpPr>
+          <p:cNvPr id="6" name="TextBox 5"/>
+          <p:cNvSpPr txBox="1"/>
+          <p:nvPr/>
+        </p:nvSpPr>
+        <p:spPr>
+          <a:xfrm>
+            <a:off x="6861544" y="5791200"/>
+            <a:ext cx="1828800" cy="381000"/>
+          </a:xfrm>
+          <a:prstGeom prst="rect">
+            <a:avLst/>
+          </a:prstGeom>
+          <a:noFill/>
         </p:spPr>
         <p:txBody>
           <a:bodyPr wrap="square" rtlCol="0">
@@ -13594,59 +16275,17 @@
           </a:bodyPr>
           <a:lstStyle/>
           <a:p>
-            <a:pPr algn="r"/>
-            <a:r>
-              <a:rPr lang="en-US" dirty="0" err="1"/>
-              <a:t>Royle</a:t>
-            </a:r>
             <a:r>
               <a:rPr lang="en-US" dirty="0"/>
-              <a:t> and </a:t>
-            </a:r>
-            <a:r>
-              <a:rPr lang="en-US" dirty="0" err="1"/>
-              <a:t>Dorazio</a:t>
-            </a:r>
-            <a:r>
-              <a:rPr lang="en-US" dirty="0"/>
-              <a:t> 2008</a:t>
-            </a:r>
-          </a:p>
-        </p:txBody>
-      </p:sp>
-      <p:sp>
-        <p:nvSpPr>
-          <p:cNvPr id="5" name="Slide Number Placeholder 4">
-            <a:extLst>
-              <a:ext uri="{FF2B5EF4-FFF2-40B4-BE49-F238E27FC236}">
-                <a16:creationId xmlns:a16="http://schemas.microsoft.com/office/drawing/2014/main" id="{6971F221-485F-4C23-B854-DC3A88CB94F2}"/>
-              </a:ext>
-            </a:extLst>
-          </p:cNvPr>
-          <p:cNvSpPr>
-            <a:spLocks noGrp="1"/>
-          </p:cNvSpPr>
-          <p:nvPr>
-            <p:ph type="sldNum" sz="quarter" idx="12"/>
-          </p:nvPr>
-        </p:nvSpPr>
-        <p:spPr/>
-        <p:txBody>
-          <a:bodyPr/>
-          <a:lstStyle/>
-          <a:p>
-            <a:fld id="{A90099C9-4CB8-9A40-B745-9AB270505907}" type="slidenum">
-              <a:rPr lang="en-US" smtClean="0"/>
-              <a:t>8</a:t>
-            </a:fld>
-            <a:endParaRPr lang="en-US"/>
+              <a:t>Ray Hilborn</a:t>
+            </a:r>
           </a:p>
         </p:txBody>
       </p:sp>
     </p:spTree>
     <p:extLst>
       <p:ext uri="{BB962C8B-B14F-4D97-AF65-F5344CB8AC3E}">
-        <p14:creationId xmlns:p14="http://schemas.microsoft.com/office/powerpoint/2010/main" val="2530450770"/>
+        <p14:creationId xmlns:p14="http://schemas.microsoft.com/office/powerpoint/2010/main" val="210746742"/>
       </p:ext>
     </p:extLst>
   </p:cSld>
@@ -13675,13 +16314,7 @@
       </p:grpSpPr>
       <p:sp>
         <p:nvSpPr>
-          <p:cNvPr id="2" name="Title 1">
-            <a:extLst>
-              <a:ext uri="{FF2B5EF4-FFF2-40B4-BE49-F238E27FC236}">
-                <a16:creationId xmlns:a16="http://schemas.microsoft.com/office/drawing/2014/main" id="{E622C5D6-127E-4E13-A682-50C23F6FCCA3}"/>
-              </a:ext>
-            </a:extLst>
-          </p:cNvPr>
+          <p:cNvPr id="2" name="Title 1"/>
           <p:cNvSpPr>
             <a:spLocks noGrp="1"/>
           </p:cNvSpPr>
@@ -13689,69 +16322,167 @@
             <p:ph type="title"/>
           </p:nvPr>
         </p:nvSpPr>
-        <p:spPr/>
+        <p:spPr>
+          <a:xfrm>
+            <a:off x="457200" y="168944"/>
+            <a:ext cx="8229600" cy="1143000"/>
+          </a:xfrm>
+        </p:spPr>
         <p:txBody>
           <a:bodyPr/>
           <a:lstStyle/>
           <a:p>
             <a:r>
               <a:rPr lang="en-US" dirty="0"/>
-              <a:t>Hierarchical models: example</a:t>
+              <a:t>Florida Everglades</a:t>
             </a:r>
           </a:p>
         </p:txBody>
       </p:sp>
       <p:pic>
         <p:nvPicPr>
-          <p:cNvPr id="4" name="Picture 3">
-            <a:extLst>
-              <a:ext uri="{FF2B5EF4-FFF2-40B4-BE49-F238E27FC236}">
-                <a16:creationId xmlns:a16="http://schemas.microsoft.com/office/drawing/2014/main" id="{A3CE29E7-39DF-4344-A6C6-106194DF1170}"/>
-              </a:ext>
-            </a:extLst>
-          </p:cNvPr>
+          <p:cNvPr id="5" name="Picture 2"/>
           <p:cNvPicPr>
-            <a:picLocks noChangeAspect="1"/>
+            <a:picLocks noGrp="1" noChangeAspect="1" noChangeArrowheads="1"/>
           </p:cNvPicPr>
-          <p:nvPr/>
+          <p:nvPr>
+            <p:ph idx="1"/>
+          </p:nvPr>
         </p:nvPicPr>
         <p:blipFill>
-          <a:blip r:embed="rId2"/>
+          <a:blip r:embed="rId2" cstate="print"/>
+          <a:srcRect/>
           <a:stretch>
             <a:fillRect/>
           </a:stretch>
         </p:blipFill>
-        <p:spPr>
+        <p:spPr bwMode="auto">
           <a:xfrm>
-            <a:off x="211757" y="1876766"/>
-            <a:ext cx="6506678" cy="3194402"/>
-          </a:xfrm>
-          <a:prstGeom prst="rect">
-            <a:avLst/>
-          </a:prstGeom>
-        </p:spPr>
-      </p:pic>
-      <p:sp>
-        <p:nvSpPr>
-          <p:cNvPr id="7" name="Rectangle 6">
-            <a:extLst>
-              <a:ext uri="{FF2B5EF4-FFF2-40B4-BE49-F238E27FC236}">
-                <a16:creationId xmlns:a16="http://schemas.microsoft.com/office/drawing/2014/main" id="{C26DB809-D9AA-4615-BB91-602299E0A4B7}"/>
-              </a:ext>
-            </a:extLst>
-          </p:cNvPr>
-          <p:cNvSpPr/>
-          <p:nvPr/>
-        </p:nvSpPr>
-        <p:spPr>
-          <a:xfrm>
-            <a:off x="6593306" y="3102701"/>
-            <a:ext cx="1828800" cy="500514"/>
+            <a:off x="5334000" y="2171700"/>
+            <a:ext cx="2667000" cy="2000250"/>
           </a:xfrm>
           <a:prstGeom prst="rect">
             <a:avLst/>
           </a:prstGeom>
           <a:noFill/>
+          <a:ln w="9525">
+            <a:noFill/>
+            <a:miter lim="800000"/>
+            <a:headEnd/>
+            <a:tailEnd/>
+          </a:ln>
+        </p:spPr>
+      </p:pic>
+      <p:pic>
+        <p:nvPicPr>
+          <p:cNvPr id="2050" name="Picture 2"/>
+          <p:cNvPicPr>
+            <a:picLocks noChangeAspect="1" noChangeArrowheads="1"/>
+          </p:cNvPicPr>
+          <p:nvPr/>
+        </p:nvPicPr>
+        <p:blipFill>
+          <a:blip r:embed="rId3" cstate="print"/>
+          <a:srcRect/>
+          <a:stretch>
+            <a:fillRect/>
+          </a:stretch>
+        </p:blipFill>
+        <p:spPr bwMode="auto">
+          <a:xfrm>
+            <a:off x="2082209" y="3265211"/>
+            <a:ext cx="1981200" cy="2713831"/>
+          </a:xfrm>
+          <a:prstGeom prst="rect">
+            <a:avLst/>
+          </a:prstGeom>
+          <a:noFill/>
+          <a:ln w="9525">
+            <a:noFill/>
+            <a:miter lim="800000"/>
+            <a:headEnd/>
+            <a:tailEnd/>
+          </a:ln>
+        </p:spPr>
+      </p:pic>
+      <p:pic>
+        <p:nvPicPr>
+          <p:cNvPr id="2051" name="Picture 3"/>
+          <p:cNvPicPr>
+            <a:picLocks noChangeAspect="1" noChangeArrowheads="1"/>
+          </p:cNvPicPr>
+          <p:nvPr/>
+        </p:nvPicPr>
+        <p:blipFill>
+          <a:blip r:embed="rId4" cstate="print"/>
+          <a:srcRect/>
+          <a:stretch>
+            <a:fillRect/>
+          </a:stretch>
+        </p:blipFill>
+        <p:spPr bwMode="auto">
+          <a:xfrm>
+            <a:off x="5334000" y="4495799"/>
+            <a:ext cx="2667000" cy="2026093"/>
+          </a:xfrm>
+          <a:prstGeom prst="rect">
+            <a:avLst/>
+          </a:prstGeom>
+          <a:noFill/>
+          <a:ln w="9525">
+            <a:noFill/>
+            <a:miter lim="800000"/>
+            <a:headEnd/>
+            <a:tailEnd/>
+          </a:ln>
+        </p:spPr>
+      </p:pic>
+      <p:pic>
+        <p:nvPicPr>
+          <p:cNvPr id="2052" name="Picture 4"/>
+          <p:cNvPicPr>
+            <a:picLocks noChangeAspect="1" noChangeArrowheads="1"/>
+          </p:cNvPicPr>
+          <p:nvPr/>
+        </p:nvPicPr>
+        <p:blipFill>
+          <a:blip r:embed="rId5" cstate="print"/>
+          <a:srcRect/>
+          <a:stretch>
+            <a:fillRect/>
+          </a:stretch>
+        </p:blipFill>
+        <p:spPr bwMode="auto">
+          <a:xfrm>
+            <a:off x="457200" y="914400"/>
+            <a:ext cx="2209800" cy="2220849"/>
+          </a:xfrm>
+          <a:prstGeom prst="rect">
+            <a:avLst/>
+          </a:prstGeom>
+          <a:noFill/>
+          <a:ln w="9525">
+            <a:noFill/>
+            <a:miter lim="800000"/>
+            <a:headEnd/>
+            <a:tailEnd/>
+          </a:ln>
+        </p:spPr>
+      </p:pic>
+      <p:cxnSp>
+        <p:nvCxnSpPr>
+          <p:cNvPr id="9" name="Straight Connector 8"/>
+          <p:cNvCxnSpPr/>
+          <p:nvPr/>
+        </p:nvCxnSpPr>
+        <p:spPr>
+          <a:xfrm>
+            <a:off x="1600200" y="1828800"/>
+            <a:ext cx="457200" cy="4114800"/>
+          </a:xfrm>
+          <a:prstGeom prst="line">
+            <a:avLst/>
+          </a:prstGeom>
           <a:ln>
             <a:solidFill>
               <a:schemeClr val="tx1"/>
@@ -13759,58 +16490,34 @@
           </a:ln>
         </p:spPr>
         <p:style>
-          <a:lnRef idx="2">
-            <a:schemeClr val="accent1">
-              <a:shade val="50000"/>
-            </a:schemeClr>
+          <a:lnRef idx="1">
+            <a:schemeClr val="accent1"/>
           </a:lnRef>
-          <a:fillRef idx="1">
+          <a:fillRef idx="0">
             <a:schemeClr val="accent1"/>
           </a:fillRef>
           <a:effectRef idx="0">
             <a:schemeClr val="accent1"/>
           </a:effectRef>
           <a:fontRef idx="minor">
-            <a:schemeClr val="lt1"/>
+            <a:schemeClr val="tx1"/>
           </a:fontRef>
         </p:style>
-        <p:txBody>
-          <a:bodyPr rtlCol="0" anchor="ctr"/>
-          <a:lstStyle/>
-          <a:p>
-            <a:pPr algn="ctr"/>
-            <a:r>
-              <a:rPr lang="en-US" b="1" dirty="0">
-                <a:solidFill>
-                  <a:srgbClr val="FF0000"/>
-                </a:solidFill>
-              </a:rPr>
-              <a:t>Density at 4 sites</a:t>
-            </a:r>
-          </a:p>
-        </p:txBody>
-      </p:sp>
-      <p:sp>
-        <p:nvSpPr>
-          <p:cNvPr id="8" name="Rectangle 7">
-            <a:extLst>
-              <a:ext uri="{FF2B5EF4-FFF2-40B4-BE49-F238E27FC236}">
-                <a16:creationId xmlns:a16="http://schemas.microsoft.com/office/drawing/2014/main" id="{F2AD29DD-2B6D-4096-BE7F-4ECC343CCC86}"/>
-              </a:ext>
-            </a:extLst>
-          </p:cNvPr>
-          <p:cNvSpPr/>
+      </p:cxnSp>
+      <p:cxnSp>
+        <p:nvCxnSpPr>
+          <p:cNvPr id="11" name="Straight Connector 10"/>
+          <p:cNvCxnSpPr/>
           <p:nvPr/>
-        </p:nvSpPr>
+        </p:nvCxnSpPr>
         <p:spPr>
           <a:xfrm>
-            <a:off x="6468176" y="1524620"/>
-            <a:ext cx="1828800" cy="1111156"/>
+            <a:off x="1600200" y="1828800"/>
+            <a:ext cx="2463209" cy="1436411"/>
           </a:xfrm>
-          <a:prstGeom prst="rect">
+          <a:prstGeom prst="line">
             <a:avLst/>
           </a:prstGeom>
-          <a:noFill/>
           <a:ln>
             <a:solidFill>
               <a:schemeClr val="tx1"/>
@@ -13818,214 +16525,24 @@
           </a:ln>
         </p:spPr>
         <p:style>
-          <a:lnRef idx="2">
-            <a:schemeClr val="accent1">
-              <a:shade val="50000"/>
-            </a:schemeClr>
+          <a:lnRef idx="1">
+            <a:schemeClr val="accent1"/>
           </a:lnRef>
-          <a:fillRef idx="1">
+          <a:fillRef idx="0">
             <a:schemeClr val="accent1"/>
           </a:fillRef>
           <a:effectRef idx="0">
             <a:schemeClr val="accent1"/>
           </a:effectRef>
           <a:fontRef idx="minor">
-            <a:schemeClr val="lt1"/>
+            <a:schemeClr val="tx1"/>
           </a:fontRef>
         </p:style>
-        <p:txBody>
-          <a:bodyPr rtlCol="0" anchor="ctr"/>
-          <a:lstStyle/>
-          <a:p>
-            <a:pPr algn="ctr"/>
-            <a:r>
-              <a:rPr lang="en-US" b="1" dirty="0">
-                <a:solidFill>
-                  <a:srgbClr val="FF0000"/>
-                </a:solidFill>
-              </a:rPr>
-              <a:t>Average density and variability among sites</a:t>
-            </a:r>
-          </a:p>
-        </p:txBody>
-      </p:sp>
-      <p:sp>
-        <p:nvSpPr>
-          <p:cNvPr id="9" name="Rectangle 8">
-            <a:extLst>
-              <a:ext uri="{FF2B5EF4-FFF2-40B4-BE49-F238E27FC236}">
-                <a16:creationId xmlns:a16="http://schemas.microsoft.com/office/drawing/2014/main" id="{AA38EDBA-A1B5-4372-B391-6573B6D79D64}"/>
-              </a:ext>
-            </a:extLst>
-          </p:cNvPr>
-          <p:cNvSpPr/>
-          <p:nvPr/>
-        </p:nvSpPr>
-        <p:spPr>
-          <a:xfrm>
-            <a:off x="6829124" y="3939145"/>
-            <a:ext cx="1828800" cy="1111156"/>
-          </a:xfrm>
-          <a:prstGeom prst="rect">
-            <a:avLst/>
-          </a:prstGeom>
-          <a:noFill/>
-          <a:ln>
-            <a:solidFill>
-              <a:schemeClr val="tx1"/>
-            </a:solidFill>
-          </a:ln>
-        </p:spPr>
-        <p:style>
-          <a:lnRef idx="2">
-            <a:schemeClr val="accent1">
-              <a:shade val="50000"/>
-            </a:schemeClr>
-          </a:lnRef>
-          <a:fillRef idx="1">
-            <a:schemeClr val="accent1"/>
-          </a:fillRef>
-          <a:effectRef idx="0">
-            <a:schemeClr val="accent1"/>
-          </a:effectRef>
-          <a:fontRef idx="minor">
-            <a:schemeClr val="lt1"/>
-          </a:fontRef>
-        </p:style>
-        <p:txBody>
-          <a:bodyPr rtlCol="0" anchor="ctr"/>
-          <a:lstStyle/>
-          <a:p>
-            <a:pPr algn="ctr"/>
-            <a:r>
-              <a:rPr lang="en-US" b="1" dirty="0">
-                <a:solidFill>
-                  <a:srgbClr val="FF0000"/>
-                </a:solidFill>
-              </a:rPr>
-              <a:t>Observed counts from 2 surveys at each site</a:t>
-            </a:r>
-          </a:p>
-        </p:txBody>
-      </p:sp>
-      <p:sp>
-        <p:nvSpPr>
-          <p:cNvPr id="10" name="TextBox 9">
-            <a:extLst>
-              <a:ext uri="{FF2B5EF4-FFF2-40B4-BE49-F238E27FC236}">
-                <a16:creationId xmlns:a16="http://schemas.microsoft.com/office/drawing/2014/main" id="{548D46D9-DC08-4167-B98C-D5BE7F63658A}"/>
-              </a:ext>
-            </a:extLst>
-          </p:cNvPr>
-          <p:cNvSpPr txBox="1"/>
-          <p:nvPr/>
-        </p:nvSpPr>
-        <p:spPr>
-          <a:xfrm>
-            <a:off x="490888" y="5269752"/>
-            <a:ext cx="8024462" cy="830997"/>
-          </a:xfrm>
-          <a:prstGeom prst="rect">
-            <a:avLst/>
-          </a:prstGeom>
-          <a:noFill/>
-        </p:spPr>
-        <p:txBody>
-          <a:bodyPr wrap="square" rtlCol="0">
-            <a:spAutoFit/>
-          </a:bodyPr>
-          <a:lstStyle/>
-          <a:p>
-            <a:pPr marL="285750" indent="-285750">
-              <a:buFont typeface="Arial" panose="020B0604020202020204" pitchFamily="34" charset="0"/>
-              <a:buChar char="•"/>
-            </a:pPr>
-            <a:r>
-              <a:rPr lang="en-US" sz="2400" dirty="0"/>
-              <a:t>The site densities are related (dependent)</a:t>
-            </a:r>
-          </a:p>
-          <a:p>
-            <a:pPr marL="285750" indent="-285750">
-              <a:buFont typeface="Arial" panose="020B0604020202020204" pitchFamily="34" charset="0"/>
-              <a:buChar char="•"/>
-            </a:pPr>
-            <a:r>
-              <a:rPr lang="en-US" sz="2400" dirty="0"/>
-              <a:t>The site densities are not directly observed (latent)</a:t>
-            </a:r>
-          </a:p>
-        </p:txBody>
-      </p:sp>
-      <p:sp>
-        <p:nvSpPr>
-          <p:cNvPr id="11" name="TextBox 10">
-            <a:extLst>
-              <a:ext uri="{FF2B5EF4-FFF2-40B4-BE49-F238E27FC236}">
-                <a16:creationId xmlns:a16="http://schemas.microsoft.com/office/drawing/2014/main" id="{B7E0E7F2-6F4B-448D-B325-85F2883B7329}"/>
-              </a:ext>
-            </a:extLst>
-          </p:cNvPr>
-          <p:cNvSpPr txBox="1"/>
-          <p:nvPr/>
-        </p:nvSpPr>
-        <p:spPr>
-          <a:xfrm>
-            <a:off x="6185648" y="6495301"/>
-            <a:ext cx="2689411" cy="369332"/>
-          </a:xfrm>
-          <a:prstGeom prst="rect">
-            <a:avLst/>
-          </a:prstGeom>
-          <a:noFill/>
-        </p:spPr>
-        <p:txBody>
-          <a:bodyPr wrap="square" rtlCol="0">
-            <a:spAutoFit/>
-          </a:bodyPr>
-          <a:lstStyle/>
-          <a:p>
-            <a:pPr algn="r"/>
-            <a:r>
-              <a:rPr lang="en-US" dirty="0"/>
-              <a:t>Thorson and Minto 2014</a:t>
-            </a:r>
-          </a:p>
-        </p:txBody>
-      </p:sp>
-      <p:sp>
-        <p:nvSpPr>
-          <p:cNvPr id="3" name="Slide Number Placeholder 2">
-            <a:extLst>
-              <a:ext uri="{FF2B5EF4-FFF2-40B4-BE49-F238E27FC236}">
-                <a16:creationId xmlns:a16="http://schemas.microsoft.com/office/drawing/2014/main" id="{A0903ACA-9086-47F5-AADB-D86B9F49FDB3}"/>
-              </a:ext>
-            </a:extLst>
-          </p:cNvPr>
-          <p:cNvSpPr>
-            <a:spLocks noGrp="1"/>
-          </p:cNvSpPr>
-          <p:nvPr>
-            <p:ph type="sldNum" sz="quarter" idx="12"/>
-          </p:nvPr>
-        </p:nvSpPr>
-        <p:spPr/>
-        <p:txBody>
-          <a:bodyPr/>
-          <a:lstStyle/>
-          <a:p>
-            <a:fld id="{A90099C9-4CB8-9A40-B745-9AB270505907}" type="slidenum">
-              <a:rPr lang="en-US" smtClean="0"/>
-              <a:t>9</a:t>
-            </a:fld>
-            <a:endParaRPr lang="en-US"/>
-          </a:p>
-        </p:txBody>
-      </p:sp>
+      </p:cxnSp>
     </p:spTree>
     <p:extLst>
       <p:ext uri="{BB962C8B-B14F-4D97-AF65-F5344CB8AC3E}">
-        <p14:creationId xmlns:p14="http://schemas.microsoft.com/office/powerpoint/2010/main" val="1894922949"/>
+        <p14:creationId xmlns:p14="http://schemas.microsoft.com/office/powerpoint/2010/main" val="208401884"/>
       </p:ext>
     </p:extLst>
   </p:cSld>
